--- a/docs/diagrams/StatisticSequenceDiagram.pptx
+++ b/docs/diagrams/StatisticSequenceDiagram.pptx
@@ -8,8 +8,8 @@
     <p:notesMasterId r:id="rId4"/>
   </p:notesMasterIdLst>
   <p:sldIdLst>
-    <p:sldId id="268" r:id="rId2"/>
-    <p:sldId id="269" r:id="rId3"/>
+    <p:sldId id="269" r:id="rId2"/>
+    <p:sldId id="268" r:id="rId3"/>
   </p:sldIdLst>
   <p:sldSz cx="12192000" cy="6858000"/>
   <p:notesSz cx="6858000" cy="9144000"/>
@@ -544,7 +544,7 @@
           <a:p>
             <a:fld id="{5A7AB025-77E3-4BD1-A2FD-B3183DBA47A3}" type="slidenum">
               <a:rPr lang="en-US" smtClean="0"/>
-              <a:t>1</a:t>
+              <a:t>2</a:t>
             </a:fld>
             <a:endParaRPr lang="en-US"/>
           </a:p>
@@ -3530,2932 +3530,10 @@
           <a:chExt cx="0" cy="0"/>
         </a:xfrm>
       </p:grpSpPr>
-      <p:cxnSp>
-        <p:nvCxnSpPr>
-          <p:cNvPr id="83" name="Straight Connector 82">
-            <a:extLst>
-              <a:ext uri="{FF2B5EF4-FFF2-40B4-BE49-F238E27FC236}">
-                <a16:creationId xmlns:a16="http://schemas.microsoft.com/office/drawing/2014/main" id="{C7F6DA88-5093-4E83-8732-36D669308652}"/>
-              </a:ext>
-            </a:extLst>
-          </p:cNvPr>
-          <p:cNvCxnSpPr>
-            <a:cxnSpLocks/>
-          </p:cNvCxnSpPr>
-          <p:nvPr/>
-        </p:nvCxnSpPr>
-        <p:spPr>
-          <a:xfrm>
-            <a:off x="11158097" y="5844629"/>
-            <a:ext cx="0" cy="919330"/>
-          </a:xfrm>
-          <a:prstGeom prst="line">
-            <a:avLst/>
-          </a:prstGeom>
-          <a:ln w="19050">
-            <a:solidFill>
-              <a:srgbClr val="6CA62C"/>
-            </a:solidFill>
-            <a:prstDash val="sysDash"/>
-          </a:ln>
-          <a:effectLst/>
-        </p:spPr>
-        <p:style>
-          <a:lnRef idx="1">
-            <a:schemeClr val="accent1"/>
-          </a:lnRef>
-          <a:fillRef idx="2">
-            <a:schemeClr val="accent1"/>
-          </a:fillRef>
-          <a:effectRef idx="1">
-            <a:schemeClr val="accent1"/>
-          </a:effectRef>
-          <a:fontRef idx="minor">
-            <a:schemeClr val="dk1"/>
-          </a:fontRef>
-        </p:style>
-      </p:cxnSp>
-      <p:cxnSp>
-        <p:nvCxnSpPr>
-          <p:cNvPr id="82" name="Straight Connector 81">
-            <a:extLst>
-              <a:ext uri="{FF2B5EF4-FFF2-40B4-BE49-F238E27FC236}">
-                <a16:creationId xmlns:a16="http://schemas.microsoft.com/office/drawing/2014/main" id="{15B7982C-887F-4342-8747-16359DEA8FD2}"/>
-              </a:ext>
-            </a:extLst>
-          </p:cNvPr>
-          <p:cNvCxnSpPr>
-            <a:cxnSpLocks/>
-          </p:cNvCxnSpPr>
-          <p:nvPr/>
-        </p:nvCxnSpPr>
-        <p:spPr>
-          <a:xfrm>
-            <a:off x="9105853" y="4810789"/>
-            <a:ext cx="0" cy="1963359"/>
-          </a:xfrm>
-          <a:prstGeom prst="line">
-            <a:avLst/>
-          </a:prstGeom>
-          <a:ln w="19050">
-            <a:solidFill>
-              <a:srgbClr val="6CA62C"/>
-            </a:solidFill>
-            <a:prstDash val="sysDash"/>
-          </a:ln>
-          <a:effectLst/>
-        </p:spPr>
-        <p:style>
-          <a:lnRef idx="1">
-            <a:schemeClr val="accent1"/>
-          </a:lnRef>
-          <a:fillRef idx="2">
-            <a:schemeClr val="accent1"/>
-          </a:fillRef>
-          <a:effectRef idx="1">
-            <a:schemeClr val="accent1"/>
-          </a:effectRef>
-          <a:fontRef idx="minor">
-            <a:schemeClr val="dk1"/>
-          </a:fontRef>
-        </p:style>
-      </p:cxnSp>
-      <p:sp>
-        <p:nvSpPr>
-          <p:cNvPr id="59" name="Rectangle 65">
-            <a:extLst>
-              <a:ext uri="{FF2B5EF4-FFF2-40B4-BE49-F238E27FC236}">
-                <a16:creationId xmlns:a16="http://schemas.microsoft.com/office/drawing/2014/main" id="{896D0EA1-B55C-4D9F-869C-3FB508B66DA9}"/>
-              </a:ext>
-            </a:extLst>
-          </p:cNvPr>
-          <p:cNvSpPr/>
-          <p:nvPr/>
-        </p:nvSpPr>
-        <p:spPr>
-          <a:xfrm>
-            <a:off x="8270014" y="0"/>
-            <a:ext cx="3894048" cy="6858000"/>
-          </a:xfrm>
-          <a:prstGeom prst="roundRect">
-            <a:avLst>
-              <a:gd name="adj" fmla="val 3484"/>
-            </a:avLst>
-          </a:prstGeom>
-          <a:solidFill>
-            <a:srgbClr val="AAECD6"/>
-          </a:solidFill>
-          <a:ln w="19050">
-            <a:noFill/>
-          </a:ln>
-          <a:effectLst/>
-        </p:spPr>
-        <p:style>
-          <a:lnRef idx="1">
-            <a:schemeClr val="accent2"/>
-          </a:lnRef>
-          <a:fillRef idx="2">
-            <a:schemeClr val="accent2"/>
-          </a:fillRef>
-          <a:effectRef idx="1">
-            <a:schemeClr val="accent2"/>
-          </a:effectRef>
-          <a:fontRef idx="minor">
-            <a:schemeClr val="dk1"/>
-          </a:fontRef>
-        </p:style>
-        <p:txBody>
-          <a:bodyPr rtlCol="0" anchor="t"/>
-          <a:lstStyle/>
-          <a:p>
-            <a:r>
-              <a:rPr lang="en-SG" sz="1400" b="1" dirty="0" err="1">
-                <a:solidFill>
-                  <a:schemeClr val="tx1"/>
-                </a:solidFill>
-              </a:rPr>
-              <a:t>PieChart</a:t>
-            </a:r>
-            <a:endParaRPr lang="en-SG" sz="1400" b="1" dirty="0">
-              <a:solidFill>
-                <a:schemeClr val="tx1"/>
-              </a:solidFill>
-            </a:endParaRPr>
-          </a:p>
-        </p:txBody>
-      </p:sp>
-      <p:sp>
-        <p:nvSpPr>
-          <p:cNvPr id="7" name="Rectangle 65">
-            <a:extLst>
-              <a:ext uri="{FF2B5EF4-FFF2-40B4-BE49-F238E27FC236}">
-                <a16:creationId xmlns:a16="http://schemas.microsoft.com/office/drawing/2014/main" id="{D09554F3-903E-489E-AD66-28D059E410CF}"/>
-              </a:ext>
-            </a:extLst>
-          </p:cNvPr>
-          <p:cNvSpPr/>
-          <p:nvPr/>
-        </p:nvSpPr>
-        <p:spPr>
-          <a:xfrm>
-            <a:off x="4783" y="-1"/>
-            <a:ext cx="8301017" cy="6857995"/>
-          </a:xfrm>
-          <a:prstGeom prst="roundRect">
-            <a:avLst>
-              <a:gd name="adj" fmla="val 3484"/>
-            </a:avLst>
-          </a:prstGeom>
-          <a:solidFill>
-            <a:srgbClr val="CCE9AD"/>
-          </a:solidFill>
-          <a:ln w="19050">
-            <a:noFill/>
-          </a:ln>
-          <a:effectLst/>
-        </p:spPr>
-        <p:style>
-          <a:lnRef idx="1">
-            <a:schemeClr val="accent2"/>
-          </a:lnRef>
-          <a:fillRef idx="2">
-            <a:schemeClr val="accent2"/>
-          </a:fillRef>
-          <a:effectRef idx="1">
-            <a:schemeClr val="accent2"/>
-          </a:effectRef>
-          <a:fontRef idx="minor">
-            <a:schemeClr val="dk1"/>
-          </a:fontRef>
-        </p:style>
-        <p:txBody>
-          <a:bodyPr rtlCol="0" anchor="t"/>
-          <a:lstStyle/>
-          <a:p>
-            <a:r>
-              <a:rPr lang="en-SG" sz="1400" b="1" dirty="0">
-                <a:solidFill>
-                  <a:schemeClr val="tx1"/>
-                </a:solidFill>
-              </a:rPr>
-              <a:t>User Interface</a:t>
-            </a:r>
-          </a:p>
-        </p:txBody>
-      </p:sp>
-      <p:cxnSp>
-        <p:nvCxnSpPr>
-          <p:cNvPr id="21" name="Straight Connector 20">
-            <a:extLst>
-              <a:ext uri="{FF2B5EF4-FFF2-40B4-BE49-F238E27FC236}">
-                <a16:creationId xmlns:a16="http://schemas.microsoft.com/office/drawing/2014/main" id="{8C87B312-1750-4E55-832F-B6D80E6705A8}"/>
-              </a:ext>
-            </a:extLst>
-          </p:cNvPr>
-          <p:cNvCxnSpPr>
-            <a:cxnSpLocks/>
-          </p:cNvCxnSpPr>
-          <p:nvPr/>
-        </p:nvCxnSpPr>
-        <p:spPr>
-          <a:xfrm>
-            <a:off x="5692531" y="1796235"/>
-            <a:ext cx="1" cy="4891525"/>
-          </a:xfrm>
-          <a:prstGeom prst="line">
-            <a:avLst/>
-          </a:prstGeom>
-          <a:ln w="19050">
-            <a:solidFill>
-              <a:srgbClr val="6CA62C"/>
-            </a:solidFill>
-            <a:prstDash val="sysDash"/>
-          </a:ln>
-          <a:effectLst/>
-        </p:spPr>
-        <p:style>
-          <a:lnRef idx="1">
-            <a:schemeClr val="accent1"/>
-          </a:lnRef>
-          <a:fillRef idx="2">
-            <a:schemeClr val="accent1"/>
-          </a:fillRef>
-          <a:effectRef idx="1">
-            <a:schemeClr val="accent1"/>
-          </a:effectRef>
-          <a:fontRef idx="minor">
-            <a:schemeClr val="dk1"/>
-          </a:fontRef>
-        </p:style>
-      </p:cxnSp>
-      <p:cxnSp>
-        <p:nvCxnSpPr>
-          <p:cNvPr id="12" name="Straight Connector 11">
-            <a:extLst>
-              <a:ext uri="{FF2B5EF4-FFF2-40B4-BE49-F238E27FC236}">
-                <a16:creationId xmlns:a16="http://schemas.microsoft.com/office/drawing/2014/main" id="{F6170F48-7DF4-4A56-A30B-CEA5898C0A5B}"/>
-              </a:ext>
-            </a:extLst>
-          </p:cNvPr>
-          <p:cNvCxnSpPr>
-            <a:cxnSpLocks/>
-          </p:cNvCxnSpPr>
-          <p:nvPr/>
-        </p:nvCxnSpPr>
-        <p:spPr>
-          <a:xfrm flipH="1">
-            <a:off x="3129025" y="688940"/>
-            <a:ext cx="1" cy="5998820"/>
-          </a:xfrm>
-          <a:prstGeom prst="line">
-            <a:avLst/>
-          </a:prstGeom>
-          <a:ln w="19050">
-            <a:solidFill>
-              <a:srgbClr val="6CA62C"/>
-            </a:solidFill>
-            <a:prstDash val="sysDash"/>
-          </a:ln>
-          <a:effectLst/>
-        </p:spPr>
-        <p:style>
-          <a:lnRef idx="1">
-            <a:schemeClr val="accent1"/>
-          </a:lnRef>
-          <a:fillRef idx="2">
-            <a:schemeClr val="accent1"/>
-          </a:fillRef>
-          <a:effectRef idx="1">
-            <a:schemeClr val="accent1"/>
-          </a:effectRef>
-          <a:fontRef idx="minor">
-            <a:schemeClr val="dk1"/>
-          </a:fontRef>
-        </p:style>
-      </p:cxnSp>
-      <p:cxnSp>
-        <p:nvCxnSpPr>
-          <p:cNvPr id="4" name="Straight Connector 3">
-            <a:extLst>
-              <a:ext uri="{FF2B5EF4-FFF2-40B4-BE49-F238E27FC236}">
-                <a16:creationId xmlns:a16="http://schemas.microsoft.com/office/drawing/2014/main" id="{279D9DF0-DF81-4601-99D5-AF64BF36BA46}"/>
-              </a:ext>
-            </a:extLst>
-          </p:cNvPr>
-          <p:cNvCxnSpPr>
-            <a:cxnSpLocks/>
-          </p:cNvCxnSpPr>
-          <p:nvPr/>
-        </p:nvCxnSpPr>
-        <p:spPr>
-          <a:xfrm flipH="1">
-            <a:off x="1181100" y="569819"/>
-            <a:ext cx="1" cy="5998820"/>
-          </a:xfrm>
-          <a:prstGeom prst="line">
-            <a:avLst/>
-          </a:prstGeom>
-          <a:ln w="19050">
-            <a:solidFill>
-              <a:srgbClr val="6CA62C"/>
-            </a:solidFill>
-            <a:prstDash val="sysDash"/>
-          </a:ln>
-          <a:effectLst/>
-        </p:spPr>
-        <p:style>
-          <a:lnRef idx="1">
-            <a:schemeClr val="accent1"/>
-          </a:lnRef>
-          <a:fillRef idx="2">
-            <a:schemeClr val="accent1"/>
-          </a:fillRef>
-          <a:effectRef idx="1">
-            <a:schemeClr val="accent1"/>
-          </a:effectRef>
-          <a:fontRef idx="minor">
-            <a:schemeClr val="dk1"/>
-          </a:fontRef>
-        </p:style>
-      </p:cxnSp>
-      <p:sp>
-        <p:nvSpPr>
-          <p:cNvPr id="2" name="Rectangle 1">
-            <a:extLst>
-              <a:ext uri="{FF2B5EF4-FFF2-40B4-BE49-F238E27FC236}">
-                <a16:creationId xmlns:a16="http://schemas.microsoft.com/office/drawing/2014/main" id="{5FCEA3C6-7A49-446F-A4FD-F7F59D7DE788}"/>
-              </a:ext>
-            </a:extLst>
-          </p:cNvPr>
-          <p:cNvSpPr/>
-          <p:nvPr/>
-        </p:nvSpPr>
-        <p:spPr>
-          <a:xfrm>
-            <a:off x="1066799" y="1142999"/>
-            <a:ext cx="230413" cy="5714995"/>
-          </a:xfrm>
-          <a:prstGeom prst="rect">
-            <a:avLst/>
-          </a:prstGeom>
-          <a:solidFill>
-            <a:srgbClr val="92D050"/>
-          </a:solidFill>
-          <a:ln>
-            <a:solidFill>
-              <a:srgbClr val="0070C0"/>
-            </a:solidFill>
-          </a:ln>
-          <a:effectLst/>
-        </p:spPr>
-        <p:style>
-          <a:lnRef idx="1">
-            <a:schemeClr val="accent3"/>
-          </a:lnRef>
-          <a:fillRef idx="2">
-            <a:schemeClr val="accent3"/>
-          </a:fillRef>
-          <a:effectRef idx="1">
-            <a:schemeClr val="accent3"/>
-          </a:effectRef>
-          <a:fontRef idx="minor">
-            <a:schemeClr val="dk1"/>
-          </a:fontRef>
-        </p:style>
-        <p:txBody>
-          <a:bodyPr rtlCol="0" anchor="ctr"/>
-          <a:lstStyle/>
-          <a:p>
-            <a:pPr algn="ctr"/>
-            <a:endParaRPr lang="en-SG" sz="1400"/>
-          </a:p>
-        </p:txBody>
-      </p:sp>
-      <p:sp>
-        <p:nvSpPr>
-          <p:cNvPr id="3" name="Rectangle 62">
-            <a:extLst>
-              <a:ext uri="{FF2B5EF4-FFF2-40B4-BE49-F238E27FC236}">
-                <a16:creationId xmlns:a16="http://schemas.microsoft.com/office/drawing/2014/main" id="{433D8508-129E-470F-8BD4-9E32BAF93F0E}"/>
-              </a:ext>
-            </a:extLst>
-          </p:cNvPr>
-          <p:cNvSpPr/>
-          <p:nvPr/>
-        </p:nvSpPr>
-        <p:spPr>
-          <a:xfrm>
-            <a:off x="453285" y="515560"/>
-            <a:ext cx="1455629" cy="346760"/>
-          </a:xfrm>
-          <a:prstGeom prst="rect">
-            <a:avLst/>
-          </a:prstGeom>
-          <a:solidFill>
-            <a:srgbClr val="92D050"/>
-          </a:solidFill>
-          <a:ln w="19050">
-            <a:solidFill>
-              <a:srgbClr val="0070C0"/>
-            </a:solidFill>
-          </a:ln>
-          <a:effectLst/>
-        </p:spPr>
-        <p:style>
-          <a:lnRef idx="1">
-            <a:schemeClr val="accent2"/>
-          </a:lnRef>
-          <a:fillRef idx="2">
-            <a:schemeClr val="accent2"/>
-          </a:fillRef>
-          <a:effectRef idx="1">
-            <a:schemeClr val="accent2"/>
-          </a:effectRef>
-          <a:fontRef idx="minor">
-            <a:schemeClr val="dk1"/>
-          </a:fontRef>
-        </p:style>
-        <p:txBody>
-          <a:bodyPr rtlCol="0" anchor="ctr"/>
-          <a:lstStyle/>
-          <a:p>
-            <a:pPr algn="ctr"/>
-            <a:r>
-              <a:rPr lang="en-US" sz="1600" dirty="0">
-                <a:solidFill>
-                  <a:schemeClr val="tx1"/>
-                </a:solidFill>
-              </a:rPr>
-              <a:t>:</a:t>
-            </a:r>
-            <a:r>
-              <a:rPr lang="en-US" sz="1600" dirty="0" err="1">
-                <a:solidFill>
-                  <a:schemeClr val="tx1"/>
-                </a:solidFill>
-              </a:rPr>
-              <a:t>MainWindow</a:t>
-            </a:r>
-            <a:endParaRPr lang="en-SG" sz="1600" dirty="0">
-              <a:solidFill>
-                <a:schemeClr val="tx1"/>
-              </a:solidFill>
-            </a:endParaRPr>
-          </a:p>
-        </p:txBody>
-      </p:sp>
-      <p:cxnSp>
-        <p:nvCxnSpPr>
-          <p:cNvPr id="6" name="Straight Arrow Connector 5">
-            <a:extLst>
-              <a:ext uri="{FF2B5EF4-FFF2-40B4-BE49-F238E27FC236}">
-                <a16:creationId xmlns:a16="http://schemas.microsoft.com/office/drawing/2014/main" id="{AB988922-486B-452B-AA9A-F2BFFB533891}"/>
-              </a:ext>
-            </a:extLst>
-          </p:cNvPr>
-          <p:cNvCxnSpPr>
-            <a:cxnSpLocks/>
-          </p:cNvCxnSpPr>
-          <p:nvPr/>
-        </p:nvCxnSpPr>
-        <p:spPr>
-          <a:xfrm>
-            <a:off x="-571751" y="1295400"/>
-            <a:ext cx="1638551" cy="0"/>
-          </a:xfrm>
-          <a:prstGeom prst="straightConnector1">
-            <a:avLst/>
-          </a:prstGeom>
-          <a:ln w="19050">
-            <a:solidFill>
-              <a:srgbClr val="00B050"/>
-            </a:solidFill>
-            <a:tailEnd type="arrow"/>
-          </a:ln>
-        </p:spPr>
-        <p:style>
-          <a:lnRef idx="1">
-            <a:schemeClr val="accent1"/>
-          </a:lnRef>
-          <a:fillRef idx="0">
-            <a:schemeClr val="accent1"/>
-          </a:fillRef>
-          <a:effectRef idx="0">
-            <a:schemeClr val="accent1"/>
-          </a:effectRef>
-          <a:fontRef idx="minor">
-            <a:schemeClr val="tx1"/>
-          </a:fontRef>
-        </p:style>
-      </p:cxnSp>
-      <p:sp>
-        <p:nvSpPr>
-          <p:cNvPr id="8" name="TextBox 7">
-            <a:extLst>
-              <a:ext uri="{FF2B5EF4-FFF2-40B4-BE49-F238E27FC236}">
-                <a16:creationId xmlns:a16="http://schemas.microsoft.com/office/drawing/2014/main" id="{DBFA767C-5781-4C21-A7CB-C38CED8E2110}"/>
-              </a:ext>
-            </a:extLst>
-          </p:cNvPr>
-          <p:cNvSpPr txBox="1"/>
-          <p:nvPr/>
-        </p:nvSpPr>
-        <p:spPr>
-          <a:xfrm>
-            <a:off x="-1219200" y="1345022"/>
-            <a:ext cx="2257550" cy="430887"/>
-          </a:xfrm>
-          <a:prstGeom prst="rect">
-            <a:avLst/>
-          </a:prstGeom>
-          <a:noFill/>
-        </p:spPr>
-        <p:txBody>
-          <a:bodyPr wrap="square" lIns="0" tIns="0" rIns="0" bIns="0" rtlCol="0">
-            <a:spAutoFit/>
-          </a:bodyPr>
-          <a:lstStyle/>
-          <a:p>
-            <a:pPr algn="ctr"/>
-            <a:r>
-              <a:rPr lang="en-US" sz="1400" i="1" dirty="0"/>
-              <a:t>new</a:t>
-            </a:r>
-            <a:r>
-              <a:rPr lang="en-US" sz="1400" b="1" i="1" dirty="0"/>
-              <a:t> </a:t>
-            </a:r>
-            <a:r>
-              <a:rPr lang="en-US" sz="1400" i="1" dirty="0" err="1"/>
-              <a:t>ShowPieChartStatsEvent</a:t>
-            </a:r>
-            <a:r>
-              <a:rPr lang="en-US" sz="1400" i="1" dirty="0"/>
-              <a:t>(data)</a:t>
-            </a:r>
-          </a:p>
-        </p:txBody>
-      </p:sp>
-      <p:sp>
-        <p:nvSpPr>
-          <p:cNvPr id="10" name="Rectangle 62">
-            <a:extLst>
-              <a:ext uri="{FF2B5EF4-FFF2-40B4-BE49-F238E27FC236}">
-                <a16:creationId xmlns:a16="http://schemas.microsoft.com/office/drawing/2014/main" id="{E1C3582E-F0BF-47A1-B886-DC33238208BC}"/>
-              </a:ext>
-            </a:extLst>
-          </p:cNvPr>
-          <p:cNvSpPr/>
-          <p:nvPr/>
-        </p:nvSpPr>
-        <p:spPr>
-          <a:xfrm>
-            <a:off x="2219451" y="381000"/>
-            <a:ext cx="1971549" cy="481320"/>
-          </a:xfrm>
-          <a:prstGeom prst="rect">
-            <a:avLst/>
-          </a:prstGeom>
-          <a:solidFill>
-            <a:srgbClr val="92D050"/>
-          </a:solidFill>
-          <a:ln w="19050">
-            <a:solidFill>
-              <a:srgbClr val="0070C0"/>
-            </a:solidFill>
-          </a:ln>
-          <a:effectLst/>
-        </p:spPr>
-        <p:style>
-          <a:lnRef idx="1">
-            <a:schemeClr val="accent2"/>
-          </a:lnRef>
-          <a:fillRef idx="2">
-            <a:schemeClr val="accent2"/>
-          </a:fillRef>
-          <a:effectRef idx="1">
-            <a:schemeClr val="accent2"/>
-          </a:effectRef>
-          <a:fontRef idx="minor">
-            <a:schemeClr val="dk1"/>
-          </a:fontRef>
-        </p:style>
-        <p:txBody>
-          <a:bodyPr rtlCol="0" anchor="ctr"/>
-          <a:lstStyle/>
-          <a:p>
-            <a:pPr algn="ctr"/>
-            <a:r>
-              <a:rPr lang="en-US" sz="1600" dirty="0">
-                <a:solidFill>
-                  <a:schemeClr val="tx1"/>
-                </a:solidFill>
-              </a:rPr>
-              <a:t>s : </a:t>
-            </a:r>
-            <a:r>
-              <a:rPr lang="en-US" sz="1600" dirty="0" err="1">
-                <a:solidFill>
-                  <a:schemeClr val="tx1"/>
-                </a:solidFill>
-              </a:rPr>
-              <a:t>StatsDisplayPanel</a:t>
-            </a:r>
-            <a:endParaRPr lang="en-SG" sz="1600" dirty="0">
-              <a:solidFill>
-                <a:schemeClr val="tx1"/>
-              </a:solidFill>
-            </a:endParaRPr>
-          </a:p>
-        </p:txBody>
-      </p:sp>
-      <p:sp>
-        <p:nvSpPr>
-          <p:cNvPr id="11" name="Rectangle 10">
-            <a:extLst>
-              <a:ext uri="{FF2B5EF4-FFF2-40B4-BE49-F238E27FC236}">
-                <a16:creationId xmlns:a16="http://schemas.microsoft.com/office/drawing/2014/main" id="{1AAA0053-402D-4FE6-A574-38EC14040DAE}"/>
-              </a:ext>
-            </a:extLst>
-          </p:cNvPr>
-          <p:cNvSpPr/>
-          <p:nvPr/>
-        </p:nvSpPr>
-        <p:spPr>
-          <a:xfrm>
-            <a:off x="3014725" y="1170260"/>
-            <a:ext cx="209202" cy="5459140"/>
-          </a:xfrm>
-          <a:prstGeom prst="rect">
-            <a:avLst/>
-          </a:prstGeom>
-          <a:solidFill>
-            <a:srgbClr val="92D050"/>
-          </a:solidFill>
-          <a:ln>
-            <a:solidFill>
-              <a:srgbClr val="0070C0"/>
-            </a:solidFill>
-          </a:ln>
-          <a:effectLst/>
-        </p:spPr>
-        <p:style>
-          <a:lnRef idx="1">
-            <a:schemeClr val="accent3"/>
-          </a:lnRef>
-          <a:fillRef idx="2">
-            <a:schemeClr val="accent3"/>
-          </a:fillRef>
-          <a:effectRef idx="1">
-            <a:schemeClr val="accent3"/>
-          </a:effectRef>
-          <a:fontRef idx="minor">
-            <a:schemeClr val="dk1"/>
-          </a:fontRef>
-        </p:style>
-        <p:txBody>
-          <a:bodyPr rtlCol="0" anchor="ctr"/>
-          <a:lstStyle/>
-          <a:p>
-            <a:pPr algn="ctr"/>
-            <a:endParaRPr lang="en-SG" sz="1400"/>
-          </a:p>
-        </p:txBody>
-      </p:sp>
-      <p:cxnSp>
-        <p:nvCxnSpPr>
-          <p:cNvPr id="13" name="Straight Arrow Connector 12">
-            <a:extLst>
-              <a:ext uri="{FF2B5EF4-FFF2-40B4-BE49-F238E27FC236}">
-                <a16:creationId xmlns:a16="http://schemas.microsoft.com/office/drawing/2014/main" id="{94377365-13B4-45F2-B94C-8019488F4D63}"/>
-              </a:ext>
-            </a:extLst>
-          </p:cNvPr>
-          <p:cNvCxnSpPr>
-            <a:cxnSpLocks/>
-          </p:cNvCxnSpPr>
-          <p:nvPr/>
-        </p:nvCxnSpPr>
-        <p:spPr>
-          <a:xfrm>
-            <a:off x="1295400" y="1447664"/>
-            <a:ext cx="1719325" cy="0"/>
-          </a:xfrm>
-          <a:prstGeom prst="straightConnector1">
-            <a:avLst/>
-          </a:prstGeom>
-          <a:ln w="19050">
-            <a:solidFill>
-              <a:srgbClr val="00B050"/>
-            </a:solidFill>
-            <a:tailEnd type="arrow"/>
-          </a:ln>
-        </p:spPr>
-        <p:style>
-          <a:lnRef idx="1">
-            <a:schemeClr val="accent1"/>
-          </a:lnRef>
-          <a:fillRef idx="0">
-            <a:schemeClr val="accent1"/>
-          </a:fillRef>
-          <a:effectRef idx="0">
-            <a:schemeClr val="accent1"/>
-          </a:effectRef>
-          <a:fontRef idx="minor">
-            <a:schemeClr val="tx1"/>
-          </a:fontRef>
-        </p:style>
-      </p:cxnSp>
-      <p:sp>
-        <p:nvSpPr>
-          <p:cNvPr id="15" name="TextBox 14">
-            <a:extLst>
-              <a:ext uri="{FF2B5EF4-FFF2-40B4-BE49-F238E27FC236}">
-                <a16:creationId xmlns:a16="http://schemas.microsoft.com/office/drawing/2014/main" id="{0492DCAE-0C5B-41F0-ABDC-7F0432B57915}"/>
-              </a:ext>
-            </a:extLst>
-          </p:cNvPr>
-          <p:cNvSpPr txBox="1"/>
-          <p:nvPr/>
-        </p:nvSpPr>
-        <p:spPr>
-          <a:xfrm>
-            <a:off x="1353055" y="1536885"/>
-            <a:ext cx="1619500" cy="430887"/>
-          </a:xfrm>
-          <a:prstGeom prst="rect">
-            <a:avLst/>
-          </a:prstGeom>
-          <a:noFill/>
-        </p:spPr>
-        <p:txBody>
-          <a:bodyPr wrap="square" lIns="0" tIns="0" rIns="0" bIns="0" rtlCol="0">
-            <a:spAutoFit/>
-          </a:bodyPr>
-          <a:lstStyle/>
-          <a:p>
-            <a:pPr algn="ctr"/>
-            <a:r>
-              <a:rPr lang="en-US" sz="1400" dirty="0" err="1"/>
-              <a:t>s.handleShowPieChartStatsEvent</a:t>
-            </a:r>
-            <a:r>
-              <a:rPr lang="en-US" sz="1400" dirty="0"/>
-              <a:t>(data)</a:t>
-            </a:r>
-          </a:p>
-        </p:txBody>
-      </p:sp>
-      <p:cxnSp>
-        <p:nvCxnSpPr>
-          <p:cNvPr id="18" name="Straight Arrow Connector 17">
-            <a:extLst>
-              <a:ext uri="{FF2B5EF4-FFF2-40B4-BE49-F238E27FC236}">
-                <a16:creationId xmlns:a16="http://schemas.microsoft.com/office/drawing/2014/main" id="{013C9A0D-AA2A-4E07-8166-B8424F6B7284}"/>
-              </a:ext>
-            </a:extLst>
-          </p:cNvPr>
-          <p:cNvCxnSpPr>
-            <a:cxnSpLocks/>
-          </p:cNvCxnSpPr>
-          <p:nvPr/>
-        </p:nvCxnSpPr>
-        <p:spPr>
-          <a:xfrm>
-            <a:off x="3243325" y="1601105"/>
-            <a:ext cx="1456505" cy="0"/>
-          </a:xfrm>
-          <a:prstGeom prst="straightConnector1">
-            <a:avLst/>
-          </a:prstGeom>
-          <a:ln w="19050">
-            <a:solidFill>
-              <a:srgbClr val="00B050"/>
-            </a:solidFill>
-            <a:tailEnd type="arrow"/>
-          </a:ln>
-        </p:spPr>
-        <p:style>
-          <a:lnRef idx="1">
-            <a:schemeClr val="accent1"/>
-          </a:lnRef>
-          <a:fillRef idx="0">
-            <a:schemeClr val="accent1"/>
-          </a:fillRef>
-          <a:effectRef idx="0">
-            <a:schemeClr val="accent1"/>
-          </a:effectRef>
-          <a:fontRef idx="minor">
-            <a:schemeClr val="tx1"/>
-          </a:fontRef>
-        </p:style>
-      </p:cxnSp>
-      <p:sp>
-        <p:nvSpPr>
-          <p:cNvPr id="23" name="Rectangle 22">
-            <a:extLst>
-              <a:ext uri="{FF2B5EF4-FFF2-40B4-BE49-F238E27FC236}">
-                <a16:creationId xmlns:a16="http://schemas.microsoft.com/office/drawing/2014/main" id="{E1ED8C4C-9EA2-48E4-BE0A-9DB501014FE3}"/>
-              </a:ext>
-            </a:extLst>
-          </p:cNvPr>
-          <p:cNvSpPr/>
-          <p:nvPr/>
-        </p:nvSpPr>
-        <p:spPr>
-          <a:xfrm>
-            <a:off x="5609208" y="1504132"/>
-            <a:ext cx="206360" cy="1868535"/>
-          </a:xfrm>
-          <a:prstGeom prst="rect">
-            <a:avLst/>
-          </a:prstGeom>
-          <a:solidFill>
-            <a:srgbClr val="92D050"/>
-          </a:solidFill>
-          <a:ln>
-            <a:solidFill>
-              <a:srgbClr val="0070C0"/>
-            </a:solidFill>
-          </a:ln>
-          <a:effectLst/>
-        </p:spPr>
-        <p:style>
-          <a:lnRef idx="1">
-            <a:schemeClr val="accent3"/>
-          </a:lnRef>
-          <a:fillRef idx="2">
-            <a:schemeClr val="accent3"/>
-          </a:fillRef>
-          <a:effectRef idx="1">
-            <a:schemeClr val="accent3"/>
-          </a:effectRef>
-          <a:fontRef idx="minor">
-            <a:schemeClr val="dk1"/>
-          </a:fontRef>
-        </p:style>
-        <p:txBody>
-          <a:bodyPr rtlCol="0" anchor="ctr"/>
-          <a:lstStyle/>
-          <a:p>
-            <a:pPr algn="ctr"/>
-            <a:endParaRPr lang="en-SG" sz="1400"/>
-          </a:p>
-        </p:txBody>
-      </p:sp>
-      <p:sp>
-        <p:nvSpPr>
-          <p:cNvPr id="17" name="Rectangle 62">
-            <a:extLst>
-              <a:ext uri="{FF2B5EF4-FFF2-40B4-BE49-F238E27FC236}">
-                <a16:creationId xmlns:a16="http://schemas.microsoft.com/office/drawing/2014/main" id="{0BD15CB9-AAF0-48E6-BA4D-084328CFD649}"/>
-              </a:ext>
-            </a:extLst>
-          </p:cNvPr>
-          <p:cNvSpPr/>
-          <p:nvPr/>
-        </p:nvSpPr>
-        <p:spPr>
-          <a:xfrm>
-            <a:off x="4699830" y="1104595"/>
-            <a:ext cx="1971549" cy="762000"/>
-          </a:xfrm>
-          <a:prstGeom prst="rect">
-            <a:avLst/>
-          </a:prstGeom>
-          <a:solidFill>
-            <a:srgbClr val="92D050"/>
-          </a:solidFill>
-          <a:ln w="19050">
-            <a:solidFill>
-              <a:srgbClr val="0070C0"/>
-            </a:solidFill>
-          </a:ln>
-          <a:effectLst/>
-        </p:spPr>
-        <p:style>
-          <a:lnRef idx="1">
-            <a:schemeClr val="accent2"/>
-          </a:lnRef>
-          <a:fillRef idx="2">
-            <a:schemeClr val="accent2"/>
-          </a:fillRef>
-          <a:effectRef idx="1">
-            <a:schemeClr val="accent2"/>
-          </a:effectRef>
-          <a:fontRef idx="minor">
-            <a:schemeClr val="dk1"/>
-          </a:fontRef>
-        </p:style>
-        <p:txBody>
-          <a:bodyPr rtlCol="0" anchor="ctr"/>
-          <a:lstStyle/>
-          <a:p>
-            <a:pPr algn="ctr"/>
-            <a:r>
-              <a:rPr lang="en-SG" sz="1600" dirty="0">
-                <a:solidFill>
-                  <a:schemeClr val="tx1"/>
-                </a:solidFill>
-              </a:rPr>
-              <a:t>dl: </a:t>
-            </a:r>
-            <a:r>
-              <a:rPr lang="en-SG" sz="1600" dirty="0" err="1">
-                <a:solidFill>
-                  <a:schemeClr val="tx1"/>
-                </a:solidFill>
-              </a:rPr>
-              <a:t>MixedPieChartData</a:t>
-            </a:r>
-            <a:endParaRPr lang="en-SG" sz="1600" dirty="0">
-              <a:solidFill>
-                <a:schemeClr val="tx1"/>
-              </a:solidFill>
-            </a:endParaRPr>
-          </a:p>
-          <a:p>
-            <a:pPr algn="ctr"/>
-            <a:r>
-              <a:rPr lang="en-SG" sz="1600" dirty="0">
-                <a:solidFill>
-                  <a:schemeClr val="tx1"/>
-                </a:solidFill>
-              </a:rPr>
-              <a:t>List</a:t>
-            </a:r>
-          </a:p>
-        </p:txBody>
-      </p:sp>
-      <p:sp>
-        <p:nvSpPr>
-          <p:cNvPr id="24" name="Rectangle 65">
-            <a:extLst>
-              <a:ext uri="{FF2B5EF4-FFF2-40B4-BE49-F238E27FC236}">
-                <a16:creationId xmlns:a16="http://schemas.microsoft.com/office/drawing/2014/main" id="{F0ADF632-9761-47FE-8DCC-955B9253A4F2}"/>
-              </a:ext>
-            </a:extLst>
-          </p:cNvPr>
-          <p:cNvSpPr/>
-          <p:nvPr/>
-        </p:nvSpPr>
-        <p:spPr>
-          <a:xfrm>
-            <a:off x="3649271" y="1893209"/>
-            <a:ext cx="4251911" cy="1343484"/>
-          </a:xfrm>
-          <a:prstGeom prst="roundRect">
-            <a:avLst>
-              <a:gd name="adj" fmla="val 3484"/>
-            </a:avLst>
-          </a:prstGeom>
-          <a:solidFill>
-            <a:srgbClr val="9CD45E">
-              <a:alpha val="30980"/>
-            </a:srgbClr>
-          </a:solidFill>
-          <a:ln w="19050">
-            <a:solidFill>
-              <a:srgbClr val="6CA62C"/>
-            </a:solidFill>
-          </a:ln>
-          <a:effectLst/>
-        </p:spPr>
-        <p:style>
-          <a:lnRef idx="1">
-            <a:schemeClr val="accent2"/>
-          </a:lnRef>
-          <a:fillRef idx="2">
-            <a:schemeClr val="accent2"/>
-          </a:fillRef>
-          <a:effectRef idx="1">
-            <a:schemeClr val="accent2"/>
-          </a:effectRef>
-          <a:fontRef idx="minor">
-            <a:schemeClr val="dk1"/>
-          </a:fontRef>
-        </p:style>
-        <p:txBody>
-          <a:bodyPr rtlCol="0" anchor="t"/>
-          <a:lstStyle/>
-          <a:p>
-            <a:r>
-              <a:rPr lang="en-SG" sz="1400" b="1" dirty="0">
-                <a:solidFill>
-                  <a:schemeClr val="tx1"/>
-                </a:solidFill>
-              </a:rPr>
-              <a:t>                    </a:t>
-            </a:r>
-            <a:r>
-              <a:rPr lang="en-SG" sz="1400" dirty="0">
-                <a:solidFill>
-                  <a:schemeClr val="tx1"/>
-                </a:solidFill>
-              </a:rPr>
-              <a:t>[For all </a:t>
-            </a:r>
-          </a:p>
-          <a:p>
-            <a:r>
-              <a:rPr lang="en-SG" sz="1400" dirty="0">
-                <a:solidFill>
-                  <a:schemeClr val="tx1"/>
-                </a:solidFill>
-              </a:rPr>
-              <a:t>                  data elements]</a:t>
-            </a:r>
-            <a:endParaRPr lang="en-SG" sz="1400" b="1" dirty="0">
-              <a:solidFill>
-                <a:schemeClr val="tx1"/>
-              </a:solidFill>
-            </a:endParaRPr>
-          </a:p>
-        </p:txBody>
-      </p:sp>
-      <p:sp>
-        <p:nvSpPr>
-          <p:cNvPr id="25" name="Rectangle: Diagonal Corners Rounded 24">
-            <a:extLst>
-              <a:ext uri="{FF2B5EF4-FFF2-40B4-BE49-F238E27FC236}">
-                <a16:creationId xmlns:a16="http://schemas.microsoft.com/office/drawing/2014/main" id="{E49957D8-4FB8-4DDA-8FA9-CEE56A7B7511}"/>
-              </a:ext>
-            </a:extLst>
-          </p:cNvPr>
-          <p:cNvSpPr/>
-          <p:nvPr/>
-        </p:nvSpPr>
-        <p:spPr>
-          <a:xfrm>
-            <a:off x="3674349" y="1873958"/>
-            <a:ext cx="742594" cy="361973"/>
-          </a:xfrm>
-          <a:prstGeom prst="round2DiagRect">
-            <a:avLst/>
-          </a:prstGeom>
-          <a:solidFill>
-            <a:srgbClr val="BDE394"/>
-          </a:solidFill>
-          <a:ln>
-            <a:solidFill>
-              <a:srgbClr val="70AC2E"/>
-            </a:solidFill>
-          </a:ln>
-        </p:spPr>
-        <p:style>
-          <a:lnRef idx="2">
-            <a:schemeClr val="accent1">
-              <a:shade val="50000"/>
-            </a:schemeClr>
-          </a:lnRef>
-          <a:fillRef idx="1">
-            <a:schemeClr val="accent1"/>
-          </a:fillRef>
-          <a:effectRef idx="0">
-            <a:schemeClr val="accent1"/>
-          </a:effectRef>
-          <a:fontRef idx="minor">
-            <a:schemeClr val="lt1"/>
-          </a:fontRef>
-        </p:style>
-        <p:txBody>
-          <a:bodyPr rtlCol="0" anchor="ctr"/>
-          <a:lstStyle/>
-          <a:p>
-            <a:pPr algn="ctr"/>
-            <a:r>
-              <a:rPr lang="en-SG" dirty="0">
-                <a:solidFill>
-                  <a:schemeClr val="tx1"/>
-                </a:solidFill>
-              </a:rPr>
-              <a:t>Loop</a:t>
-            </a:r>
-          </a:p>
-        </p:txBody>
-      </p:sp>
-      <p:sp>
-        <p:nvSpPr>
-          <p:cNvPr id="27" name="Rectangle 26">
-            <a:extLst>
-              <a:ext uri="{FF2B5EF4-FFF2-40B4-BE49-F238E27FC236}">
-                <a16:creationId xmlns:a16="http://schemas.microsoft.com/office/drawing/2014/main" id="{762B8E27-FDAB-4904-987D-5FEB6E989E91}"/>
-              </a:ext>
-            </a:extLst>
-          </p:cNvPr>
-          <p:cNvSpPr/>
-          <p:nvPr/>
-        </p:nvSpPr>
-        <p:spPr>
-          <a:xfrm>
-            <a:off x="5707238" y="2035967"/>
-            <a:ext cx="206361" cy="419016"/>
-          </a:xfrm>
-          <a:prstGeom prst="rect">
-            <a:avLst/>
-          </a:prstGeom>
-          <a:solidFill>
-            <a:srgbClr val="92D050"/>
-          </a:solidFill>
-          <a:ln>
-            <a:solidFill>
-              <a:srgbClr val="0070C0"/>
-            </a:solidFill>
-          </a:ln>
-          <a:effectLst/>
-        </p:spPr>
-        <p:style>
-          <a:lnRef idx="1">
-            <a:schemeClr val="accent3"/>
-          </a:lnRef>
-          <a:fillRef idx="2">
-            <a:schemeClr val="accent3"/>
-          </a:fillRef>
-          <a:effectRef idx="1">
-            <a:schemeClr val="accent3"/>
-          </a:effectRef>
-          <a:fontRef idx="minor">
-            <a:schemeClr val="dk1"/>
-          </a:fontRef>
-        </p:style>
-        <p:txBody>
-          <a:bodyPr rtlCol="0" anchor="ctr"/>
-          <a:lstStyle/>
-          <a:p>
-            <a:pPr algn="ctr"/>
-            <a:endParaRPr lang="en-SG" sz="1400"/>
-          </a:p>
-        </p:txBody>
-      </p:sp>
-      <p:cxnSp>
-        <p:nvCxnSpPr>
-          <p:cNvPr id="28" name="Connector: Curved 27">
-            <a:extLst>
-              <a:ext uri="{FF2B5EF4-FFF2-40B4-BE49-F238E27FC236}">
-                <a16:creationId xmlns:a16="http://schemas.microsoft.com/office/drawing/2014/main" id="{47EBB404-F844-43AD-ABFD-0437265A00C8}"/>
-              </a:ext>
-            </a:extLst>
-          </p:cNvPr>
-          <p:cNvCxnSpPr>
-            <a:cxnSpLocks/>
-          </p:cNvCxnSpPr>
-          <p:nvPr/>
-        </p:nvCxnSpPr>
-        <p:spPr>
-          <a:xfrm rot="16200000" flipH="1">
-            <a:off x="5800162" y="2017981"/>
-            <a:ext cx="148766" cy="73926"/>
-          </a:xfrm>
-          <a:prstGeom prst="curvedConnector4">
-            <a:avLst>
-              <a:gd name="adj1" fmla="val -15714"/>
-              <a:gd name="adj2" fmla="val 240699"/>
-            </a:avLst>
-          </a:prstGeom>
-          <a:ln>
-            <a:solidFill>
-              <a:srgbClr val="00B050"/>
-            </a:solidFill>
-            <a:tailEnd type="triangle"/>
-          </a:ln>
-        </p:spPr>
-        <p:style>
-          <a:lnRef idx="1">
-            <a:schemeClr val="accent1"/>
-          </a:lnRef>
-          <a:fillRef idx="0">
-            <a:schemeClr val="accent1"/>
-          </a:fillRef>
-          <a:effectRef idx="0">
-            <a:schemeClr val="accent1"/>
-          </a:effectRef>
-          <a:fontRef idx="minor">
-            <a:schemeClr val="tx1"/>
-          </a:fontRef>
-        </p:style>
-      </p:cxnSp>
-      <p:sp>
-        <p:nvSpPr>
-          <p:cNvPr id="29" name="Rectangle 28">
-            <a:extLst>
-              <a:ext uri="{FF2B5EF4-FFF2-40B4-BE49-F238E27FC236}">
-                <a16:creationId xmlns:a16="http://schemas.microsoft.com/office/drawing/2014/main" id="{834F327B-22F6-40A6-9A0C-CB1C6B20D313}"/>
-              </a:ext>
-            </a:extLst>
-          </p:cNvPr>
-          <p:cNvSpPr/>
-          <p:nvPr/>
-        </p:nvSpPr>
-        <p:spPr>
-          <a:xfrm>
-            <a:off x="5707238" y="2615649"/>
-            <a:ext cx="206361" cy="419016"/>
-          </a:xfrm>
-          <a:prstGeom prst="rect">
-            <a:avLst/>
-          </a:prstGeom>
-          <a:solidFill>
-            <a:srgbClr val="92D050"/>
-          </a:solidFill>
-          <a:ln>
-            <a:solidFill>
-              <a:srgbClr val="0070C0"/>
-            </a:solidFill>
-          </a:ln>
-          <a:effectLst/>
-        </p:spPr>
-        <p:style>
-          <a:lnRef idx="1">
-            <a:schemeClr val="accent3"/>
-          </a:lnRef>
-          <a:fillRef idx="2">
-            <a:schemeClr val="accent3"/>
-          </a:fillRef>
-          <a:effectRef idx="1">
-            <a:schemeClr val="accent3"/>
-          </a:effectRef>
-          <a:fontRef idx="minor">
-            <a:schemeClr val="dk1"/>
-          </a:fontRef>
-        </p:style>
-        <p:txBody>
-          <a:bodyPr rtlCol="0" anchor="ctr"/>
-          <a:lstStyle/>
-          <a:p>
-            <a:pPr algn="ctr"/>
-            <a:endParaRPr lang="en-SG" sz="1400"/>
-          </a:p>
-        </p:txBody>
-      </p:sp>
-      <p:cxnSp>
-        <p:nvCxnSpPr>
-          <p:cNvPr id="30" name="Connector: Curved 29">
-            <a:extLst>
-              <a:ext uri="{FF2B5EF4-FFF2-40B4-BE49-F238E27FC236}">
-                <a16:creationId xmlns:a16="http://schemas.microsoft.com/office/drawing/2014/main" id="{015A7019-A6B3-4EDD-91FE-EB343DC4F32B}"/>
-              </a:ext>
-            </a:extLst>
-          </p:cNvPr>
-          <p:cNvCxnSpPr>
-            <a:cxnSpLocks/>
-          </p:cNvCxnSpPr>
-          <p:nvPr/>
-        </p:nvCxnSpPr>
-        <p:spPr>
-          <a:xfrm rot="16200000" flipH="1">
-            <a:off x="5811625" y="2600125"/>
-            <a:ext cx="148766" cy="73926"/>
-          </a:xfrm>
-          <a:prstGeom prst="curvedConnector4">
-            <a:avLst>
-              <a:gd name="adj1" fmla="val -15714"/>
-              <a:gd name="adj2" fmla="val 240699"/>
-            </a:avLst>
-          </a:prstGeom>
-          <a:ln>
-            <a:solidFill>
-              <a:srgbClr val="00B050"/>
-            </a:solidFill>
-            <a:tailEnd type="triangle"/>
-          </a:ln>
-        </p:spPr>
-        <p:style>
-          <a:lnRef idx="1">
-            <a:schemeClr val="accent1"/>
-          </a:lnRef>
-          <a:fillRef idx="0">
-            <a:schemeClr val="accent1"/>
-          </a:fillRef>
-          <a:effectRef idx="0">
-            <a:schemeClr val="accent1"/>
-          </a:effectRef>
-          <a:fontRef idx="minor">
-            <a:schemeClr val="tx1"/>
-          </a:fontRef>
-        </p:style>
-      </p:cxnSp>
-      <p:sp>
-        <p:nvSpPr>
-          <p:cNvPr id="31" name="TextBox 30">
-            <a:extLst>
-              <a:ext uri="{FF2B5EF4-FFF2-40B4-BE49-F238E27FC236}">
-                <a16:creationId xmlns:a16="http://schemas.microsoft.com/office/drawing/2014/main" id="{F5C01DC2-424B-4725-B57A-BA5B90F47EAF}"/>
-              </a:ext>
-            </a:extLst>
-          </p:cNvPr>
-          <p:cNvSpPr txBox="1"/>
-          <p:nvPr/>
-        </p:nvSpPr>
-        <p:spPr>
-          <a:xfrm>
-            <a:off x="5837582" y="2115676"/>
-            <a:ext cx="2063600" cy="215444"/>
-          </a:xfrm>
-          <a:prstGeom prst="rect">
-            <a:avLst/>
-          </a:prstGeom>
-          <a:noFill/>
-        </p:spPr>
-        <p:txBody>
-          <a:bodyPr wrap="square" lIns="0" tIns="0" rIns="0" bIns="0" rtlCol="0">
-            <a:spAutoFit/>
-          </a:bodyPr>
-          <a:lstStyle/>
-          <a:p>
-            <a:pPr algn="ctr"/>
-            <a:r>
-              <a:rPr lang="en-US" sz="1400" dirty="0" err="1"/>
-              <a:t>addToExpenseLabelData</a:t>
-            </a:r>
-            <a:r>
-              <a:rPr lang="en-US" sz="1400" dirty="0"/>
-              <a:t>()</a:t>
-            </a:r>
-          </a:p>
-        </p:txBody>
-      </p:sp>
-      <p:sp>
-        <p:nvSpPr>
-          <p:cNvPr id="32" name="TextBox 31">
-            <a:extLst>
-              <a:ext uri="{FF2B5EF4-FFF2-40B4-BE49-F238E27FC236}">
-                <a16:creationId xmlns:a16="http://schemas.microsoft.com/office/drawing/2014/main" id="{0F1FC668-8A39-4F7F-A6AA-8793F470AAEA}"/>
-              </a:ext>
-            </a:extLst>
-          </p:cNvPr>
-          <p:cNvSpPr txBox="1"/>
-          <p:nvPr/>
-        </p:nvSpPr>
-        <p:spPr>
-          <a:xfrm>
-            <a:off x="5794201" y="2745331"/>
-            <a:ext cx="2063600" cy="215444"/>
-          </a:xfrm>
-          <a:prstGeom prst="rect">
-            <a:avLst/>
-          </a:prstGeom>
-          <a:noFill/>
-        </p:spPr>
-        <p:txBody>
-          <a:bodyPr wrap="square" lIns="0" tIns="0" rIns="0" bIns="0" rtlCol="0">
-            <a:spAutoFit/>
-          </a:bodyPr>
-          <a:lstStyle/>
-          <a:p>
-            <a:pPr algn="ctr"/>
-            <a:r>
-              <a:rPr lang="en-US" sz="1400" dirty="0" err="1"/>
-              <a:t>addToIncomeLabelData</a:t>
-            </a:r>
-            <a:r>
-              <a:rPr lang="en-US" sz="1400" dirty="0"/>
-              <a:t>()</a:t>
-            </a:r>
-          </a:p>
-        </p:txBody>
-      </p:sp>
-      <p:cxnSp>
-        <p:nvCxnSpPr>
-          <p:cNvPr id="36" name="Straight Arrow Connector 35">
-            <a:extLst>
-              <a:ext uri="{FF2B5EF4-FFF2-40B4-BE49-F238E27FC236}">
-                <a16:creationId xmlns:a16="http://schemas.microsoft.com/office/drawing/2014/main" id="{820107EE-7CED-421F-898F-6CA7BCE61F23}"/>
-              </a:ext>
-            </a:extLst>
-          </p:cNvPr>
-          <p:cNvCxnSpPr>
-            <a:cxnSpLocks/>
-          </p:cNvCxnSpPr>
-          <p:nvPr/>
-        </p:nvCxnSpPr>
-        <p:spPr>
-          <a:xfrm flipH="1">
-            <a:off x="3243325" y="3354434"/>
-            <a:ext cx="2327981" cy="0"/>
-          </a:xfrm>
-          <a:prstGeom prst="straightConnector1">
-            <a:avLst/>
-          </a:prstGeom>
-          <a:ln w="19050">
-            <a:solidFill>
-              <a:srgbClr val="00B050"/>
-            </a:solidFill>
-            <a:prstDash val="sysDash"/>
-            <a:tailEnd type="arrow"/>
-          </a:ln>
-        </p:spPr>
-        <p:style>
-          <a:lnRef idx="1">
-            <a:schemeClr val="accent1"/>
-          </a:lnRef>
-          <a:fillRef idx="0">
-            <a:schemeClr val="accent1"/>
-          </a:fillRef>
-          <a:effectRef idx="0">
-            <a:schemeClr val="accent1"/>
-          </a:effectRef>
-          <a:fontRef idx="minor">
-            <a:schemeClr val="tx1"/>
-          </a:fontRef>
-        </p:style>
-      </p:cxnSp>
-      <p:sp>
-        <p:nvSpPr>
-          <p:cNvPr id="40" name="TextBox 39">
-            <a:extLst>
-              <a:ext uri="{FF2B5EF4-FFF2-40B4-BE49-F238E27FC236}">
-                <a16:creationId xmlns:a16="http://schemas.microsoft.com/office/drawing/2014/main" id="{5C8EF5A4-24E8-435E-B359-28FE3EB32BE8}"/>
-              </a:ext>
-            </a:extLst>
-          </p:cNvPr>
-          <p:cNvSpPr txBox="1"/>
-          <p:nvPr/>
-        </p:nvSpPr>
-        <p:spPr>
-          <a:xfrm>
-            <a:off x="3232160" y="3322464"/>
-            <a:ext cx="2063600" cy="215444"/>
-          </a:xfrm>
-          <a:prstGeom prst="rect">
-            <a:avLst/>
-          </a:prstGeom>
-          <a:noFill/>
-        </p:spPr>
-        <p:txBody>
-          <a:bodyPr wrap="square" lIns="0" tIns="0" rIns="0" bIns="0" rtlCol="0">
-            <a:spAutoFit/>
-          </a:bodyPr>
-          <a:lstStyle/>
-          <a:p>
-            <a:pPr algn="ctr"/>
-            <a:r>
-              <a:rPr lang="en-US" sz="1400" dirty="0"/>
-              <a:t>dl</a:t>
-            </a:r>
-          </a:p>
-        </p:txBody>
-      </p:sp>
-      <p:sp>
-        <p:nvSpPr>
-          <p:cNvPr id="41" name="Rectangle 40">
-            <a:extLst>
-              <a:ext uri="{FF2B5EF4-FFF2-40B4-BE49-F238E27FC236}">
-                <a16:creationId xmlns:a16="http://schemas.microsoft.com/office/drawing/2014/main" id="{0025FAB9-04F6-47C5-93EA-9664323B5C07}"/>
-              </a:ext>
-            </a:extLst>
-          </p:cNvPr>
-          <p:cNvSpPr/>
-          <p:nvPr/>
-        </p:nvSpPr>
-        <p:spPr>
-          <a:xfrm>
-            <a:off x="5587841" y="3786878"/>
-            <a:ext cx="206360" cy="251714"/>
-          </a:xfrm>
-          <a:prstGeom prst="rect">
-            <a:avLst/>
-          </a:prstGeom>
-          <a:solidFill>
-            <a:srgbClr val="92D050"/>
-          </a:solidFill>
-          <a:ln>
-            <a:solidFill>
-              <a:srgbClr val="0070C0"/>
-            </a:solidFill>
-          </a:ln>
-          <a:effectLst/>
-        </p:spPr>
-        <p:style>
-          <a:lnRef idx="1">
-            <a:schemeClr val="accent3"/>
-          </a:lnRef>
-          <a:fillRef idx="2">
-            <a:schemeClr val="accent3"/>
-          </a:fillRef>
-          <a:effectRef idx="1">
-            <a:schemeClr val="accent3"/>
-          </a:effectRef>
-          <a:fontRef idx="minor">
-            <a:schemeClr val="dk1"/>
-          </a:fontRef>
-        </p:style>
-        <p:txBody>
-          <a:bodyPr rtlCol="0" anchor="ctr"/>
-          <a:lstStyle/>
-          <a:p>
-            <a:pPr algn="ctr"/>
-            <a:endParaRPr lang="en-SG" sz="1400"/>
-          </a:p>
-        </p:txBody>
-      </p:sp>
-      <p:cxnSp>
-        <p:nvCxnSpPr>
-          <p:cNvPr id="42" name="Straight Arrow Connector 41">
-            <a:extLst>
-              <a:ext uri="{FF2B5EF4-FFF2-40B4-BE49-F238E27FC236}">
-                <a16:creationId xmlns:a16="http://schemas.microsoft.com/office/drawing/2014/main" id="{4B515446-B1DA-4D2E-892E-BD4F9E4E056F}"/>
-              </a:ext>
-            </a:extLst>
-          </p:cNvPr>
-          <p:cNvCxnSpPr>
-            <a:cxnSpLocks/>
-          </p:cNvCxnSpPr>
-          <p:nvPr/>
-        </p:nvCxnSpPr>
-        <p:spPr>
-          <a:xfrm>
-            <a:off x="3243325" y="3810000"/>
-            <a:ext cx="2344516" cy="0"/>
-          </a:xfrm>
-          <a:prstGeom prst="straightConnector1">
-            <a:avLst/>
-          </a:prstGeom>
-          <a:ln w="19050">
-            <a:solidFill>
-              <a:srgbClr val="00B050"/>
-            </a:solidFill>
-            <a:tailEnd type="arrow"/>
-          </a:ln>
-        </p:spPr>
-        <p:style>
-          <a:lnRef idx="1">
-            <a:schemeClr val="accent1"/>
-          </a:lnRef>
-          <a:fillRef idx="0">
-            <a:schemeClr val="accent1"/>
-          </a:fillRef>
-          <a:effectRef idx="0">
-            <a:schemeClr val="accent1"/>
-          </a:effectRef>
-          <a:fontRef idx="minor">
-            <a:schemeClr val="tx1"/>
-          </a:fontRef>
-        </p:style>
-      </p:cxnSp>
-      <p:cxnSp>
-        <p:nvCxnSpPr>
-          <p:cNvPr id="44" name="Straight Arrow Connector 43">
-            <a:extLst>
-              <a:ext uri="{FF2B5EF4-FFF2-40B4-BE49-F238E27FC236}">
-                <a16:creationId xmlns:a16="http://schemas.microsoft.com/office/drawing/2014/main" id="{9B16781C-F668-47AE-85CC-D1D74C08A8D7}"/>
-              </a:ext>
-            </a:extLst>
-          </p:cNvPr>
-          <p:cNvCxnSpPr>
-            <a:cxnSpLocks/>
-          </p:cNvCxnSpPr>
-          <p:nvPr/>
-        </p:nvCxnSpPr>
-        <p:spPr>
-          <a:xfrm flipH="1">
-            <a:off x="3243325" y="4038600"/>
-            <a:ext cx="2327981" cy="0"/>
-          </a:xfrm>
-          <a:prstGeom prst="straightConnector1">
-            <a:avLst/>
-          </a:prstGeom>
-          <a:ln w="19050">
-            <a:solidFill>
-              <a:srgbClr val="00B050"/>
-            </a:solidFill>
-            <a:prstDash val="sysDash"/>
-            <a:tailEnd type="arrow"/>
-          </a:ln>
-        </p:spPr>
-        <p:style>
-          <a:lnRef idx="1">
-            <a:schemeClr val="accent1"/>
-          </a:lnRef>
-          <a:fillRef idx="0">
-            <a:schemeClr val="accent1"/>
-          </a:fillRef>
-          <a:effectRef idx="0">
-            <a:schemeClr val="accent1"/>
-          </a:effectRef>
-          <a:fontRef idx="minor">
-            <a:schemeClr val="tx1"/>
-          </a:fontRef>
-        </p:style>
-      </p:cxnSp>
-      <p:sp>
-        <p:nvSpPr>
-          <p:cNvPr id="45" name="Rectangle 44">
-            <a:extLst>
-              <a:ext uri="{FF2B5EF4-FFF2-40B4-BE49-F238E27FC236}">
-                <a16:creationId xmlns:a16="http://schemas.microsoft.com/office/drawing/2014/main" id="{CB13B61B-18F3-4225-BC25-3CF104C6E3E9}"/>
-              </a:ext>
-            </a:extLst>
-          </p:cNvPr>
-          <p:cNvSpPr/>
-          <p:nvPr/>
-        </p:nvSpPr>
-        <p:spPr>
-          <a:xfrm>
-            <a:off x="5597785" y="4241997"/>
-            <a:ext cx="206360" cy="251714"/>
-          </a:xfrm>
-          <a:prstGeom prst="rect">
-            <a:avLst/>
-          </a:prstGeom>
-          <a:solidFill>
-            <a:srgbClr val="92D050"/>
-          </a:solidFill>
-          <a:ln>
-            <a:solidFill>
-              <a:srgbClr val="0070C0"/>
-            </a:solidFill>
-          </a:ln>
-          <a:effectLst/>
-        </p:spPr>
-        <p:style>
-          <a:lnRef idx="1">
-            <a:schemeClr val="accent3"/>
-          </a:lnRef>
-          <a:fillRef idx="2">
-            <a:schemeClr val="accent3"/>
-          </a:fillRef>
-          <a:effectRef idx="1">
-            <a:schemeClr val="accent3"/>
-          </a:effectRef>
-          <a:fontRef idx="minor">
-            <a:schemeClr val="dk1"/>
-          </a:fontRef>
-        </p:style>
-        <p:txBody>
-          <a:bodyPr rtlCol="0" anchor="ctr"/>
-          <a:lstStyle/>
-          <a:p>
-            <a:pPr algn="ctr"/>
-            <a:endParaRPr lang="en-SG" sz="1400"/>
-          </a:p>
-        </p:txBody>
-      </p:sp>
-      <p:sp>
-        <p:nvSpPr>
-          <p:cNvPr id="46" name="TextBox 45">
-            <a:extLst>
-              <a:ext uri="{FF2B5EF4-FFF2-40B4-BE49-F238E27FC236}">
-                <a16:creationId xmlns:a16="http://schemas.microsoft.com/office/drawing/2014/main" id="{9DE55830-3F89-43C5-80DA-170A2CB9051E}"/>
-              </a:ext>
-            </a:extLst>
-          </p:cNvPr>
-          <p:cNvSpPr txBox="1"/>
-          <p:nvPr/>
-        </p:nvSpPr>
-        <p:spPr>
-          <a:xfrm>
-            <a:off x="3391782" y="3615314"/>
-            <a:ext cx="1914710" cy="153888"/>
-          </a:xfrm>
-          <a:prstGeom prst="rect">
-            <a:avLst/>
-          </a:prstGeom>
-          <a:noFill/>
-        </p:spPr>
-        <p:txBody>
-          <a:bodyPr wrap="square" lIns="0" tIns="0" rIns="0" bIns="0" rtlCol="0">
-            <a:spAutoFit/>
-          </a:bodyPr>
-          <a:lstStyle/>
-          <a:p>
-            <a:pPr algn="ctr"/>
-            <a:r>
-              <a:rPr lang="en-US" sz="1000" dirty="0" err="1"/>
-              <a:t>dl.getExpenseChartLabelData</a:t>
-            </a:r>
-            <a:r>
-              <a:rPr lang="en-US" sz="1000" dirty="0"/>
-              <a:t>()</a:t>
-            </a:r>
-          </a:p>
-        </p:txBody>
-      </p:sp>
-      <p:sp>
-        <p:nvSpPr>
-          <p:cNvPr id="47" name="TextBox 46">
-            <a:extLst>
-              <a:ext uri="{FF2B5EF4-FFF2-40B4-BE49-F238E27FC236}">
-                <a16:creationId xmlns:a16="http://schemas.microsoft.com/office/drawing/2014/main" id="{D3B589B5-12EA-44F1-AF83-95B867FB9447}"/>
-              </a:ext>
-            </a:extLst>
-          </p:cNvPr>
-          <p:cNvSpPr txBox="1"/>
-          <p:nvPr/>
-        </p:nvSpPr>
-        <p:spPr>
-          <a:xfrm>
-            <a:off x="3312187" y="3852934"/>
-            <a:ext cx="1914710" cy="153888"/>
-          </a:xfrm>
-          <a:prstGeom prst="rect">
-            <a:avLst/>
-          </a:prstGeom>
-          <a:noFill/>
-        </p:spPr>
-        <p:txBody>
-          <a:bodyPr wrap="square" lIns="0" tIns="0" rIns="0" bIns="0" rtlCol="0">
-            <a:spAutoFit/>
-          </a:bodyPr>
-          <a:lstStyle/>
-          <a:p>
-            <a:pPr algn="ctr"/>
-            <a:r>
-              <a:rPr lang="en-US" sz="1000" dirty="0" err="1"/>
-              <a:t>expenseLabelData</a:t>
-            </a:r>
-            <a:endParaRPr lang="en-US" sz="1000" dirty="0"/>
-          </a:p>
-        </p:txBody>
-      </p:sp>
-      <p:cxnSp>
-        <p:nvCxnSpPr>
-          <p:cNvPr id="49" name="Straight Arrow Connector 48">
-            <a:extLst>
-              <a:ext uri="{FF2B5EF4-FFF2-40B4-BE49-F238E27FC236}">
-                <a16:creationId xmlns:a16="http://schemas.microsoft.com/office/drawing/2014/main" id="{0564A4CA-695D-47C9-96BD-59BACCA6C8F4}"/>
-              </a:ext>
-            </a:extLst>
-          </p:cNvPr>
-          <p:cNvCxnSpPr>
-            <a:cxnSpLocks/>
-          </p:cNvCxnSpPr>
-          <p:nvPr/>
-        </p:nvCxnSpPr>
-        <p:spPr>
-          <a:xfrm>
-            <a:off x="3264692" y="4241997"/>
-            <a:ext cx="2344516" cy="0"/>
-          </a:xfrm>
-          <a:prstGeom prst="straightConnector1">
-            <a:avLst/>
-          </a:prstGeom>
-          <a:ln w="19050">
-            <a:solidFill>
-              <a:srgbClr val="00B050"/>
-            </a:solidFill>
-            <a:tailEnd type="arrow"/>
-          </a:ln>
-        </p:spPr>
-        <p:style>
-          <a:lnRef idx="1">
-            <a:schemeClr val="accent1"/>
-          </a:lnRef>
-          <a:fillRef idx="0">
-            <a:schemeClr val="accent1"/>
-          </a:fillRef>
-          <a:effectRef idx="0">
-            <a:schemeClr val="accent1"/>
-          </a:effectRef>
-          <a:fontRef idx="minor">
-            <a:schemeClr val="tx1"/>
-          </a:fontRef>
-        </p:style>
-      </p:cxnSp>
-      <p:sp>
-        <p:nvSpPr>
-          <p:cNvPr id="50" name="TextBox 49">
-            <a:extLst>
-              <a:ext uri="{FF2B5EF4-FFF2-40B4-BE49-F238E27FC236}">
-                <a16:creationId xmlns:a16="http://schemas.microsoft.com/office/drawing/2014/main" id="{6D77CFCF-3822-4F02-B008-26BE58DF9AEA}"/>
-              </a:ext>
-            </a:extLst>
-          </p:cNvPr>
-          <p:cNvSpPr txBox="1"/>
-          <p:nvPr/>
-        </p:nvSpPr>
-        <p:spPr>
-          <a:xfrm>
-            <a:off x="3453387" y="4047152"/>
-            <a:ext cx="2008729" cy="153888"/>
-          </a:xfrm>
-          <a:prstGeom prst="rect">
-            <a:avLst/>
-          </a:prstGeom>
-          <a:noFill/>
-        </p:spPr>
-        <p:txBody>
-          <a:bodyPr wrap="square" lIns="0" tIns="0" rIns="0" bIns="0" rtlCol="0">
-            <a:spAutoFit/>
-          </a:bodyPr>
-          <a:lstStyle/>
-          <a:p>
-            <a:pPr algn="ctr"/>
-            <a:r>
-              <a:rPr lang="en-US" sz="1000" dirty="0" err="1"/>
-              <a:t>dl.getExpenseChartLegendData</a:t>
-            </a:r>
-            <a:r>
-              <a:rPr lang="en-US" sz="1000" dirty="0"/>
-              <a:t>()</a:t>
-            </a:r>
-          </a:p>
-        </p:txBody>
-      </p:sp>
-      <p:cxnSp>
-        <p:nvCxnSpPr>
-          <p:cNvPr id="51" name="Straight Arrow Connector 50">
-            <a:extLst>
-              <a:ext uri="{FF2B5EF4-FFF2-40B4-BE49-F238E27FC236}">
-                <a16:creationId xmlns:a16="http://schemas.microsoft.com/office/drawing/2014/main" id="{6077E407-D142-41C6-99D0-303B74CA6BF1}"/>
-              </a:ext>
-            </a:extLst>
-          </p:cNvPr>
-          <p:cNvCxnSpPr>
-            <a:cxnSpLocks/>
-          </p:cNvCxnSpPr>
-          <p:nvPr/>
-        </p:nvCxnSpPr>
-        <p:spPr>
-          <a:xfrm flipH="1">
-            <a:off x="3251592" y="4493711"/>
-            <a:ext cx="2327981" cy="0"/>
-          </a:xfrm>
-          <a:prstGeom prst="straightConnector1">
-            <a:avLst/>
-          </a:prstGeom>
-          <a:ln w="19050">
-            <a:solidFill>
-              <a:srgbClr val="00B050"/>
-            </a:solidFill>
-            <a:prstDash val="sysDash"/>
-            <a:tailEnd type="arrow"/>
-          </a:ln>
-        </p:spPr>
-        <p:style>
-          <a:lnRef idx="1">
-            <a:schemeClr val="accent1"/>
-          </a:lnRef>
-          <a:fillRef idx="0">
-            <a:schemeClr val="accent1"/>
-          </a:fillRef>
-          <a:effectRef idx="0">
-            <a:schemeClr val="accent1"/>
-          </a:effectRef>
-          <a:fontRef idx="minor">
-            <a:schemeClr val="tx1"/>
-          </a:fontRef>
-        </p:style>
-      </p:cxnSp>
-      <p:sp>
-        <p:nvSpPr>
-          <p:cNvPr id="52" name="TextBox 51">
-            <a:extLst>
-              <a:ext uri="{FF2B5EF4-FFF2-40B4-BE49-F238E27FC236}">
-                <a16:creationId xmlns:a16="http://schemas.microsoft.com/office/drawing/2014/main" id="{F9733D07-44AC-4266-A4DF-E8E0BF3D3C7E}"/>
-              </a:ext>
-            </a:extLst>
-          </p:cNvPr>
-          <p:cNvSpPr txBox="1"/>
-          <p:nvPr/>
-        </p:nvSpPr>
-        <p:spPr>
-          <a:xfrm>
-            <a:off x="3326648" y="4327492"/>
-            <a:ext cx="1914710" cy="153888"/>
-          </a:xfrm>
-          <a:prstGeom prst="rect">
-            <a:avLst/>
-          </a:prstGeom>
-          <a:noFill/>
-        </p:spPr>
-        <p:txBody>
-          <a:bodyPr wrap="square" lIns="0" tIns="0" rIns="0" bIns="0" rtlCol="0">
-            <a:spAutoFit/>
-          </a:bodyPr>
-          <a:lstStyle/>
-          <a:p>
-            <a:pPr algn="ctr"/>
-            <a:r>
-              <a:rPr lang="en-US" sz="1000" dirty="0" err="1"/>
-              <a:t>expenseLegendData</a:t>
-            </a:r>
-            <a:endParaRPr lang="en-US" sz="1000" dirty="0"/>
-          </a:p>
-        </p:txBody>
-      </p:sp>
-      <p:cxnSp>
-        <p:nvCxnSpPr>
-          <p:cNvPr id="55" name="Straight Arrow Connector 54">
-            <a:extLst>
-              <a:ext uri="{FF2B5EF4-FFF2-40B4-BE49-F238E27FC236}">
-                <a16:creationId xmlns:a16="http://schemas.microsoft.com/office/drawing/2014/main" id="{2E45A34E-F851-4CC5-9144-7D09EAB6C262}"/>
-              </a:ext>
-            </a:extLst>
-          </p:cNvPr>
-          <p:cNvCxnSpPr>
-            <a:cxnSpLocks/>
-          </p:cNvCxnSpPr>
-          <p:nvPr/>
-        </p:nvCxnSpPr>
-        <p:spPr>
-          <a:xfrm>
-            <a:off x="3243324" y="4724400"/>
-            <a:ext cx="3249262" cy="0"/>
-          </a:xfrm>
-          <a:prstGeom prst="straightConnector1">
-            <a:avLst/>
-          </a:prstGeom>
-          <a:ln w="19050">
-            <a:solidFill>
-              <a:srgbClr val="00B050"/>
-            </a:solidFill>
-            <a:tailEnd type="arrow"/>
-          </a:ln>
-        </p:spPr>
-        <p:style>
-          <a:lnRef idx="1">
-            <a:schemeClr val="accent1"/>
-          </a:lnRef>
-          <a:fillRef idx="0">
-            <a:schemeClr val="accent1"/>
-          </a:fillRef>
-          <a:effectRef idx="0">
-            <a:schemeClr val="accent1"/>
-          </a:effectRef>
-          <a:fontRef idx="minor">
-            <a:schemeClr val="tx1"/>
-          </a:fontRef>
-        </p:style>
-      </p:cxnSp>
-      <p:sp>
-        <p:nvSpPr>
-          <p:cNvPr id="57" name="TextBox 56">
-            <a:extLst>
-              <a:ext uri="{FF2B5EF4-FFF2-40B4-BE49-F238E27FC236}">
-                <a16:creationId xmlns:a16="http://schemas.microsoft.com/office/drawing/2014/main" id="{E4BC3EDB-E7E2-40F8-84CC-E9B2E80476F1}"/>
-              </a:ext>
-            </a:extLst>
-          </p:cNvPr>
-          <p:cNvSpPr txBox="1"/>
-          <p:nvPr/>
-        </p:nvSpPr>
-        <p:spPr>
-          <a:xfrm>
-            <a:off x="3379503" y="4745425"/>
-            <a:ext cx="2159831" cy="307777"/>
-          </a:xfrm>
-          <a:prstGeom prst="rect">
-            <a:avLst/>
-          </a:prstGeom>
-          <a:noFill/>
-        </p:spPr>
-        <p:txBody>
-          <a:bodyPr wrap="square" lIns="0" tIns="0" rIns="0" bIns="0" rtlCol="0">
-            <a:spAutoFit/>
-          </a:bodyPr>
-          <a:lstStyle/>
-          <a:p>
-            <a:pPr algn="ctr"/>
-            <a:r>
-              <a:rPr lang="en-US" sz="1000" dirty="0" err="1"/>
-              <a:t>CategoryBreakdown</a:t>
-            </a:r>
-            <a:r>
-              <a:rPr lang="en-US" sz="1000" dirty="0"/>
-              <a:t>(</a:t>
-            </a:r>
-            <a:r>
-              <a:rPr lang="en-US" sz="1000" dirty="0" err="1"/>
-              <a:t>expenseLabelData</a:t>
-            </a:r>
-            <a:r>
-              <a:rPr lang="en-US" sz="1000" dirty="0"/>
-              <a:t>, </a:t>
-            </a:r>
-            <a:r>
-              <a:rPr lang="en-US" sz="1000" dirty="0" err="1"/>
-              <a:t>expenseLegendData</a:t>
-            </a:r>
-            <a:r>
-              <a:rPr lang="en-US" sz="1000" dirty="0"/>
-              <a:t>)</a:t>
-            </a:r>
-          </a:p>
-        </p:txBody>
-      </p:sp>
-      <p:cxnSp>
-        <p:nvCxnSpPr>
-          <p:cNvPr id="60" name="Straight Arrow Connector 59">
-            <a:extLst>
-              <a:ext uri="{FF2B5EF4-FFF2-40B4-BE49-F238E27FC236}">
-                <a16:creationId xmlns:a16="http://schemas.microsoft.com/office/drawing/2014/main" id="{96245B02-72D1-4312-81EB-7E2710B816F0}"/>
-              </a:ext>
-            </a:extLst>
-          </p:cNvPr>
-          <p:cNvCxnSpPr>
-            <a:cxnSpLocks/>
-          </p:cNvCxnSpPr>
-          <p:nvPr/>
-        </p:nvCxnSpPr>
-        <p:spPr>
-          <a:xfrm>
-            <a:off x="7259267" y="5090830"/>
-            <a:ext cx="1276948" cy="0"/>
-          </a:xfrm>
-          <a:prstGeom prst="straightConnector1">
-            <a:avLst/>
-          </a:prstGeom>
-          <a:ln w="19050">
-            <a:solidFill>
-              <a:srgbClr val="00B050"/>
-            </a:solidFill>
-            <a:tailEnd type="arrow"/>
-          </a:ln>
-        </p:spPr>
-        <p:style>
-          <a:lnRef idx="1">
-            <a:schemeClr val="accent1"/>
-          </a:lnRef>
-          <a:fillRef idx="0">
-            <a:schemeClr val="accent1"/>
-          </a:fillRef>
-          <a:effectRef idx="0">
-            <a:schemeClr val="accent1"/>
-          </a:effectRef>
-          <a:fontRef idx="minor">
-            <a:schemeClr val="tx1"/>
-          </a:fontRef>
-        </p:style>
-      </p:cxnSp>
-      <p:sp>
-        <p:nvSpPr>
-          <p:cNvPr id="65" name="Rectangle 64">
-            <a:extLst>
-              <a:ext uri="{FF2B5EF4-FFF2-40B4-BE49-F238E27FC236}">
-                <a16:creationId xmlns:a16="http://schemas.microsoft.com/office/drawing/2014/main" id="{AA80DB91-BE93-4F59-AFF3-1F7FEE33E119}"/>
-              </a:ext>
-            </a:extLst>
-          </p:cNvPr>
-          <p:cNvSpPr/>
-          <p:nvPr/>
-        </p:nvSpPr>
-        <p:spPr>
-          <a:xfrm>
-            <a:off x="8987978" y="5137333"/>
-            <a:ext cx="222036" cy="940606"/>
-          </a:xfrm>
-          <a:prstGeom prst="rect">
-            <a:avLst/>
-          </a:prstGeom>
-          <a:solidFill>
-            <a:srgbClr val="6FDFBA"/>
-          </a:solidFill>
-          <a:ln>
-            <a:solidFill>
-              <a:srgbClr val="0070C0"/>
-            </a:solidFill>
-          </a:ln>
-          <a:effectLst/>
-        </p:spPr>
-        <p:style>
-          <a:lnRef idx="1">
-            <a:schemeClr val="accent3"/>
-          </a:lnRef>
-          <a:fillRef idx="2">
-            <a:schemeClr val="accent3"/>
-          </a:fillRef>
-          <a:effectRef idx="1">
-            <a:schemeClr val="accent3"/>
-          </a:effectRef>
-          <a:fontRef idx="minor">
-            <a:schemeClr val="dk1"/>
-          </a:fontRef>
-        </p:style>
-        <p:txBody>
-          <a:bodyPr rtlCol="0" anchor="ctr"/>
-          <a:lstStyle/>
-          <a:p>
-            <a:pPr algn="ctr"/>
-            <a:endParaRPr lang="en-SG" sz="1400"/>
-          </a:p>
-        </p:txBody>
-      </p:sp>
-      <p:sp>
-        <p:nvSpPr>
-          <p:cNvPr id="58" name="Rectangle 62">
-            <a:extLst>
-              <a:ext uri="{FF2B5EF4-FFF2-40B4-BE49-F238E27FC236}">
-                <a16:creationId xmlns:a16="http://schemas.microsoft.com/office/drawing/2014/main" id="{E061FF0B-BAFD-4DC3-9F4E-BA4BA3499765}"/>
-              </a:ext>
-            </a:extLst>
-          </p:cNvPr>
-          <p:cNvSpPr/>
-          <p:nvPr/>
-        </p:nvSpPr>
-        <p:spPr>
-          <a:xfrm>
-            <a:off x="8529650" y="4554418"/>
-            <a:ext cx="1152407" cy="762000"/>
-          </a:xfrm>
-          <a:prstGeom prst="rect">
-            <a:avLst/>
-          </a:prstGeom>
-          <a:solidFill>
-            <a:srgbClr val="6FDFBA"/>
-          </a:solidFill>
-          <a:ln w="19050">
-            <a:solidFill>
-              <a:srgbClr val="0070C0"/>
-            </a:solidFill>
-          </a:ln>
-          <a:effectLst/>
-        </p:spPr>
-        <p:style>
-          <a:lnRef idx="1">
-            <a:schemeClr val="accent2"/>
-          </a:lnRef>
-          <a:fillRef idx="2">
-            <a:schemeClr val="accent2"/>
-          </a:fillRef>
-          <a:effectRef idx="1">
-            <a:schemeClr val="accent2"/>
-          </a:effectRef>
-          <a:fontRef idx="minor">
-            <a:schemeClr val="dk1"/>
-          </a:fontRef>
-        </p:style>
-        <p:txBody>
-          <a:bodyPr rtlCol="0" anchor="ctr"/>
-          <a:lstStyle/>
-          <a:p>
-            <a:pPr algn="ctr"/>
-            <a:r>
-              <a:rPr lang="en-SG" sz="1600" dirty="0">
-                <a:solidFill>
-                  <a:schemeClr val="tx1"/>
-                </a:solidFill>
-              </a:rPr>
-              <a:t>p: </a:t>
-            </a:r>
-            <a:r>
-              <a:rPr lang="en-SG" sz="1600" dirty="0" err="1">
-                <a:solidFill>
-                  <a:schemeClr val="tx1"/>
-                </a:solidFill>
-              </a:rPr>
-              <a:t>CustomPieChart</a:t>
-            </a:r>
-            <a:endParaRPr lang="en-SG" sz="1600" dirty="0">
-              <a:solidFill>
-                <a:schemeClr val="tx1"/>
-              </a:solidFill>
-            </a:endParaRPr>
-          </a:p>
-        </p:txBody>
-      </p:sp>
-      <p:cxnSp>
-        <p:nvCxnSpPr>
-          <p:cNvPr id="68" name="Straight Arrow Connector 67">
-            <a:extLst>
-              <a:ext uri="{FF2B5EF4-FFF2-40B4-BE49-F238E27FC236}">
-                <a16:creationId xmlns:a16="http://schemas.microsoft.com/office/drawing/2014/main" id="{49AC6C29-5336-44EA-96EC-BAEBE608BD13}"/>
-              </a:ext>
-            </a:extLst>
-          </p:cNvPr>
-          <p:cNvCxnSpPr>
-            <a:cxnSpLocks/>
-          </p:cNvCxnSpPr>
-          <p:nvPr/>
-        </p:nvCxnSpPr>
-        <p:spPr>
-          <a:xfrm>
-            <a:off x="9177276" y="5501456"/>
-            <a:ext cx="1212373" cy="0"/>
-          </a:xfrm>
-          <a:prstGeom prst="straightConnector1">
-            <a:avLst/>
-          </a:prstGeom>
-          <a:ln w="19050">
-            <a:solidFill>
-              <a:srgbClr val="28B284"/>
-            </a:solidFill>
-            <a:tailEnd type="arrow"/>
-          </a:ln>
-        </p:spPr>
-        <p:style>
-          <a:lnRef idx="1">
-            <a:schemeClr val="accent1"/>
-          </a:lnRef>
-          <a:fillRef idx="0">
-            <a:schemeClr val="accent1"/>
-          </a:fillRef>
-          <a:effectRef idx="0">
-            <a:schemeClr val="accent1"/>
-          </a:effectRef>
-          <a:fontRef idx="minor">
-            <a:schemeClr val="tx1"/>
-          </a:fontRef>
-        </p:style>
-      </p:cxnSp>
-      <p:sp>
-        <p:nvSpPr>
-          <p:cNvPr id="70" name="Rectangle 69">
-            <a:extLst>
-              <a:ext uri="{FF2B5EF4-FFF2-40B4-BE49-F238E27FC236}">
-                <a16:creationId xmlns:a16="http://schemas.microsoft.com/office/drawing/2014/main" id="{9758A789-166E-4E2A-8CCF-4A9BDE120C36}"/>
-              </a:ext>
-            </a:extLst>
-          </p:cNvPr>
-          <p:cNvSpPr/>
-          <p:nvPr/>
-        </p:nvSpPr>
-        <p:spPr>
-          <a:xfrm>
-            <a:off x="11063448" y="5368166"/>
-            <a:ext cx="189298" cy="575434"/>
-          </a:xfrm>
-          <a:prstGeom prst="rect">
-            <a:avLst/>
-          </a:prstGeom>
-          <a:solidFill>
-            <a:srgbClr val="6FDFBA"/>
-          </a:solidFill>
-          <a:ln>
-            <a:solidFill>
-              <a:srgbClr val="0070C0"/>
-            </a:solidFill>
-          </a:ln>
-          <a:effectLst/>
-        </p:spPr>
-        <p:style>
-          <a:lnRef idx="1">
-            <a:schemeClr val="accent3"/>
-          </a:lnRef>
-          <a:fillRef idx="2">
-            <a:schemeClr val="accent3"/>
-          </a:fillRef>
-          <a:effectRef idx="1">
-            <a:schemeClr val="accent3"/>
-          </a:effectRef>
-          <a:fontRef idx="minor">
-            <a:schemeClr val="dk1"/>
-          </a:fontRef>
-        </p:style>
-        <p:txBody>
-          <a:bodyPr rtlCol="0" anchor="ctr"/>
-          <a:lstStyle/>
-          <a:p>
-            <a:pPr algn="ctr"/>
-            <a:endParaRPr lang="en-SG" sz="1400"/>
-          </a:p>
-        </p:txBody>
-      </p:sp>
-      <p:sp>
-        <p:nvSpPr>
-          <p:cNvPr id="66" name="Rectangle 62">
-            <a:extLst>
-              <a:ext uri="{FF2B5EF4-FFF2-40B4-BE49-F238E27FC236}">
-                <a16:creationId xmlns:a16="http://schemas.microsoft.com/office/drawing/2014/main" id="{CB754303-46C1-46C3-BA3E-C988741DC5CF}"/>
-              </a:ext>
-            </a:extLst>
-          </p:cNvPr>
-          <p:cNvSpPr/>
-          <p:nvPr/>
-        </p:nvSpPr>
-        <p:spPr>
-          <a:xfrm>
-            <a:off x="10389649" y="4935418"/>
-            <a:ext cx="1536897" cy="762000"/>
-          </a:xfrm>
-          <a:prstGeom prst="rect">
-            <a:avLst/>
-          </a:prstGeom>
-          <a:solidFill>
-            <a:srgbClr val="6FDFBA"/>
-          </a:solidFill>
-          <a:ln w="19050">
-            <a:solidFill>
-              <a:srgbClr val="0070C0"/>
-            </a:solidFill>
-          </a:ln>
-          <a:effectLst/>
-        </p:spPr>
-        <p:style>
-          <a:lnRef idx="1">
-            <a:schemeClr val="accent2"/>
-          </a:lnRef>
-          <a:fillRef idx="2">
-            <a:schemeClr val="accent2"/>
-          </a:fillRef>
-          <a:effectRef idx="1">
-            <a:schemeClr val="accent2"/>
-          </a:effectRef>
-          <a:fontRef idx="minor">
-            <a:schemeClr val="dk1"/>
-          </a:fontRef>
-        </p:style>
-        <p:txBody>
-          <a:bodyPr rtlCol="0" anchor="ctr"/>
-          <a:lstStyle/>
-          <a:p>
-            <a:pPr algn="ctr"/>
-            <a:r>
-              <a:rPr lang="en-SG" sz="1600" dirty="0">
-                <a:solidFill>
-                  <a:schemeClr val="tx1"/>
-                </a:solidFill>
-              </a:rPr>
-              <a:t>l: </a:t>
-            </a:r>
-          </a:p>
-          <a:p>
-            <a:pPr algn="ctr"/>
-            <a:r>
-              <a:rPr lang="en-SG" sz="1600" dirty="0" err="1">
-                <a:solidFill>
-                  <a:schemeClr val="tx1"/>
-                </a:solidFill>
-              </a:rPr>
-              <a:t>CustomLegend</a:t>
-            </a:r>
-            <a:endParaRPr lang="en-SG" sz="1600" dirty="0">
-              <a:solidFill>
-                <a:schemeClr val="tx1"/>
-              </a:solidFill>
-            </a:endParaRPr>
-          </a:p>
-        </p:txBody>
-      </p:sp>
-      <p:cxnSp>
-        <p:nvCxnSpPr>
-          <p:cNvPr id="71" name="Straight Arrow Connector 70">
-            <a:extLst>
-              <a:ext uri="{FF2B5EF4-FFF2-40B4-BE49-F238E27FC236}">
-                <a16:creationId xmlns:a16="http://schemas.microsoft.com/office/drawing/2014/main" id="{B777AD08-51E5-4247-95BE-9F48D01CAA3E}"/>
-              </a:ext>
-            </a:extLst>
-          </p:cNvPr>
-          <p:cNvCxnSpPr>
-            <a:cxnSpLocks/>
-          </p:cNvCxnSpPr>
-          <p:nvPr/>
-        </p:nvCxnSpPr>
-        <p:spPr>
-          <a:xfrm flipH="1">
-            <a:off x="9215374" y="5938336"/>
-            <a:ext cx="1826008" cy="0"/>
-          </a:xfrm>
-          <a:prstGeom prst="straightConnector1">
-            <a:avLst/>
-          </a:prstGeom>
-          <a:ln w="19050">
-            <a:solidFill>
-              <a:srgbClr val="28B284"/>
-            </a:solidFill>
-            <a:prstDash val="sysDash"/>
-            <a:tailEnd type="arrow"/>
-          </a:ln>
-        </p:spPr>
-        <p:style>
-          <a:lnRef idx="1">
-            <a:schemeClr val="accent1"/>
-          </a:lnRef>
-          <a:fillRef idx="0">
-            <a:schemeClr val="accent1"/>
-          </a:fillRef>
-          <a:effectRef idx="0">
-            <a:schemeClr val="accent1"/>
-          </a:effectRef>
-          <a:fontRef idx="minor">
-            <a:schemeClr val="tx1"/>
-          </a:fontRef>
-        </p:style>
-      </p:cxnSp>
-      <p:sp>
-        <p:nvSpPr>
-          <p:cNvPr id="73" name="TextBox 72">
-            <a:extLst>
-              <a:ext uri="{FF2B5EF4-FFF2-40B4-BE49-F238E27FC236}">
-                <a16:creationId xmlns:a16="http://schemas.microsoft.com/office/drawing/2014/main" id="{6B8E6D80-8A4B-406C-ADC3-A4F7BB30E9C1}"/>
-              </a:ext>
-            </a:extLst>
-          </p:cNvPr>
-          <p:cNvSpPr txBox="1"/>
-          <p:nvPr/>
-        </p:nvSpPr>
-        <p:spPr>
-          <a:xfrm>
-            <a:off x="6845583" y="5137333"/>
-            <a:ext cx="2159831" cy="461665"/>
-          </a:xfrm>
-          <a:prstGeom prst="rect">
-            <a:avLst/>
-          </a:prstGeom>
-          <a:noFill/>
-        </p:spPr>
-        <p:txBody>
-          <a:bodyPr wrap="square" lIns="0" tIns="0" rIns="0" bIns="0" rtlCol="0">
-            <a:spAutoFit/>
-          </a:bodyPr>
-          <a:lstStyle/>
-          <a:p>
-            <a:pPr algn="ctr"/>
-            <a:r>
-              <a:rPr lang="en-US" sz="1000" dirty="0" err="1"/>
-              <a:t>CustomPieChart</a:t>
-            </a:r>
-            <a:endParaRPr lang="en-US" sz="1000" dirty="0"/>
-          </a:p>
-          <a:p>
-            <a:pPr algn="ctr"/>
-            <a:r>
-              <a:rPr lang="en-US" sz="1000" dirty="0"/>
-              <a:t>(</a:t>
-            </a:r>
-            <a:r>
-              <a:rPr lang="en-US" sz="1000" dirty="0" err="1"/>
-              <a:t>expenseLabelData</a:t>
-            </a:r>
-            <a:r>
-              <a:rPr lang="en-US" sz="1000" dirty="0"/>
-              <a:t>,</a:t>
-            </a:r>
-          </a:p>
-          <a:p>
-            <a:pPr algn="ctr"/>
-            <a:r>
-              <a:rPr lang="en-US" sz="1000" dirty="0"/>
-              <a:t> </a:t>
-            </a:r>
-            <a:r>
-              <a:rPr lang="en-US" sz="1000" dirty="0" err="1"/>
-              <a:t>expenseLegendData</a:t>
-            </a:r>
-            <a:r>
-              <a:rPr lang="en-US" sz="1000" dirty="0"/>
-              <a:t>)</a:t>
-            </a:r>
-          </a:p>
-        </p:txBody>
-      </p:sp>
-      <p:sp>
-        <p:nvSpPr>
-          <p:cNvPr id="74" name="TextBox 73">
-            <a:extLst>
-              <a:ext uri="{FF2B5EF4-FFF2-40B4-BE49-F238E27FC236}">
-                <a16:creationId xmlns:a16="http://schemas.microsoft.com/office/drawing/2014/main" id="{E244C418-B94D-4FA6-AC4F-3FB5206D8548}"/>
-              </a:ext>
-            </a:extLst>
-          </p:cNvPr>
-          <p:cNvSpPr txBox="1"/>
-          <p:nvPr/>
-        </p:nvSpPr>
-        <p:spPr>
-          <a:xfrm>
-            <a:off x="8734355" y="5484692"/>
-            <a:ext cx="2159831" cy="307777"/>
-          </a:xfrm>
-          <a:prstGeom prst="rect">
-            <a:avLst/>
-          </a:prstGeom>
-          <a:noFill/>
-        </p:spPr>
-        <p:txBody>
-          <a:bodyPr wrap="square" lIns="0" tIns="0" rIns="0" bIns="0" rtlCol="0">
-            <a:spAutoFit/>
-          </a:bodyPr>
-          <a:lstStyle/>
-          <a:p>
-            <a:pPr algn="ctr"/>
-            <a:r>
-              <a:rPr lang="en-US" sz="1000" dirty="0" err="1"/>
-              <a:t>CustomLegend</a:t>
-            </a:r>
-            <a:endParaRPr lang="en-US" sz="1000" dirty="0"/>
-          </a:p>
-          <a:p>
-            <a:pPr algn="ctr"/>
-            <a:r>
-              <a:rPr lang="en-US" sz="1000" dirty="0"/>
-              <a:t>(</a:t>
-            </a:r>
-            <a:r>
-              <a:rPr lang="en-US" sz="1000" dirty="0" err="1"/>
-              <a:t>expenseLegendData</a:t>
-            </a:r>
-            <a:r>
-              <a:rPr lang="en-US" sz="1000" dirty="0"/>
-              <a:t>)</a:t>
-            </a:r>
-          </a:p>
-        </p:txBody>
-      </p:sp>
-      <p:sp>
-        <p:nvSpPr>
-          <p:cNvPr id="75" name="TextBox 74">
-            <a:extLst>
-              <a:ext uri="{FF2B5EF4-FFF2-40B4-BE49-F238E27FC236}">
-                <a16:creationId xmlns:a16="http://schemas.microsoft.com/office/drawing/2014/main" id="{BB7A3752-4CD4-4B78-ACFE-419C218DF13A}"/>
-              </a:ext>
-            </a:extLst>
-          </p:cNvPr>
-          <p:cNvSpPr txBox="1"/>
-          <p:nvPr/>
-        </p:nvSpPr>
-        <p:spPr>
-          <a:xfrm>
-            <a:off x="9727154" y="5981570"/>
-            <a:ext cx="412270" cy="153888"/>
-          </a:xfrm>
-          <a:prstGeom prst="rect">
-            <a:avLst/>
-          </a:prstGeom>
-          <a:noFill/>
-        </p:spPr>
-        <p:txBody>
-          <a:bodyPr wrap="square" lIns="0" tIns="0" rIns="0" bIns="0" rtlCol="0">
-            <a:spAutoFit/>
-          </a:bodyPr>
-          <a:lstStyle/>
-          <a:p>
-            <a:pPr algn="ctr"/>
-            <a:r>
-              <a:rPr lang="en-US" sz="1000" dirty="0"/>
-              <a:t>l</a:t>
-            </a:r>
-          </a:p>
-        </p:txBody>
-      </p:sp>
-      <p:cxnSp>
-        <p:nvCxnSpPr>
-          <p:cNvPr id="76" name="Straight Arrow Connector 75">
-            <a:extLst>
-              <a:ext uri="{FF2B5EF4-FFF2-40B4-BE49-F238E27FC236}">
-                <a16:creationId xmlns:a16="http://schemas.microsoft.com/office/drawing/2014/main" id="{55E1E6E7-271A-463F-9E74-846B8041AC3D}"/>
-              </a:ext>
-            </a:extLst>
-          </p:cNvPr>
-          <p:cNvCxnSpPr>
-            <a:cxnSpLocks/>
-          </p:cNvCxnSpPr>
-          <p:nvPr/>
-        </p:nvCxnSpPr>
-        <p:spPr>
-          <a:xfrm flipH="1">
-            <a:off x="7259267" y="6050678"/>
-            <a:ext cx="1728711" cy="0"/>
-          </a:xfrm>
-          <a:prstGeom prst="straightConnector1">
-            <a:avLst/>
-          </a:prstGeom>
-          <a:ln w="19050">
-            <a:solidFill>
-              <a:srgbClr val="28B284"/>
-            </a:solidFill>
-            <a:prstDash val="sysDash"/>
-            <a:tailEnd type="arrow"/>
-          </a:ln>
-        </p:spPr>
-        <p:style>
-          <a:lnRef idx="1">
-            <a:schemeClr val="accent1"/>
-          </a:lnRef>
-          <a:fillRef idx="0">
-            <a:schemeClr val="accent1"/>
-          </a:fillRef>
-          <a:effectRef idx="0">
-            <a:schemeClr val="accent1"/>
-          </a:effectRef>
-          <a:fontRef idx="minor">
-            <a:schemeClr val="tx1"/>
-          </a:fontRef>
-        </p:style>
-      </p:cxnSp>
-      <p:sp>
-        <p:nvSpPr>
-          <p:cNvPr id="79" name="TextBox 78">
-            <a:extLst>
-              <a:ext uri="{FF2B5EF4-FFF2-40B4-BE49-F238E27FC236}">
-                <a16:creationId xmlns:a16="http://schemas.microsoft.com/office/drawing/2014/main" id="{A72CD8F1-A563-4A3A-BE54-EDED1CA8D706}"/>
-              </a:ext>
-            </a:extLst>
-          </p:cNvPr>
-          <p:cNvSpPr txBox="1"/>
-          <p:nvPr/>
-        </p:nvSpPr>
-        <p:spPr>
-          <a:xfrm>
-            <a:off x="8338399" y="5844629"/>
-            <a:ext cx="412270" cy="153888"/>
-          </a:xfrm>
-          <a:prstGeom prst="rect">
-            <a:avLst/>
-          </a:prstGeom>
-          <a:noFill/>
-        </p:spPr>
-        <p:txBody>
-          <a:bodyPr wrap="square" lIns="0" tIns="0" rIns="0" bIns="0" rtlCol="0">
-            <a:spAutoFit/>
-          </a:bodyPr>
-          <a:lstStyle/>
-          <a:p>
-            <a:pPr algn="ctr"/>
-            <a:r>
-              <a:rPr lang="en-US" sz="1000" dirty="0"/>
-              <a:t>p</a:t>
-            </a:r>
-          </a:p>
-        </p:txBody>
-      </p:sp>
-      <p:cxnSp>
-        <p:nvCxnSpPr>
-          <p:cNvPr id="80" name="Straight Connector 79">
-            <a:extLst>
-              <a:ext uri="{FF2B5EF4-FFF2-40B4-BE49-F238E27FC236}">
-                <a16:creationId xmlns:a16="http://schemas.microsoft.com/office/drawing/2014/main" id="{46EF89E7-F66A-4B77-A22A-707970AD86F2}"/>
-              </a:ext>
-            </a:extLst>
-          </p:cNvPr>
-          <p:cNvCxnSpPr>
-            <a:cxnSpLocks/>
-          </p:cNvCxnSpPr>
-          <p:nvPr/>
-        </p:nvCxnSpPr>
-        <p:spPr>
-          <a:xfrm>
-            <a:off x="7159809" y="4724400"/>
-            <a:ext cx="0" cy="1963359"/>
-          </a:xfrm>
-          <a:prstGeom prst="line">
-            <a:avLst/>
-          </a:prstGeom>
-          <a:ln w="19050">
-            <a:solidFill>
-              <a:srgbClr val="6CA62C"/>
-            </a:solidFill>
-            <a:prstDash val="sysDash"/>
-          </a:ln>
-          <a:effectLst/>
-        </p:spPr>
-        <p:style>
-          <a:lnRef idx="1">
-            <a:schemeClr val="accent1"/>
-          </a:lnRef>
-          <a:fillRef idx="2">
-            <a:schemeClr val="accent1"/>
-          </a:fillRef>
-          <a:effectRef idx="1">
-            <a:schemeClr val="accent1"/>
-          </a:effectRef>
-          <a:fontRef idx="minor">
-            <a:schemeClr val="dk1"/>
-          </a:fontRef>
-        </p:style>
-      </p:cxnSp>
-      <p:sp>
-        <p:nvSpPr>
-          <p:cNvPr id="54" name="Rectangle 53">
-            <a:extLst>
-              <a:ext uri="{FF2B5EF4-FFF2-40B4-BE49-F238E27FC236}">
-                <a16:creationId xmlns:a16="http://schemas.microsoft.com/office/drawing/2014/main" id="{74775E29-2927-4072-B3F6-669318C03E8D}"/>
-              </a:ext>
-            </a:extLst>
-          </p:cNvPr>
-          <p:cNvSpPr/>
-          <p:nvPr/>
-        </p:nvSpPr>
-        <p:spPr>
-          <a:xfrm>
-            <a:off x="7052911" y="4800600"/>
-            <a:ext cx="206356" cy="1524000"/>
-          </a:xfrm>
-          <a:prstGeom prst="rect">
-            <a:avLst/>
-          </a:prstGeom>
-          <a:solidFill>
-            <a:srgbClr val="92D050"/>
-          </a:solidFill>
-          <a:ln>
-            <a:solidFill>
-              <a:srgbClr val="0070C0"/>
-            </a:solidFill>
-          </a:ln>
-          <a:effectLst/>
-        </p:spPr>
-        <p:style>
-          <a:lnRef idx="1">
-            <a:schemeClr val="accent3"/>
-          </a:lnRef>
-          <a:fillRef idx="2">
-            <a:schemeClr val="accent3"/>
-          </a:fillRef>
-          <a:effectRef idx="1">
-            <a:schemeClr val="accent3"/>
-          </a:effectRef>
-          <a:fontRef idx="minor">
-            <a:schemeClr val="dk1"/>
-          </a:fontRef>
-        </p:style>
-        <p:txBody>
-          <a:bodyPr rtlCol="0" anchor="ctr"/>
-          <a:lstStyle/>
-          <a:p>
-            <a:pPr algn="ctr"/>
-            <a:endParaRPr lang="en-SG" sz="1400"/>
-          </a:p>
-        </p:txBody>
-      </p:sp>
-      <p:sp>
-        <p:nvSpPr>
-          <p:cNvPr id="53" name="Rectangle 62">
-            <a:extLst>
-              <a:ext uri="{FF2B5EF4-FFF2-40B4-BE49-F238E27FC236}">
-                <a16:creationId xmlns:a16="http://schemas.microsoft.com/office/drawing/2014/main" id="{0A10B7C2-39CE-4EBC-9E20-405B058AF983}"/>
-              </a:ext>
-            </a:extLst>
-          </p:cNvPr>
-          <p:cNvSpPr/>
-          <p:nvPr/>
-        </p:nvSpPr>
-        <p:spPr>
-          <a:xfrm>
-            <a:off x="6492586" y="4171489"/>
-            <a:ext cx="1327007" cy="762000"/>
-          </a:xfrm>
-          <a:prstGeom prst="rect">
-            <a:avLst/>
-          </a:prstGeom>
-          <a:solidFill>
-            <a:srgbClr val="92D050"/>
-          </a:solidFill>
-          <a:ln w="19050">
-            <a:solidFill>
-              <a:srgbClr val="0070C0"/>
-            </a:solidFill>
-          </a:ln>
-          <a:effectLst/>
-        </p:spPr>
-        <p:style>
-          <a:lnRef idx="1">
-            <a:schemeClr val="accent2"/>
-          </a:lnRef>
-          <a:fillRef idx="2">
-            <a:schemeClr val="accent2"/>
-          </a:fillRef>
-          <a:effectRef idx="1">
-            <a:schemeClr val="accent2"/>
-          </a:effectRef>
-          <a:fontRef idx="minor">
-            <a:schemeClr val="dk1"/>
-          </a:fontRef>
-        </p:style>
-        <p:txBody>
-          <a:bodyPr rtlCol="0" anchor="ctr"/>
-          <a:lstStyle/>
-          <a:p>
-            <a:pPr algn="ctr"/>
-            <a:r>
-              <a:rPr lang="en-SG" sz="1600" dirty="0">
-                <a:solidFill>
-                  <a:schemeClr val="tx1"/>
-                </a:solidFill>
-              </a:rPr>
-              <a:t>c: Category</a:t>
-            </a:r>
-          </a:p>
-          <a:p>
-            <a:pPr algn="ctr"/>
-            <a:r>
-              <a:rPr lang="en-SG" sz="1600" dirty="0">
-                <a:solidFill>
-                  <a:schemeClr val="tx1"/>
-                </a:solidFill>
-              </a:rPr>
-              <a:t>Breakdown</a:t>
-            </a:r>
-          </a:p>
-        </p:txBody>
-      </p:sp>
-      <p:cxnSp>
-        <p:nvCxnSpPr>
-          <p:cNvPr id="85" name="Straight Arrow Connector 84">
-            <a:extLst>
-              <a:ext uri="{FF2B5EF4-FFF2-40B4-BE49-F238E27FC236}">
-                <a16:creationId xmlns:a16="http://schemas.microsoft.com/office/drawing/2014/main" id="{E68B86CD-C14B-43CA-AA7D-5717AC9652A6}"/>
-              </a:ext>
-            </a:extLst>
-          </p:cNvPr>
-          <p:cNvCxnSpPr>
-            <a:cxnSpLocks/>
-          </p:cNvCxnSpPr>
-          <p:nvPr/>
-        </p:nvCxnSpPr>
-        <p:spPr>
-          <a:xfrm flipH="1">
-            <a:off x="3251592" y="6307271"/>
-            <a:ext cx="3761444" cy="0"/>
-          </a:xfrm>
-          <a:prstGeom prst="straightConnector1">
-            <a:avLst/>
-          </a:prstGeom>
-          <a:ln w="19050">
-            <a:solidFill>
-              <a:srgbClr val="00B050"/>
-            </a:solidFill>
-            <a:prstDash val="sysDash"/>
-            <a:tailEnd type="arrow"/>
-          </a:ln>
-        </p:spPr>
-        <p:style>
-          <a:lnRef idx="1">
-            <a:schemeClr val="accent1"/>
-          </a:lnRef>
-          <a:fillRef idx="0">
-            <a:schemeClr val="accent1"/>
-          </a:fillRef>
-          <a:effectRef idx="0">
-            <a:schemeClr val="accent1"/>
-          </a:effectRef>
-          <a:fontRef idx="minor">
-            <a:schemeClr val="tx1"/>
-          </a:fontRef>
-        </p:style>
-      </p:cxnSp>
-      <p:sp>
-        <p:nvSpPr>
-          <p:cNvPr id="87" name="TextBox 86">
-            <a:extLst>
-              <a:ext uri="{FF2B5EF4-FFF2-40B4-BE49-F238E27FC236}">
-                <a16:creationId xmlns:a16="http://schemas.microsoft.com/office/drawing/2014/main" id="{E219D9A0-4B56-4FEB-B1FC-C67ECA40CB10}"/>
-              </a:ext>
-            </a:extLst>
-          </p:cNvPr>
-          <p:cNvSpPr txBox="1"/>
-          <p:nvPr/>
-        </p:nvSpPr>
-        <p:spPr>
-          <a:xfrm>
-            <a:off x="3602822" y="6098259"/>
-            <a:ext cx="1914710" cy="153888"/>
-          </a:xfrm>
-          <a:prstGeom prst="rect">
-            <a:avLst/>
-          </a:prstGeom>
-          <a:noFill/>
-        </p:spPr>
-        <p:txBody>
-          <a:bodyPr wrap="square" lIns="0" tIns="0" rIns="0" bIns="0" rtlCol="0">
-            <a:spAutoFit/>
-          </a:bodyPr>
-          <a:lstStyle/>
-          <a:p>
-            <a:pPr algn="ctr"/>
-            <a:r>
-              <a:rPr lang="en-US" sz="1000" dirty="0"/>
-              <a:t>c</a:t>
-            </a:r>
-          </a:p>
-        </p:txBody>
-      </p:sp>
-      <p:cxnSp>
-        <p:nvCxnSpPr>
-          <p:cNvPr id="88" name="Straight Arrow Connector 87">
-            <a:extLst>
-              <a:ext uri="{FF2B5EF4-FFF2-40B4-BE49-F238E27FC236}">
-                <a16:creationId xmlns:a16="http://schemas.microsoft.com/office/drawing/2014/main" id="{06FF8774-30EB-4D57-AF65-0488D81EB1D0}"/>
-              </a:ext>
-            </a:extLst>
-          </p:cNvPr>
-          <p:cNvCxnSpPr>
-            <a:cxnSpLocks/>
-          </p:cNvCxnSpPr>
-          <p:nvPr/>
-        </p:nvCxnSpPr>
-        <p:spPr>
-          <a:xfrm flipH="1">
-            <a:off x="1353055" y="6629400"/>
-            <a:ext cx="1619501" cy="0"/>
-          </a:xfrm>
-          <a:prstGeom prst="straightConnector1">
-            <a:avLst/>
-          </a:prstGeom>
-          <a:ln w="19050">
-            <a:solidFill>
-              <a:srgbClr val="00B050"/>
-            </a:solidFill>
-            <a:prstDash val="sysDash"/>
-            <a:tailEnd type="arrow"/>
-          </a:ln>
-        </p:spPr>
-        <p:style>
-          <a:lnRef idx="1">
-            <a:schemeClr val="accent1"/>
-          </a:lnRef>
-          <a:fillRef idx="0">
-            <a:schemeClr val="accent1"/>
-          </a:fillRef>
-          <a:effectRef idx="0">
-            <a:schemeClr val="accent1"/>
-          </a:effectRef>
-          <a:fontRef idx="minor">
-            <a:schemeClr val="tx1"/>
-          </a:fontRef>
-        </p:style>
-      </p:cxnSp>
     </p:spTree>
     <p:extLst>
       <p:ext uri="{BB962C8B-B14F-4D97-AF65-F5344CB8AC3E}">
-        <p14:creationId xmlns:p14="http://schemas.microsoft.com/office/powerpoint/2010/main" val="479184551"/>
+        <p14:creationId xmlns:p14="http://schemas.microsoft.com/office/powerpoint/2010/main" val="2955560019"/>
       </p:ext>
     </p:extLst>
   </p:cSld>
@@ -6482,10 +3560,3062 @@
           <a:chExt cx="0" cy="0"/>
         </a:xfrm>
       </p:grpSpPr>
+      <p:cxnSp>
+        <p:nvCxnSpPr>
+          <p:cNvPr id="83" name="Straight Connector 82">
+            <a:extLst>
+              <a:ext uri="{FF2B5EF4-FFF2-40B4-BE49-F238E27FC236}">
+                <a16:creationId xmlns:a16="http://schemas.microsoft.com/office/drawing/2014/main" id="{C7F6DA88-5093-4E83-8732-36D669308652}"/>
+              </a:ext>
+            </a:extLst>
+          </p:cNvPr>
+          <p:cNvCxnSpPr>
+            <a:cxnSpLocks/>
+          </p:cNvCxnSpPr>
+          <p:nvPr/>
+        </p:nvCxnSpPr>
+        <p:spPr>
+          <a:xfrm>
+            <a:off x="11158097" y="5844629"/>
+            <a:ext cx="0" cy="919330"/>
+          </a:xfrm>
+          <a:prstGeom prst="line">
+            <a:avLst/>
+          </a:prstGeom>
+          <a:ln w="19050">
+            <a:solidFill>
+              <a:srgbClr val="6CA62C"/>
+            </a:solidFill>
+            <a:prstDash val="sysDash"/>
+          </a:ln>
+          <a:effectLst/>
+        </p:spPr>
+        <p:style>
+          <a:lnRef idx="1">
+            <a:schemeClr val="accent1"/>
+          </a:lnRef>
+          <a:fillRef idx="2">
+            <a:schemeClr val="accent1"/>
+          </a:fillRef>
+          <a:effectRef idx="1">
+            <a:schemeClr val="accent1"/>
+          </a:effectRef>
+          <a:fontRef idx="minor">
+            <a:schemeClr val="dk1"/>
+          </a:fontRef>
+        </p:style>
+      </p:cxnSp>
+      <p:cxnSp>
+        <p:nvCxnSpPr>
+          <p:cNvPr id="82" name="Straight Connector 81">
+            <a:extLst>
+              <a:ext uri="{FF2B5EF4-FFF2-40B4-BE49-F238E27FC236}">
+                <a16:creationId xmlns:a16="http://schemas.microsoft.com/office/drawing/2014/main" id="{15B7982C-887F-4342-8747-16359DEA8FD2}"/>
+              </a:ext>
+            </a:extLst>
+          </p:cNvPr>
+          <p:cNvCxnSpPr>
+            <a:cxnSpLocks/>
+          </p:cNvCxnSpPr>
+          <p:nvPr/>
+        </p:nvCxnSpPr>
+        <p:spPr>
+          <a:xfrm>
+            <a:off x="9105853" y="4810789"/>
+            <a:ext cx="0" cy="1963359"/>
+          </a:xfrm>
+          <a:prstGeom prst="line">
+            <a:avLst/>
+          </a:prstGeom>
+          <a:ln w="19050">
+            <a:solidFill>
+              <a:srgbClr val="6CA62C"/>
+            </a:solidFill>
+            <a:prstDash val="sysDash"/>
+          </a:ln>
+          <a:effectLst/>
+        </p:spPr>
+        <p:style>
+          <a:lnRef idx="1">
+            <a:schemeClr val="accent1"/>
+          </a:lnRef>
+          <a:fillRef idx="2">
+            <a:schemeClr val="accent1"/>
+          </a:fillRef>
+          <a:effectRef idx="1">
+            <a:schemeClr val="accent1"/>
+          </a:effectRef>
+          <a:fontRef idx="minor">
+            <a:schemeClr val="dk1"/>
+          </a:fontRef>
+        </p:style>
+      </p:cxnSp>
+      <p:sp>
+        <p:nvSpPr>
+          <p:cNvPr id="59" name="Rectangle 65">
+            <a:extLst>
+              <a:ext uri="{FF2B5EF4-FFF2-40B4-BE49-F238E27FC236}">
+                <a16:creationId xmlns:a16="http://schemas.microsoft.com/office/drawing/2014/main" id="{896D0EA1-B55C-4D9F-869C-3FB508B66DA9}"/>
+              </a:ext>
+            </a:extLst>
+          </p:cNvPr>
+          <p:cNvSpPr/>
+          <p:nvPr/>
+        </p:nvSpPr>
+        <p:spPr>
+          <a:xfrm>
+            <a:off x="8270014" y="0"/>
+            <a:ext cx="3894048" cy="6858000"/>
+          </a:xfrm>
+          <a:prstGeom prst="roundRect">
+            <a:avLst>
+              <a:gd name="adj" fmla="val 3484"/>
+            </a:avLst>
+          </a:prstGeom>
+          <a:solidFill>
+            <a:srgbClr val="AAECD6"/>
+          </a:solidFill>
+          <a:ln w="19050">
+            <a:noFill/>
+          </a:ln>
+          <a:effectLst/>
+        </p:spPr>
+        <p:style>
+          <a:lnRef idx="1">
+            <a:schemeClr val="accent2"/>
+          </a:lnRef>
+          <a:fillRef idx="2">
+            <a:schemeClr val="accent2"/>
+          </a:fillRef>
+          <a:effectRef idx="1">
+            <a:schemeClr val="accent2"/>
+          </a:effectRef>
+          <a:fontRef idx="minor">
+            <a:schemeClr val="dk1"/>
+          </a:fontRef>
+        </p:style>
+        <p:txBody>
+          <a:bodyPr rtlCol="0" anchor="t"/>
+          <a:lstStyle/>
+          <a:p>
+            <a:r>
+              <a:rPr lang="en-SG" sz="1400" b="1" dirty="0" err="1">
+                <a:solidFill>
+                  <a:schemeClr val="tx1"/>
+                </a:solidFill>
+              </a:rPr>
+              <a:t>PieChart</a:t>
+            </a:r>
+            <a:endParaRPr lang="en-SG" sz="1400" b="1" dirty="0">
+              <a:solidFill>
+                <a:schemeClr val="tx1"/>
+              </a:solidFill>
+            </a:endParaRPr>
+          </a:p>
+        </p:txBody>
+      </p:sp>
+      <p:sp>
+        <p:nvSpPr>
+          <p:cNvPr id="7" name="Rectangle 65">
+            <a:extLst>
+              <a:ext uri="{FF2B5EF4-FFF2-40B4-BE49-F238E27FC236}">
+                <a16:creationId xmlns:a16="http://schemas.microsoft.com/office/drawing/2014/main" id="{D09554F3-903E-489E-AD66-28D059E410CF}"/>
+              </a:ext>
+            </a:extLst>
+          </p:cNvPr>
+          <p:cNvSpPr/>
+          <p:nvPr/>
+        </p:nvSpPr>
+        <p:spPr>
+          <a:xfrm>
+            <a:off x="4783" y="-1"/>
+            <a:ext cx="8301017" cy="6857995"/>
+          </a:xfrm>
+          <a:prstGeom prst="roundRect">
+            <a:avLst>
+              <a:gd name="adj" fmla="val 3484"/>
+            </a:avLst>
+          </a:prstGeom>
+          <a:solidFill>
+            <a:srgbClr val="CCE9AD"/>
+          </a:solidFill>
+          <a:ln w="19050">
+            <a:noFill/>
+          </a:ln>
+          <a:effectLst/>
+        </p:spPr>
+        <p:style>
+          <a:lnRef idx="1">
+            <a:schemeClr val="accent2"/>
+          </a:lnRef>
+          <a:fillRef idx="2">
+            <a:schemeClr val="accent2"/>
+          </a:fillRef>
+          <a:effectRef idx="1">
+            <a:schemeClr val="accent2"/>
+          </a:effectRef>
+          <a:fontRef idx="minor">
+            <a:schemeClr val="dk1"/>
+          </a:fontRef>
+        </p:style>
+        <p:txBody>
+          <a:bodyPr rtlCol="0" anchor="t"/>
+          <a:lstStyle/>
+          <a:p>
+            <a:r>
+              <a:rPr lang="en-SG" sz="1400" b="1" dirty="0">
+                <a:solidFill>
+                  <a:schemeClr val="tx1"/>
+                </a:solidFill>
+              </a:rPr>
+              <a:t>User Interface</a:t>
+            </a:r>
+          </a:p>
+        </p:txBody>
+      </p:sp>
+      <p:cxnSp>
+        <p:nvCxnSpPr>
+          <p:cNvPr id="21" name="Straight Connector 20">
+            <a:extLst>
+              <a:ext uri="{FF2B5EF4-FFF2-40B4-BE49-F238E27FC236}">
+                <a16:creationId xmlns:a16="http://schemas.microsoft.com/office/drawing/2014/main" id="{8C87B312-1750-4E55-832F-B6D80E6705A8}"/>
+              </a:ext>
+            </a:extLst>
+          </p:cNvPr>
+          <p:cNvCxnSpPr>
+            <a:cxnSpLocks/>
+          </p:cNvCxnSpPr>
+          <p:nvPr/>
+        </p:nvCxnSpPr>
+        <p:spPr>
+          <a:xfrm>
+            <a:off x="5692531" y="1796235"/>
+            <a:ext cx="1" cy="4891525"/>
+          </a:xfrm>
+          <a:prstGeom prst="line">
+            <a:avLst/>
+          </a:prstGeom>
+          <a:ln w="19050">
+            <a:solidFill>
+              <a:srgbClr val="6CA62C"/>
+            </a:solidFill>
+            <a:prstDash val="sysDash"/>
+          </a:ln>
+          <a:effectLst/>
+        </p:spPr>
+        <p:style>
+          <a:lnRef idx="1">
+            <a:schemeClr val="accent1"/>
+          </a:lnRef>
+          <a:fillRef idx="2">
+            <a:schemeClr val="accent1"/>
+          </a:fillRef>
+          <a:effectRef idx="1">
+            <a:schemeClr val="accent1"/>
+          </a:effectRef>
+          <a:fontRef idx="minor">
+            <a:schemeClr val="dk1"/>
+          </a:fontRef>
+        </p:style>
+      </p:cxnSp>
+      <p:cxnSp>
+        <p:nvCxnSpPr>
+          <p:cNvPr id="12" name="Straight Connector 11">
+            <a:extLst>
+              <a:ext uri="{FF2B5EF4-FFF2-40B4-BE49-F238E27FC236}">
+                <a16:creationId xmlns:a16="http://schemas.microsoft.com/office/drawing/2014/main" id="{F6170F48-7DF4-4A56-A30B-CEA5898C0A5B}"/>
+              </a:ext>
+            </a:extLst>
+          </p:cNvPr>
+          <p:cNvCxnSpPr>
+            <a:cxnSpLocks/>
+          </p:cNvCxnSpPr>
+          <p:nvPr/>
+        </p:nvCxnSpPr>
+        <p:spPr>
+          <a:xfrm flipH="1">
+            <a:off x="3129025" y="688940"/>
+            <a:ext cx="1" cy="5998820"/>
+          </a:xfrm>
+          <a:prstGeom prst="line">
+            <a:avLst/>
+          </a:prstGeom>
+          <a:ln w="19050">
+            <a:solidFill>
+              <a:srgbClr val="6CA62C"/>
+            </a:solidFill>
+            <a:prstDash val="sysDash"/>
+          </a:ln>
+          <a:effectLst/>
+        </p:spPr>
+        <p:style>
+          <a:lnRef idx="1">
+            <a:schemeClr val="accent1"/>
+          </a:lnRef>
+          <a:fillRef idx="2">
+            <a:schemeClr val="accent1"/>
+          </a:fillRef>
+          <a:effectRef idx="1">
+            <a:schemeClr val="accent1"/>
+          </a:effectRef>
+          <a:fontRef idx="minor">
+            <a:schemeClr val="dk1"/>
+          </a:fontRef>
+        </p:style>
+      </p:cxnSp>
+      <p:cxnSp>
+        <p:nvCxnSpPr>
+          <p:cNvPr id="4" name="Straight Connector 3">
+            <a:extLst>
+              <a:ext uri="{FF2B5EF4-FFF2-40B4-BE49-F238E27FC236}">
+                <a16:creationId xmlns:a16="http://schemas.microsoft.com/office/drawing/2014/main" id="{279D9DF0-DF81-4601-99D5-AF64BF36BA46}"/>
+              </a:ext>
+            </a:extLst>
+          </p:cNvPr>
+          <p:cNvCxnSpPr>
+            <a:cxnSpLocks/>
+          </p:cNvCxnSpPr>
+          <p:nvPr/>
+        </p:nvCxnSpPr>
+        <p:spPr>
+          <a:xfrm flipH="1">
+            <a:off x="1181100" y="569819"/>
+            <a:ext cx="1" cy="5998820"/>
+          </a:xfrm>
+          <a:prstGeom prst="line">
+            <a:avLst/>
+          </a:prstGeom>
+          <a:ln w="19050">
+            <a:solidFill>
+              <a:srgbClr val="6CA62C"/>
+            </a:solidFill>
+            <a:prstDash val="sysDash"/>
+          </a:ln>
+          <a:effectLst/>
+        </p:spPr>
+        <p:style>
+          <a:lnRef idx="1">
+            <a:schemeClr val="accent1"/>
+          </a:lnRef>
+          <a:fillRef idx="2">
+            <a:schemeClr val="accent1"/>
+          </a:fillRef>
+          <a:effectRef idx="1">
+            <a:schemeClr val="accent1"/>
+          </a:effectRef>
+          <a:fontRef idx="minor">
+            <a:schemeClr val="dk1"/>
+          </a:fontRef>
+        </p:style>
+      </p:cxnSp>
+      <p:sp>
+        <p:nvSpPr>
+          <p:cNvPr id="2" name="Rectangle 1">
+            <a:extLst>
+              <a:ext uri="{FF2B5EF4-FFF2-40B4-BE49-F238E27FC236}">
+                <a16:creationId xmlns:a16="http://schemas.microsoft.com/office/drawing/2014/main" id="{5FCEA3C6-7A49-446F-A4FD-F7F59D7DE788}"/>
+              </a:ext>
+            </a:extLst>
+          </p:cNvPr>
+          <p:cNvSpPr/>
+          <p:nvPr/>
+        </p:nvSpPr>
+        <p:spPr>
+          <a:xfrm>
+            <a:off x="1066800" y="1143000"/>
+            <a:ext cx="208432" cy="5620960"/>
+          </a:xfrm>
+          <a:prstGeom prst="rect">
+            <a:avLst/>
+          </a:prstGeom>
+          <a:solidFill>
+            <a:srgbClr val="92D050"/>
+          </a:solidFill>
+          <a:ln>
+            <a:solidFill>
+              <a:srgbClr val="0070C0"/>
+            </a:solidFill>
+          </a:ln>
+          <a:effectLst/>
+        </p:spPr>
+        <p:style>
+          <a:lnRef idx="1">
+            <a:schemeClr val="accent3"/>
+          </a:lnRef>
+          <a:fillRef idx="2">
+            <a:schemeClr val="accent3"/>
+          </a:fillRef>
+          <a:effectRef idx="1">
+            <a:schemeClr val="accent3"/>
+          </a:effectRef>
+          <a:fontRef idx="minor">
+            <a:schemeClr val="dk1"/>
+          </a:fontRef>
+        </p:style>
+        <p:txBody>
+          <a:bodyPr rtlCol="0" anchor="ctr"/>
+          <a:lstStyle/>
+          <a:p>
+            <a:pPr algn="ctr"/>
+            <a:endParaRPr lang="en-SG" sz="1400"/>
+          </a:p>
+        </p:txBody>
+      </p:sp>
+      <p:sp>
+        <p:nvSpPr>
+          <p:cNvPr id="3" name="Rectangle 62">
+            <a:extLst>
+              <a:ext uri="{FF2B5EF4-FFF2-40B4-BE49-F238E27FC236}">
+                <a16:creationId xmlns:a16="http://schemas.microsoft.com/office/drawing/2014/main" id="{433D8508-129E-470F-8BD4-9E32BAF93F0E}"/>
+              </a:ext>
+            </a:extLst>
+          </p:cNvPr>
+          <p:cNvSpPr/>
+          <p:nvPr/>
+        </p:nvSpPr>
+        <p:spPr>
+          <a:xfrm>
+            <a:off x="453285" y="515560"/>
+            <a:ext cx="1455629" cy="346760"/>
+          </a:xfrm>
+          <a:prstGeom prst="rect">
+            <a:avLst/>
+          </a:prstGeom>
+          <a:solidFill>
+            <a:srgbClr val="92D050"/>
+          </a:solidFill>
+          <a:ln w="19050">
+            <a:solidFill>
+              <a:srgbClr val="0070C0"/>
+            </a:solidFill>
+          </a:ln>
+          <a:effectLst/>
+        </p:spPr>
+        <p:style>
+          <a:lnRef idx="1">
+            <a:schemeClr val="accent2"/>
+          </a:lnRef>
+          <a:fillRef idx="2">
+            <a:schemeClr val="accent2"/>
+          </a:fillRef>
+          <a:effectRef idx="1">
+            <a:schemeClr val="accent2"/>
+          </a:effectRef>
+          <a:fontRef idx="minor">
+            <a:schemeClr val="dk1"/>
+          </a:fontRef>
+        </p:style>
+        <p:txBody>
+          <a:bodyPr rtlCol="0" anchor="ctr"/>
+          <a:lstStyle/>
+          <a:p>
+            <a:pPr algn="ctr"/>
+            <a:r>
+              <a:rPr lang="en-US" sz="1600" dirty="0">
+                <a:solidFill>
+                  <a:schemeClr val="tx1"/>
+                </a:solidFill>
+              </a:rPr>
+              <a:t>:</a:t>
+            </a:r>
+            <a:r>
+              <a:rPr lang="en-US" sz="1600" dirty="0" err="1">
+                <a:solidFill>
+                  <a:schemeClr val="tx1"/>
+                </a:solidFill>
+              </a:rPr>
+              <a:t>MainWindow</a:t>
+            </a:r>
+            <a:endParaRPr lang="en-SG" sz="1600" dirty="0">
+              <a:solidFill>
+                <a:schemeClr val="tx1"/>
+              </a:solidFill>
+            </a:endParaRPr>
+          </a:p>
+        </p:txBody>
+      </p:sp>
+      <p:cxnSp>
+        <p:nvCxnSpPr>
+          <p:cNvPr id="6" name="Straight Arrow Connector 5">
+            <a:extLst>
+              <a:ext uri="{FF2B5EF4-FFF2-40B4-BE49-F238E27FC236}">
+                <a16:creationId xmlns:a16="http://schemas.microsoft.com/office/drawing/2014/main" id="{AB988922-486B-452B-AA9A-F2BFFB533891}"/>
+              </a:ext>
+            </a:extLst>
+          </p:cNvPr>
+          <p:cNvCxnSpPr>
+            <a:cxnSpLocks/>
+          </p:cNvCxnSpPr>
+          <p:nvPr/>
+        </p:nvCxnSpPr>
+        <p:spPr>
+          <a:xfrm>
+            <a:off x="-571751" y="1295400"/>
+            <a:ext cx="1638551" cy="0"/>
+          </a:xfrm>
+          <a:prstGeom prst="straightConnector1">
+            <a:avLst/>
+          </a:prstGeom>
+          <a:ln w="19050">
+            <a:solidFill>
+              <a:srgbClr val="00B050"/>
+            </a:solidFill>
+            <a:tailEnd type="arrow"/>
+          </a:ln>
+        </p:spPr>
+        <p:style>
+          <a:lnRef idx="1">
+            <a:schemeClr val="accent1"/>
+          </a:lnRef>
+          <a:fillRef idx="0">
+            <a:schemeClr val="accent1"/>
+          </a:fillRef>
+          <a:effectRef idx="0">
+            <a:schemeClr val="accent1"/>
+          </a:effectRef>
+          <a:fontRef idx="minor">
+            <a:schemeClr val="tx1"/>
+          </a:fontRef>
+        </p:style>
+      </p:cxnSp>
+      <p:sp>
+        <p:nvSpPr>
+          <p:cNvPr id="8" name="TextBox 7">
+            <a:extLst>
+              <a:ext uri="{FF2B5EF4-FFF2-40B4-BE49-F238E27FC236}">
+                <a16:creationId xmlns:a16="http://schemas.microsoft.com/office/drawing/2014/main" id="{DBFA767C-5781-4C21-A7CB-C38CED8E2110}"/>
+              </a:ext>
+            </a:extLst>
+          </p:cNvPr>
+          <p:cNvSpPr txBox="1"/>
+          <p:nvPr/>
+        </p:nvSpPr>
+        <p:spPr>
+          <a:xfrm>
+            <a:off x="-1219200" y="1345022"/>
+            <a:ext cx="2257550" cy="430887"/>
+          </a:xfrm>
+          <a:prstGeom prst="rect">
+            <a:avLst/>
+          </a:prstGeom>
+          <a:noFill/>
+        </p:spPr>
+        <p:txBody>
+          <a:bodyPr wrap="square" lIns="0" tIns="0" rIns="0" bIns="0" rtlCol="0">
+            <a:spAutoFit/>
+          </a:bodyPr>
+          <a:lstStyle/>
+          <a:p>
+            <a:pPr algn="ctr"/>
+            <a:r>
+              <a:rPr lang="en-US" sz="1400" i="1" dirty="0"/>
+              <a:t>new</a:t>
+            </a:r>
+            <a:r>
+              <a:rPr lang="en-US" sz="1400" b="1" i="1" dirty="0"/>
+              <a:t> </a:t>
+            </a:r>
+            <a:r>
+              <a:rPr lang="en-US" sz="1400" i="1" dirty="0" err="1"/>
+              <a:t>ShowPieChartStatsEvent</a:t>
+            </a:r>
+            <a:r>
+              <a:rPr lang="en-US" sz="1400" i="1" dirty="0"/>
+              <a:t>(data)</a:t>
+            </a:r>
+          </a:p>
+        </p:txBody>
+      </p:sp>
+      <p:sp>
+        <p:nvSpPr>
+          <p:cNvPr id="10" name="Rectangle 62">
+            <a:extLst>
+              <a:ext uri="{FF2B5EF4-FFF2-40B4-BE49-F238E27FC236}">
+                <a16:creationId xmlns:a16="http://schemas.microsoft.com/office/drawing/2014/main" id="{E1C3582E-F0BF-47A1-B886-DC33238208BC}"/>
+              </a:ext>
+            </a:extLst>
+          </p:cNvPr>
+          <p:cNvSpPr/>
+          <p:nvPr/>
+        </p:nvSpPr>
+        <p:spPr>
+          <a:xfrm>
+            <a:off x="2219451" y="381000"/>
+            <a:ext cx="1971549" cy="481320"/>
+          </a:xfrm>
+          <a:prstGeom prst="rect">
+            <a:avLst/>
+          </a:prstGeom>
+          <a:solidFill>
+            <a:srgbClr val="92D050"/>
+          </a:solidFill>
+          <a:ln w="19050">
+            <a:solidFill>
+              <a:srgbClr val="0070C0"/>
+            </a:solidFill>
+          </a:ln>
+          <a:effectLst/>
+        </p:spPr>
+        <p:style>
+          <a:lnRef idx="1">
+            <a:schemeClr val="accent2"/>
+          </a:lnRef>
+          <a:fillRef idx="2">
+            <a:schemeClr val="accent2"/>
+          </a:fillRef>
+          <a:effectRef idx="1">
+            <a:schemeClr val="accent2"/>
+          </a:effectRef>
+          <a:fontRef idx="minor">
+            <a:schemeClr val="dk1"/>
+          </a:fontRef>
+        </p:style>
+        <p:txBody>
+          <a:bodyPr rtlCol="0" anchor="ctr"/>
+          <a:lstStyle/>
+          <a:p>
+            <a:pPr algn="ctr"/>
+            <a:r>
+              <a:rPr lang="en-US" sz="1600" dirty="0">
+                <a:solidFill>
+                  <a:schemeClr val="tx1"/>
+                </a:solidFill>
+              </a:rPr>
+              <a:t>s : </a:t>
+            </a:r>
+            <a:r>
+              <a:rPr lang="en-US" sz="1600" dirty="0" err="1">
+                <a:solidFill>
+                  <a:schemeClr val="tx1"/>
+                </a:solidFill>
+              </a:rPr>
+              <a:t>StatsDisplayPanel</a:t>
+            </a:r>
+            <a:endParaRPr lang="en-SG" sz="1600" dirty="0">
+              <a:solidFill>
+                <a:schemeClr val="tx1"/>
+              </a:solidFill>
+            </a:endParaRPr>
+          </a:p>
+        </p:txBody>
+      </p:sp>
+      <p:sp>
+        <p:nvSpPr>
+          <p:cNvPr id="11" name="Rectangle 10">
+            <a:extLst>
+              <a:ext uri="{FF2B5EF4-FFF2-40B4-BE49-F238E27FC236}">
+                <a16:creationId xmlns:a16="http://schemas.microsoft.com/office/drawing/2014/main" id="{1AAA0053-402D-4FE6-A574-38EC14040DAE}"/>
+              </a:ext>
+            </a:extLst>
+          </p:cNvPr>
+          <p:cNvSpPr/>
+          <p:nvPr/>
+        </p:nvSpPr>
+        <p:spPr>
+          <a:xfrm>
+            <a:off x="3014725" y="1170260"/>
+            <a:ext cx="209202" cy="5459140"/>
+          </a:xfrm>
+          <a:prstGeom prst="rect">
+            <a:avLst/>
+          </a:prstGeom>
+          <a:solidFill>
+            <a:srgbClr val="92D050"/>
+          </a:solidFill>
+          <a:ln>
+            <a:solidFill>
+              <a:srgbClr val="0070C0"/>
+            </a:solidFill>
+          </a:ln>
+          <a:effectLst/>
+        </p:spPr>
+        <p:style>
+          <a:lnRef idx="1">
+            <a:schemeClr val="accent3"/>
+          </a:lnRef>
+          <a:fillRef idx="2">
+            <a:schemeClr val="accent3"/>
+          </a:fillRef>
+          <a:effectRef idx="1">
+            <a:schemeClr val="accent3"/>
+          </a:effectRef>
+          <a:fontRef idx="minor">
+            <a:schemeClr val="dk1"/>
+          </a:fontRef>
+        </p:style>
+        <p:txBody>
+          <a:bodyPr rtlCol="0" anchor="ctr"/>
+          <a:lstStyle/>
+          <a:p>
+            <a:pPr algn="ctr"/>
+            <a:endParaRPr lang="en-SG" sz="1400"/>
+          </a:p>
+        </p:txBody>
+      </p:sp>
+      <p:cxnSp>
+        <p:nvCxnSpPr>
+          <p:cNvPr id="13" name="Straight Arrow Connector 12">
+            <a:extLst>
+              <a:ext uri="{FF2B5EF4-FFF2-40B4-BE49-F238E27FC236}">
+                <a16:creationId xmlns:a16="http://schemas.microsoft.com/office/drawing/2014/main" id="{94377365-13B4-45F2-B94C-8019488F4D63}"/>
+              </a:ext>
+            </a:extLst>
+          </p:cNvPr>
+          <p:cNvCxnSpPr>
+            <a:cxnSpLocks/>
+          </p:cNvCxnSpPr>
+          <p:nvPr/>
+        </p:nvCxnSpPr>
+        <p:spPr>
+          <a:xfrm>
+            <a:off x="1295400" y="1447664"/>
+            <a:ext cx="1719325" cy="0"/>
+          </a:xfrm>
+          <a:prstGeom prst="straightConnector1">
+            <a:avLst/>
+          </a:prstGeom>
+          <a:ln w="19050">
+            <a:solidFill>
+              <a:srgbClr val="00B050"/>
+            </a:solidFill>
+            <a:tailEnd type="arrow"/>
+          </a:ln>
+        </p:spPr>
+        <p:style>
+          <a:lnRef idx="1">
+            <a:schemeClr val="accent1"/>
+          </a:lnRef>
+          <a:fillRef idx="0">
+            <a:schemeClr val="accent1"/>
+          </a:fillRef>
+          <a:effectRef idx="0">
+            <a:schemeClr val="accent1"/>
+          </a:effectRef>
+          <a:fontRef idx="minor">
+            <a:schemeClr val="tx1"/>
+          </a:fontRef>
+        </p:style>
+      </p:cxnSp>
+      <p:sp>
+        <p:nvSpPr>
+          <p:cNvPr id="15" name="TextBox 14">
+            <a:extLst>
+              <a:ext uri="{FF2B5EF4-FFF2-40B4-BE49-F238E27FC236}">
+                <a16:creationId xmlns:a16="http://schemas.microsoft.com/office/drawing/2014/main" id="{0492DCAE-0C5B-41F0-ABDC-7F0432B57915}"/>
+              </a:ext>
+            </a:extLst>
+          </p:cNvPr>
+          <p:cNvSpPr txBox="1"/>
+          <p:nvPr/>
+        </p:nvSpPr>
+        <p:spPr>
+          <a:xfrm>
+            <a:off x="1353055" y="1536885"/>
+            <a:ext cx="1619500" cy="430887"/>
+          </a:xfrm>
+          <a:prstGeom prst="rect">
+            <a:avLst/>
+          </a:prstGeom>
+          <a:noFill/>
+        </p:spPr>
+        <p:txBody>
+          <a:bodyPr wrap="square" lIns="0" tIns="0" rIns="0" bIns="0" rtlCol="0">
+            <a:spAutoFit/>
+          </a:bodyPr>
+          <a:lstStyle/>
+          <a:p>
+            <a:pPr algn="ctr"/>
+            <a:r>
+              <a:rPr lang="en-US" sz="1400" dirty="0" err="1"/>
+              <a:t>s.handleShowPieChartStatsEvent</a:t>
+            </a:r>
+            <a:r>
+              <a:rPr lang="en-US" sz="1400" dirty="0"/>
+              <a:t>(data)</a:t>
+            </a:r>
+          </a:p>
+        </p:txBody>
+      </p:sp>
+      <p:cxnSp>
+        <p:nvCxnSpPr>
+          <p:cNvPr id="18" name="Straight Arrow Connector 17">
+            <a:extLst>
+              <a:ext uri="{FF2B5EF4-FFF2-40B4-BE49-F238E27FC236}">
+                <a16:creationId xmlns:a16="http://schemas.microsoft.com/office/drawing/2014/main" id="{013C9A0D-AA2A-4E07-8166-B8424F6B7284}"/>
+              </a:ext>
+            </a:extLst>
+          </p:cNvPr>
+          <p:cNvCxnSpPr>
+            <a:cxnSpLocks/>
+          </p:cNvCxnSpPr>
+          <p:nvPr/>
+        </p:nvCxnSpPr>
+        <p:spPr>
+          <a:xfrm>
+            <a:off x="3243325" y="1601105"/>
+            <a:ext cx="1456505" cy="0"/>
+          </a:xfrm>
+          <a:prstGeom prst="straightConnector1">
+            <a:avLst/>
+          </a:prstGeom>
+          <a:ln w="19050">
+            <a:solidFill>
+              <a:srgbClr val="00B050"/>
+            </a:solidFill>
+            <a:tailEnd type="arrow"/>
+          </a:ln>
+        </p:spPr>
+        <p:style>
+          <a:lnRef idx="1">
+            <a:schemeClr val="accent1"/>
+          </a:lnRef>
+          <a:fillRef idx="0">
+            <a:schemeClr val="accent1"/>
+          </a:fillRef>
+          <a:effectRef idx="0">
+            <a:schemeClr val="accent1"/>
+          </a:effectRef>
+          <a:fontRef idx="minor">
+            <a:schemeClr val="tx1"/>
+          </a:fontRef>
+        </p:style>
+      </p:cxnSp>
+      <p:sp>
+        <p:nvSpPr>
+          <p:cNvPr id="23" name="Rectangle 22">
+            <a:extLst>
+              <a:ext uri="{FF2B5EF4-FFF2-40B4-BE49-F238E27FC236}">
+                <a16:creationId xmlns:a16="http://schemas.microsoft.com/office/drawing/2014/main" id="{E1ED8C4C-9EA2-48E4-BE0A-9DB501014FE3}"/>
+              </a:ext>
+            </a:extLst>
+          </p:cNvPr>
+          <p:cNvSpPr/>
+          <p:nvPr/>
+        </p:nvSpPr>
+        <p:spPr>
+          <a:xfrm>
+            <a:off x="5609208" y="1504132"/>
+            <a:ext cx="206360" cy="1868535"/>
+          </a:xfrm>
+          <a:prstGeom prst="rect">
+            <a:avLst/>
+          </a:prstGeom>
+          <a:solidFill>
+            <a:srgbClr val="92D050"/>
+          </a:solidFill>
+          <a:ln>
+            <a:solidFill>
+              <a:srgbClr val="0070C0"/>
+            </a:solidFill>
+          </a:ln>
+          <a:effectLst/>
+        </p:spPr>
+        <p:style>
+          <a:lnRef idx="1">
+            <a:schemeClr val="accent3"/>
+          </a:lnRef>
+          <a:fillRef idx="2">
+            <a:schemeClr val="accent3"/>
+          </a:fillRef>
+          <a:effectRef idx="1">
+            <a:schemeClr val="accent3"/>
+          </a:effectRef>
+          <a:fontRef idx="minor">
+            <a:schemeClr val="dk1"/>
+          </a:fontRef>
+        </p:style>
+        <p:txBody>
+          <a:bodyPr rtlCol="0" anchor="ctr"/>
+          <a:lstStyle/>
+          <a:p>
+            <a:pPr algn="ctr"/>
+            <a:endParaRPr lang="en-SG" sz="1400"/>
+          </a:p>
+        </p:txBody>
+      </p:sp>
+      <p:sp>
+        <p:nvSpPr>
+          <p:cNvPr id="17" name="Rectangle 62">
+            <a:extLst>
+              <a:ext uri="{FF2B5EF4-FFF2-40B4-BE49-F238E27FC236}">
+                <a16:creationId xmlns:a16="http://schemas.microsoft.com/office/drawing/2014/main" id="{0BD15CB9-AAF0-48E6-BA4D-084328CFD649}"/>
+              </a:ext>
+            </a:extLst>
+          </p:cNvPr>
+          <p:cNvSpPr/>
+          <p:nvPr/>
+        </p:nvSpPr>
+        <p:spPr>
+          <a:xfrm>
+            <a:off x="4699830" y="1104595"/>
+            <a:ext cx="1971549" cy="762000"/>
+          </a:xfrm>
+          <a:prstGeom prst="rect">
+            <a:avLst/>
+          </a:prstGeom>
+          <a:solidFill>
+            <a:srgbClr val="92D050"/>
+          </a:solidFill>
+          <a:ln w="19050">
+            <a:solidFill>
+              <a:srgbClr val="0070C0"/>
+            </a:solidFill>
+          </a:ln>
+          <a:effectLst/>
+        </p:spPr>
+        <p:style>
+          <a:lnRef idx="1">
+            <a:schemeClr val="accent2"/>
+          </a:lnRef>
+          <a:fillRef idx="2">
+            <a:schemeClr val="accent2"/>
+          </a:fillRef>
+          <a:effectRef idx="1">
+            <a:schemeClr val="accent2"/>
+          </a:effectRef>
+          <a:fontRef idx="minor">
+            <a:schemeClr val="dk1"/>
+          </a:fontRef>
+        </p:style>
+        <p:txBody>
+          <a:bodyPr rtlCol="0" anchor="ctr"/>
+          <a:lstStyle/>
+          <a:p>
+            <a:pPr algn="ctr"/>
+            <a:r>
+              <a:rPr lang="en-SG" sz="1600" dirty="0">
+                <a:solidFill>
+                  <a:schemeClr val="tx1"/>
+                </a:solidFill>
+              </a:rPr>
+              <a:t>dl: </a:t>
+            </a:r>
+            <a:r>
+              <a:rPr lang="en-SG" sz="1600" dirty="0" err="1">
+                <a:solidFill>
+                  <a:schemeClr val="tx1"/>
+                </a:solidFill>
+              </a:rPr>
+              <a:t>MixedPieChartData</a:t>
+            </a:r>
+            <a:endParaRPr lang="en-SG" sz="1600" dirty="0">
+              <a:solidFill>
+                <a:schemeClr val="tx1"/>
+              </a:solidFill>
+            </a:endParaRPr>
+          </a:p>
+          <a:p>
+            <a:pPr algn="ctr"/>
+            <a:r>
+              <a:rPr lang="en-SG" sz="1600" dirty="0">
+                <a:solidFill>
+                  <a:schemeClr val="tx1"/>
+                </a:solidFill>
+              </a:rPr>
+              <a:t>List</a:t>
+            </a:r>
+          </a:p>
+        </p:txBody>
+      </p:sp>
+      <p:sp>
+        <p:nvSpPr>
+          <p:cNvPr id="24" name="Rectangle 65">
+            <a:extLst>
+              <a:ext uri="{FF2B5EF4-FFF2-40B4-BE49-F238E27FC236}">
+                <a16:creationId xmlns:a16="http://schemas.microsoft.com/office/drawing/2014/main" id="{F0ADF632-9761-47FE-8DCC-955B9253A4F2}"/>
+              </a:ext>
+            </a:extLst>
+          </p:cNvPr>
+          <p:cNvSpPr/>
+          <p:nvPr/>
+        </p:nvSpPr>
+        <p:spPr>
+          <a:xfrm>
+            <a:off x="3649271" y="1893209"/>
+            <a:ext cx="4251911" cy="1343484"/>
+          </a:xfrm>
+          <a:prstGeom prst="roundRect">
+            <a:avLst>
+              <a:gd name="adj" fmla="val 3484"/>
+            </a:avLst>
+          </a:prstGeom>
+          <a:solidFill>
+            <a:srgbClr val="9CD45E">
+              <a:alpha val="30980"/>
+            </a:srgbClr>
+          </a:solidFill>
+          <a:ln w="19050">
+            <a:solidFill>
+              <a:srgbClr val="6CA62C"/>
+            </a:solidFill>
+          </a:ln>
+          <a:effectLst/>
+        </p:spPr>
+        <p:style>
+          <a:lnRef idx="1">
+            <a:schemeClr val="accent2"/>
+          </a:lnRef>
+          <a:fillRef idx="2">
+            <a:schemeClr val="accent2"/>
+          </a:fillRef>
+          <a:effectRef idx="1">
+            <a:schemeClr val="accent2"/>
+          </a:effectRef>
+          <a:fontRef idx="minor">
+            <a:schemeClr val="dk1"/>
+          </a:fontRef>
+        </p:style>
+        <p:txBody>
+          <a:bodyPr rtlCol="0" anchor="t"/>
+          <a:lstStyle/>
+          <a:p>
+            <a:r>
+              <a:rPr lang="en-SG" sz="1400" b="1" dirty="0">
+                <a:solidFill>
+                  <a:schemeClr val="tx1"/>
+                </a:solidFill>
+              </a:rPr>
+              <a:t>                    </a:t>
+            </a:r>
+            <a:r>
+              <a:rPr lang="en-SG" sz="1400" dirty="0">
+                <a:solidFill>
+                  <a:schemeClr val="tx1"/>
+                </a:solidFill>
+              </a:rPr>
+              <a:t>[For all </a:t>
+            </a:r>
+          </a:p>
+          <a:p>
+            <a:r>
+              <a:rPr lang="en-SG" sz="1400" dirty="0">
+                <a:solidFill>
+                  <a:schemeClr val="tx1"/>
+                </a:solidFill>
+              </a:rPr>
+              <a:t>                  data elements]</a:t>
+            </a:r>
+            <a:endParaRPr lang="en-SG" sz="1400" b="1" dirty="0">
+              <a:solidFill>
+                <a:schemeClr val="tx1"/>
+              </a:solidFill>
+            </a:endParaRPr>
+          </a:p>
+        </p:txBody>
+      </p:sp>
+      <p:sp>
+        <p:nvSpPr>
+          <p:cNvPr id="25" name="Rectangle: Diagonal Corners Rounded 24">
+            <a:extLst>
+              <a:ext uri="{FF2B5EF4-FFF2-40B4-BE49-F238E27FC236}">
+                <a16:creationId xmlns:a16="http://schemas.microsoft.com/office/drawing/2014/main" id="{E49957D8-4FB8-4DDA-8FA9-CEE56A7B7511}"/>
+              </a:ext>
+            </a:extLst>
+          </p:cNvPr>
+          <p:cNvSpPr/>
+          <p:nvPr/>
+        </p:nvSpPr>
+        <p:spPr>
+          <a:xfrm>
+            <a:off x="3674349" y="1873958"/>
+            <a:ext cx="742594" cy="361973"/>
+          </a:xfrm>
+          <a:prstGeom prst="round2DiagRect">
+            <a:avLst/>
+          </a:prstGeom>
+          <a:solidFill>
+            <a:srgbClr val="BDE394"/>
+          </a:solidFill>
+          <a:ln>
+            <a:solidFill>
+              <a:srgbClr val="70AC2E"/>
+            </a:solidFill>
+          </a:ln>
+        </p:spPr>
+        <p:style>
+          <a:lnRef idx="2">
+            <a:schemeClr val="accent1">
+              <a:shade val="50000"/>
+            </a:schemeClr>
+          </a:lnRef>
+          <a:fillRef idx="1">
+            <a:schemeClr val="accent1"/>
+          </a:fillRef>
+          <a:effectRef idx="0">
+            <a:schemeClr val="accent1"/>
+          </a:effectRef>
+          <a:fontRef idx="minor">
+            <a:schemeClr val="lt1"/>
+          </a:fontRef>
+        </p:style>
+        <p:txBody>
+          <a:bodyPr rtlCol="0" anchor="ctr"/>
+          <a:lstStyle/>
+          <a:p>
+            <a:pPr algn="ctr"/>
+            <a:r>
+              <a:rPr lang="en-SG" dirty="0">
+                <a:solidFill>
+                  <a:schemeClr val="tx1"/>
+                </a:solidFill>
+              </a:rPr>
+              <a:t>Loop</a:t>
+            </a:r>
+          </a:p>
+        </p:txBody>
+      </p:sp>
+      <p:sp>
+        <p:nvSpPr>
+          <p:cNvPr id="27" name="Rectangle 26">
+            <a:extLst>
+              <a:ext uri="{FF2B5EF4-FFF2-40B4-BE49-F238E27FC236}">
+                <a16:creationId xmlns:a16="http://schemas.microsoft.com/office/drawing/2014/main" id="{762B8E27-FDAB-4904-987D-5FEB6E989E91}"/>
+              </a:ext>
+            </a:extLst>
+          </p:cNvPr>
+          <p:cNvSpPr/>
+          <p:nvPr/>
+        </p:nvSpPr>
+        <p:spPr>
+          <a:xfrm>
+            <a:off x="5707238" y="2035967"/>
+            <a:ext cx="206361" cy="419016"/>
+          </a:xfrm>
+          <a:prstGeom prst="rect">
+            <a:avLst/>
+          </a:prstGeom>
+          <a:solidFill>
+            <a:srgbClr val="92D050"/>
+          </a:solidFill>
+          <a:ln>
+            <a:solidFill>
+              <a:srgbClr val="0070C0"/>
+            </a:solidFill>
+          </a:ln>
+          <a:effectLst/>
+        </p:spPr>
+        <p:style>
+          <a:lnRef idx="1">
+            <a:schemeClr val="accent3"/>
+          </a:lnRef>
+          <a:fillRef idx="2">
+            <a:schemeClr val="accent3"/>
+          </a:fillRef>
+          <a:effectRef idx="1">
+            <a:schemeClr val="accent3"/>
+          </a:effectRef>
+          <a:fontRef idx="minor">
+            <a:schemeClr val="dk1"/>
+          </a:fontRef>
+        </p:style>
+        <p:txBody>
+          <a:bodyPr rtlCol="0" anchor="ctr"/>
+          <a:lstStyle/>
+          <a:p>
+            <a:pPr algn="ctr"/>
+            <a:endParaRPr lang="en-SG" sz="1400"/>
+          </a:p>
+        </p:txBody>
+      </p:sp>
+      <p:cxnSp>
+        <p:nvCxnSpPr>
+          <p:cNvPr id="28" name="Connector: Curved 27">
+            <a:extLst>
+              <a:ext uri="{FF2B5EF4-FFF2-40B4-BE49-F238E27FC236}">
+                <a16:creationId xmlns:a16="http://schemas.microsoft.com/office/drawing/2014/main" id="{47EBB404-F844-43AD-ABFD-0437265A00C8}"/>
+              </a:ext>
+            </a:extLst>
+          </p:cNvPr>
+          <p:cNvCxnSpPr>
+            <a:cxnSpLocks/>
+          </p:cNvCxnSpPr>
+          <p:nvPr/>
+        </p:nvCxnSpPr>
+        <p:spPr>
+          <a:xfrm rot="16200000" flipH="1">
+            <a:off x="5800162" y="2017981"/>
+            <a:ext cx="148766" cy="73926"/>
+          </a:xfrm>
+          <a:prstGeom prst="curvedConnector4">
+            <a:avLst>
+              <a:gd name="adj1" fmla="val -15714"/>
+              <a:gd name="adj2" fmla="val 240699"/>
+            </a:avLst>
+          </a:prstGeom>
+          <a:ln>
+            <a:solidFill>
+              <a:srgbClr val="00B050"/>
+            </a:solidFill>
+            <a:tailEnd type="triangle"/>
+          </a:ln>
+        </p:spPr>
+        <p:style>
+          <a:lnRef idx="1">
+            <a:schemeClr val="accent1"/>
+          </a:lnRef>
+          <a:fillRef idx="0">
+            <a:schemeClr val="accent1"/>
+          </a:fillRef>
+          <a:effectRef idx="0">
+            <a:schemeClr val="accent1"/>
+          </a:effectRef>
+          <a:fontRef idx="minor">
+            <a:schemeClr val="tx1"/>
+          </a:fontRef>
+        </p:style>
+      </p:cxnSp>
+      <p:sp>
+        <p:nvSpPr>
+          <p:cNvPr id="29" name="Rectangle 28">
+            <a:extLst>
+              <a:ext uri="{FF2B5EF4-FFF2-40B4-BE49-F238E27FC236}">
+                <a16:creationId xmlns:a16="http://schemas.microsoft.com/office/drawing/2014/main" id="{834F327B-22F6-40A6-9A0C-CB1C6B20D313}"/>
+              </a:ext>
+            </a:extLst>
+          </p:cNvPr>
+          <p:cNvSpPr/>
+          <p:nvPr/>
+        </p:nvSpPr>
+        <p:spPr>
+          <a:xfrm>
+            <a:off x="5707238" y="2615649"/>
+            <a:ext cx="206361" cy="419016"/>
+          </a:xfrm>
+          <a:prstGeom prst="rect">
+            <a:avLst/>
+          </a:prstGeom>
+          <a:solidFill>
+            <a:srgbClr val="92D050"/>
+          </a:solidFill>
+          <a:ln>
+            <a:solidFill>
+              <a:srgbClr val="0070C0"/>
+            </a:solidFill>
+          </a:ln>
+          <a:effectLst/>
+        </p:spPr>
+        <p:style>
+          <a:lnRef idx="1">
+            <a:schemeClr val="accent3"/>
+          </a:lnRef>
+          <a:fillRef idx="2">
+            <a:schemeClr val="accent3"/>
+          </a:fillRef>
+          <a:effectRef idx="1">
+            <a:schemeClr val="accent3"/>
+          </a:effectRef>
+          <a:fontRef idx="minor">
+            <a:schemeClr val="dk1"/>
+          </a:fontRef>
+        </p:style>
+        <p:txBody>
+          <a:bodyPr rtlCol="0" anchor="ctr"/>
+          <a:lstStyle/>
+          <a:p>
+            <a:pPr algn="ctr"/>
+            <a:endParaRPr lang="en-SG" sz="1400"/>
+          </a:p>
+        </p:txBody>
+      </p:sp>
+      <p:cxnSp>
+        <p:nvCxnSpPr>
+          <p:cNvPr id="30" name="Connector: Curved 29">
+            <a:extLst>
+              <a:ext uri="{FF2B5EF4-FFF2-40B4-BE49-F238E27FC236}">
+                <a16:creationId xmlns:a16="http://schemas.microsoft.com/office/drawing/2014/main" id="{015A7019-A6B3-4EDD-91FE-EB343DC4F32B}"/>
+              </a:ext>
+            </a:extLst>
+          </p:cNvPr>
+          <p:cNvCxnSpPr>
+            <a:cxnSpLocks/>
+          </p:cNvCxnSpPr>
+          <p:nvPr/>
+        </p:nvCxnSpPr>
+        <p:spPr>
+          <a:xfrm rot="16200000" flipH="1">
+            <a:off x="5811625" y="2600125"/>
+            <a:ext cx="148766" cy="73926"/>
+          </a:xfrm>
+          <a:prstGeom prst="curvedConnector4">
+            <a:avLst>
+              <a:gd name="adj1" fmla="val -15714"/>
+              <a:gd name="adj2" fmla="val 240699"/>
+            </a:avLst>
+          </a:prstGeom>
+          <a:ln>
+            <a:solidFill>
+              <a:srgbClr val="00B050"/>
+            </a:solidFill>
+            <a:tailEnd type="triangle"/>
+          </a:ln>
+        </p:spPr>
+        <p:style>
+          <a:lnRef idx="1">
+            <a:schemeClr val="accent1"/>
+          </a:lnRef>
+          <a:fillRef idx="0">
+            <a:schemeClr val="accent1"/>
+          </a:fillRef>
+          <a:effectRef idx="0">
+            <a:schemeClr val="accent1"/>
+          </a:effectRef>
+          <a:fontRef idx="minor">
+            <a:schemeClr val="tx1"/>
+          </a:fontRef>
+        </p:style>
+      </p:cxnSp>
+      <p:sp>
+        <p:nvSpPr>
+          <p:cNvPr id="31" name="TextBox 30">
+            <a:extLst>
+              <a:ext uri="{FF2B5EF4-FFF2-40B4-BE49-F238E27FC236}">
+                <a16:creationId xmlns:a16="http://schemas.microsoft.com/office/drawing/2014/main" id="{F5C01DC2-424B-4725-B57A-BA5B90F47EAF}"/>
+              </a:ext>
+            </a:extLst>
+          </p:cNvPr>
+          <p:cNvSpPr txBox="1"/>
+          <p:nvPr/>
+        </p:nvSpPr>
+        <p:spPr>
+          <a:xfrm>
+            <a:off x="5837582" y="2115676"/>
+            <a:ext cx="2063600" cy="215444"/>
+          </a:xfrm>
+          <a:prstGeom prst="rect">
+            <a:avLst/>
+          </a:prstGeom>
+          <a:noFill/>
+        </p:spPr>
+        <p:txBody>
+          <a:bodyPr wrap="square" lIns="0" tIns="0" rIns="0" bIns="0" rtlCol="0">
+            <a:spAutoFit/>
+          </a:bodyPr>
+          <a:lstStyle/>
+          <a:p>
+            <a:pPr algn="ctr"/>
+            <a:r>
+              <a:rPr lang="en-US" sz="1400" dirty="0" err="1"/>
+              <a:t>addToExpenseLabelData</a:t>
+            </a:r>
+            <a:r>
+              <a:rPr lang="en-US" sz="1400" dirty="0"/>
+              <a:t>()</a:t>
+            </a:r>
+          </a:p>
+        </p:txBody>
+      </p:sp>
+      <p:sp>
+        <p:nvSpPr>
+          <p:cNvPr id="32" name="TextBox 31">
+            <a:extLst>
+              <a:ext uri="{FF2B5EF4-FFF2-40B4-BE49-F238E27FC236}">
+                <a16:creationId xmlns:a16="http://schemas.microsoft.com/office/drawing/2014/main" id="{0F1FC668-8A39-4F7F-A6AA-8793F470AAEA}"/>
+              </a:ext>
+            </a:extLst>
+          </p:cNvPr>
+          <p:cNvSpPr txBox="1"/>
+          <p:nvPr/>
+        </p:nvSpPr>
+        <p:spPr>
+          <a:xfrm>
+            <a:off x="5794201" y="2745331"/>
+            <a:ext cx="2063600" cy="215444"/>
+          </a:xfrm>
+          <a:prstGeom prst="rect">
+            <a:avLst/>
+          </a:prstGeom>
+          <a:noFill/>
+        </p:spPr>
+        <p:txBody>
+          <a:bodyPr wrap="square" lIns="0" tIns="0" rIns="0" bIns="0" rtlCol="0">
+            <a:spAutoFit/>
+          </a:bodyPr>
+          <a:lstStyle/>
+          <a:p>
+            <a:pPr algn="ctr"/>
+            <a:r>
+              <a:rPr lang="en-US" sz="1400" dirty="0" err="1"/>
+              <a:t>addToIncomeLabelData</a:t>
+            </a:r>
+            <a:r>
+              <a:rPr lang="en-US" sz="1400" dirty="0"/>
+              <a:t>()</a:t>
+            </a:r>
+          </a:p>
+        </p:txBody>
+      </p:sp>
+      <p:cxnSp>
+        <p:nvCxnSpPr>
+          <p:cNvPr id="36" name="Straight Arrow Connector 35">
+            <a:extLst>
+              <a:ext uri="{FF2B5EF4-FFF2-40B4-BE49-F238E27FC236}">
+                <a16:creationId xmlns:a16="http://schemas.microsoft.com/office/drawing/2014/main" id="{820107EE-7CED-421F-898F-6CA7BCE61F23}"/>
+              </a:ext>
+            </a:extLst>
+          </p:cNvPr>
+          <p:cNvCxnSpPr>
+            <a:cxnSpLocks/>
+          </p:cNvCxnSpPr>
+          <p:nvPr/>
+        </p:nvCxnSpPr>
+        <p:spPr>
+          <a:xfrm flipH="1">
+            <a:off x="3243325" y="3354434"/>
+            <a:ext cx="2327981" cy="0"/>
+          </a:xfrm>
+          <a:prstGeom prst="straightConnector1">
+            <a:avLst/>
+          </a:prstGeom>
+          <a:ln w="19050">
+            <a:solidFill>
+              <a:srgbClr val="00B050"/>
+            </a:solidFill>
+            <a:prstDash val="sysDash"/>
+            <a:tailEnd type="arrow"/>
+          </a:ln>
+        </p:spPr>
+        <p:style>
+          <a:lnRef idx="1">
+            <a:schemeClr val="accent1"/>
+          </a:lnRef>
+          <a:fillRef idx="0">
+            <a:schemeClr val="accent1"/>
+          </a:fillRef>
+          <a:effectRef idx="0">
+            <a:schemeClr val="accent1"/>
+          </a:effectRef>
+          <a:fontRef idx="minor">
+            <a:schemeClr val="tx1"/>
+          </a:fontRef>
+        </p:style>
+      </p:cxnSp>
+      <p:sp>
+        <p:nvSpPr>
+          <p:cNvPr id="40" name="TextBox 39">
+            <a:extLst>
+              <a:ext uri="{FF2B5EF4-FFF2-40B4-BE49-F238E27FC236}">
+                <a16:creationId xmlns:a16="http://schemas.microsoft.com/office/drawing/2014/main" id="{5C8EF5A4-24E8-435E-B359-28FE3EB32BE8}"/>
+              </a:ext>
+            </a:extLst>
+          </p:cNvPr>
+          <p:cNvSpPr txBox="1"/>
+          <p:nvPr/>
+        </p:nvSpPr>
+        <p:spPr>
+          <a:xfrm>
+            <a:off x="3232160" y="3322464"/>
+            <a:ext cx="2063600" cy="215444"/>
+          </a:xfrm>
+          <a:prstGeom prst="rect">
+            <a:avLst/>
+          </a:prstGeom>
+          <a:noFill/>
+        </p:spPr>
+        <p:txBody>
+          <a:bodyPr wrap="square" lIns="0" tIns="0" rIns="0" bIns="0" rtlCol="0">
+            <a:spAutoFit/>
+          </a:bodyPr>
+          <a:lstStyle/>
+          <a:p>
+            <a:pPr algn="ctr"/>
+            <a:r>
+              <a:rPr lang="en-US" sz="1400" dirty="0"/>
+              <a:t>dl</a:t>
+            </a:r>
+          </a:p>
+        </p:txBody>
+      </p:sp>
+      <p:sp>
+        <p:nvSpPr>
+          <p:cNvPr id="41" name="Rectangle 40">
+            <a:extLst>
+              <a:ext uri="{FF2B5EF4-FFF2-40B4-BE49-F238E27FC236}">
+                <a16:creationId xmlns:a16="http://schemas.microsoft.com/office/drawing/2014/main" id="{0025FAB9-04F6-47C5-93EA-9664323B5C07}"/>
+              </a:ext>
+            </a:extLst>
+          </p:cNvPr>
+          <p:cNvSpPr/>
+          <p:nvPr/>
+        </p:nvSpPr>
+        <p:spPr>
+          <a:xfrm>
+            <a:off x="5587841" y="3786878"/>
+            <a:ext cx="206360" cy="251714"/>
+          </a:xfrm>
+          <a:prstGeom prst="rect">
+            <a:avLst/>
+          </a:prstGeom>
+          <a:solidFill>
+            <a:srgbClr val="92D050"/>
+          </a:solidFill>
+          <a:ln>
+            <a:solidFill>
+              <a:srgbClr val="0070C0"/>
+            </a:solidFill>
+          </a:ln>
+          <a:effectLst/>
+        </p:spPr>
+        <p:style>
+          <a:lnRef idx="1">
+            <a:schemeClr val="accent3"/>
+          </a:lnRef>
+          <a:fillRef idx="2">
+            <a:schemeClr val="accent3"/>
+          </a:fillRef>
+          <a:effectRef idx="1">
+            <a:schemeClr val="accent3"/>
+          </a:effectRef>
+          <a:fontRef idx="minor">
+            <a:schemeClr val="dk1"/>
+          </a:fontRef>
+        </p:style>
+        <p:txBody>
+          <a:bodyPr rtlCol="0" anchor="ctr"/>
+          <a:lstStyle/>
+          <a:p>
+            <a:pPr algn="ctr"/>
+            <a:endParaRPr lang="en-SG" sz="1400"/>
+          </a:p>
+        </p:txBody>
+      </p:sp>
+      <p:cxnSp>
+        <p:nvCxnSpPr>
+          <p:cNvPr id="42" name="Straight Arrow Connector 41">
+            <a:extLst>
+              <a:ext uri="{FF2B5EF4-FFF2-40B4-BE49-F238E27FC236}">
+                <a16:creationId xmlns:a16="http://schemas.microsoft.com/office/drawing/2014/main" id="{4B515446-B1DA-4D2E-892E-BD4F9E4E056F}"/>
+              </a:ext>
+            </a:extLst>
+          </p:cNvPr>
+          <p:cNvCxnSpPr>
+            <a:cxnSpLocks/>
+          </p:cNvCxnSpPr>
+          <p:nvPr/>
+        </p:nvCxnSpPr>
+        <p:spPr>
+          <a:xfrm>
+            <a:off x="3243325" y="3810000"/>
+            <a:ext cx="2344516" cy="0"/>
+          </a:xfrm>
+          <a:prstGeom prst="straightConnector1">
+            <a:avLst/>
+          </a:prstGeom>
+          <a:ln w="19050">
+            <a:solidFill>
+              <a:srgbClr val="00B050"/>
+            </a:solidFill>
+            <a:tailEnd type="arrow"/>
+          </a:ln>
+        </p:spPr>
+        <p:style>
+          <a:lnRef idx="1">
+            <a:schemeClr val="accent1"/>
+          </a:lnRef>
+          <a:fillRef idx="0">
+            <a:schemeClr val="accent1"/>
+          </a:fillRef>
+          <a:effectRef idx="0">
+            <a:schemeClr val="accent1"/>
+          </a:effectRef>
+          <a:fontRef idx="minor">
+            <a:schemeClr val="tx1"/>
+          </a:fontRef>
+        </p:style>
+      </p:cxnSp>
+      <p:cxnSp>
+        <p:nvCxnSpPr>
+          <p:cNvPr id="44" name="Straight Arrow Connector 43">
+            <a:extLst>
+              <a:ext uri="{FF2B5EF4-FFF2-40B4-BE49-F238E27FC236}">
+                <a16:creationId xmlns:a16="http://schemas.microsoft.com/office/drawing/2014/main" id="{9B16781C-F668-47AE-85CC-D1D74C08A8D7}"/>
+              </a:ext>
+            </a:extLst>
+          </p:cNvPr>
+          <p:cNvCxnSpPr>
+            <a:cxnSpLocks/>
+          </p:cNvCxnSpPr>
+          <p:nvPr/>
+        </p:nvCxnSpPr>
+        <p:spPr>
+          <a:xfrm flipH="1">
+            <a:off x="3243325" y="4038600"/>
+            <a:ext cx="2327981" cy="0"/>
+          </a:xfrm>
+          <a:prstGeom prst="straightConnector1">
+            <a:avLst/>
+          </a:prstGeom>
+          <a:ln w="19050">
+            <a:solidFill>
+              <a:srgbClr val="00B050"/>
+            </a:solidFill>
+            <a:prstDash val="sysDash"/>
+            <a:tailEnd type="arrow"/>
+          </a:ln>
+        </p:spPr>
+        <p:style>
+          <a:lnRef idx="1">
+            <a:schemeClr val="accent1"/>
+          </a:lnRef>
+          <a:fillRef idx="0">
+            <a:schemeClr val="accent1"/>
+          </a:fillRef>
+          <a:effectRef idx="0">
+            <a:schemeClr val="accent1"/>
+          </a:effectRef>
+          <a:fontRef idx="minor">
+            <a:schemeClr val="tx1"/>
+          </a:fontRef>
+        </p:style>
+      </p:cxnSp>
+      <p:sp>
+        <p:nvSpPr>
+          <p:cNvPr id="45" name="Rectangle 44">
+            <a:extLst>
+              <a:ext uri="{FF2B5EF4-FFF2-40B4-BE49-F238E27FC236}">
+                <a16:creationId xmlns:a16="http://schemas.microsoft.com/office/drawing/2014/main" id="{CB13B61B-18F3-4225-BC25-3CF104C6E3E9}"/>
+              </a:ext>
+            </a:extLst>
+          </p:cNvPr>
+          <p:cNvSpPr/>
+          <p:nvPr/>
+        </p:nvSpPr>
+        <p:spPr>
+          <a:xfrm>
+            <a:off x="5597785" y="4241997"/>
+            <a:ext cx="206360" cy="251714"/>
+          </a:xfrm>
+          <a:prstGeom prst="rect">
+            <a:avLst/>
+          </a:prstGeom>
+          <a:solidFill>
+            <a:srgbClr val="92D050"/>
+          </a:solidFill>
+          <a:ln>
+            <a:solidFill>
+              <a:srgbClr val="0070C0"/>
+            </a:solidFill>
+          </a:ln>
+          <a:effectLst/>
+        </p:spPr>
+        <p:style>
+          <a:lnRef idx="1">
+            <a:schemeClr val="accent3"/>
+          </a:lnRef>
+          <a:fillRef idx="2">
+            <a:schemeClr val="accent3"/>
+          </a:fillRef>
+          <a:effectRef idx="1">
+            <a:schemeClr val="accent3"/>
+          </a:effectRef>
+          <a:fontRef idx="minor">
+            <a:schemeClr val="dk1"/>
+          </a:fontRef>
+        </p:style>
+        <p:txBody>
+          <a:bodyPr rtlCol="0" anchor="ctr"/>
+          <a:lstStyle/>
+          <a:p>
+            <a:pPr algn="ctr"/>
+            <a:endParaRPr lang="en-SG" sz="1400"/>
+          </a:p>
+        </p:txBody>
+      </p:sp>
+      <p:sp>
+        <p:nvSpPr>
+          <p:cNvPr id="46" name="TextBox 45">
+            <a:extLst>
+              <a:ext uri="{FF2B5EF4-FFF2-40B4-BE49-F238E27FC236}">
+                <a16:creationId xmlns:a16="http://schemas.microsoft.com/office/drawing/2014/main" id="{9DE55830-3F89-43C5-80DA-170A2CB9051E}"/>
+              </a:ext>
+            </a:extLst>
+          </p:cNvPr>
+          <p:cNvSpPr txBox="1"/>
+          <p:nvPr/>
+        </p:nvSpPr>
+        <p:spPr>
+          <a:xfrm>
+            <a:off x="3391782" y="3615314"/>
+            <a:ext cx="1914710" cy="153888"/>
+          </a:xfrm>
+          <a:prstGeom prst="rect">
+            <a:avLst/>
+          </a:prstGeom>
+          <a:noFill/>
+        </p:spPr>
+        <p:txBody>
+          <a:bodyPr wrap="square" lIns="0" tIns="0" rIns="0" bIns="0" rtlCol="0">
+            <a:spAutoFit/>
+          </a:bodyPr>
+          <a:lstStyle/>
+          <a:p>
+            <a:pPr algn="ctr"/>
+            <a:r>
+              <a:rPr lang="en-US" sz="1000" dirty="0" err="1"/>
+              <a:t>dl.getExpenseChartLabelData</a:t>
+            </a:r>
+            <a:r>
+              <a:rPr lang="en-US" sz="1000" dirty="0"/>
+              <a:t>()</a:t>
+            </a:r>
+          </a:p>
+        </p:txBody>
+      </p:sp>
+      <p:sp>
+        <p:nvSpPr>
+          <p:cNvPr id="47" name="TextBox 46">
+            <a:extLst>
+              <a:ext uri="{FF2B5EF4-FFF2-40B4-BE49-F238E27FC236}">
+                <a16:creationId xmlns:a16="http://schemas.microsoft.com/office/drawing/2014/main" id="{D3B589B5-12EA-44F1-AF83-95B867FB9447}"/>
+              </a:ext>
+            </a:extLst>
+          </p:cNvPr>
+          <p:cNvSpPr txBox="1"/>
+          <p:nvPr/>
+        </p:nvSpPr>
+        <p:spPr>
+          <a:xfrm>
+            <a:off x="3312187" y="3852934"/>
+            <a:ext cx="1914710" cy="153888"/>
+          </a:xfrm>
+          <a:prstGeom prst="rect">
+            <a:avLst/>
+          </a:prstGeom>
+          <a:noFill/>
+        </p:spPr>
+        <p:txBody>
+          <a:bodyPr wrap="square" lIns="0" tIns="0" rIns="0" bIns="0" rtlCol="0">
+            <a:spAutoFit/>
+          </a:bodyPr>
+          <a:lstStyle/>
+          <a:p>
+            <a:pPr algn="ctr"/>
+            <a:r>
+              <a:rPr lang="en-US" sz="1000" dirty="0" err="1"/>
+              <a:t>expenseLabelData</a:t>
+            </a:r>
+            <a:endParaRPr lang="en-US" sz="1000" dirty="0"/>
+          </a:p>
+        </p:txBody>
+      </p:sp>
+      <p:cxnSp>
+        <p:nvCxnSpPr>
+          <p:cNvPr id="49" name="Straight Arrow Connector 48">
+            <a:extLst>
+              <a:ext uri="{FF2B5EF4-FFF2-40B4-BE49-F238E27FC236}">
+                <a16:creationId xmlns:a16="http://schemas.microsoft.com/office/drawing/2014/main" id="{0564A4CA-695D-47C9-96BD-59BACCA6C8F4}"/>
+              </a:ext>
+            </a:extLst>
+          </p:cNvPr>
+          <p:cNvCxnSpPr>
+            <a:cxnSpLocks/>
+          </p:cNvCxnSpPr>
+          <p:nvPr/>
+        </p:nvCxnSpPr>
+        <p:spPr>
+          <a:xfrm>
+            <a:off x="3264692" y="4241997"/>
+            <a:ext cx="2344516" cy="0"/>
+          </a:xfrm>
+          <a:prstGeom prst="straightConnector1">
+            <a:avLst/>
+          </a:prstGeom>
+          <a:ln w="19050">
+            <a:solidFill>
+              <a:srgbClr val="00B050"/>
+            </a:solidFill>
+            <a:tailEnd type="arrow"/>
+          </a:ln>
+        </p:spPr>
+        <p:style>
+          <a:lnRef idx="1">
+            <a:schemeClr val="accent1"/>
+          </a:lnRef>
+          <a:fillRef idx="0">
+            <a:schemeClr val="accent1"/>
+          </a:fillRef>
+          <a:effectRef idx="0">
+            <a:schemeClr val="accent1"/>
+          </a:effectRef>
+          <a:fontRef idx="minor">
+            <a:schemeClr val="tx1"/>
+          </a:fontRef>
+        </p:style>
+      </p:cxnSp>
+      <p:sp>
+        <p:nvSpPr>
+          <p:cNvPr id="50" name="TextBox 49">
+            <a:extLst>
+              <a:ext uri="{FF2B5EF4-FFF2-40B4-BE49-F238E27FC236}">
+                <a16:creationId xmlns:a16="http://schemas.microsoft.com/office/drawing/2014/main" id="{6D77CFCF-3822-4F02-B008-26BE58DF9AEA}"/>
+              </a:ext>
+            </a:extLst>
+          </p:cNvPr>
+          <p:cNvSpPr txBox="1"/>
+          <p:nvPr/>
+        </p:nvSpPr>
+        <p:spPr>
+          <a:xfrm>
+            <a:off x="3453387" y="4047152"/>
+            <a:ext cx="2008729" cy="153888"/>
+          </a:xfrm>
+          <a:prstGeom prst="rect">
+            <a:avLst/>
+          </a:prstGeom>
+          <a:noFill/>
+        </p:spPr>
+        <p:txBody>
+          <a:bodyPr wrap="square" lIns="0" tIns="0" rIns="0" bIns="0" rtlCol="0">
+            <a:spAutoFit/>
+          </a:bodyPr>
+          <a:lstStyle/>
+          <a:p>
+            <a:pPr algn="ctr"/>
+            <a:r>
+              <a:rPr lang="en-US" sz="1000" dirty="0" err="1"/>
+              <a:t>dl.getExpenseChartLegendData</a:t>
+            </a:r>
+            <a:r>
+              <a:rPr lang="en-US" sz="1000" dirty="0"/>
+              <a:t>()</a:t>
+            </a:r>
+          </a:p>
+        </p:txBody>
+      </p:sp>
+      <p:cxnSp>
+        <p:nvCxnSpPr>
+          <p:cNvPr id="51" name="Straight Arrow Connector 50">
+            <a:extLst>
+              <a:ext uri="{FF2B5EF4-FFF2-40B4-BE49-F238E27FC236}">
+                <a16:creationId xmlns:a16="http://schemas.microsoft.com/office/drawing/2014/main" id="{6077E407-D142-41C6-99D0-303B74CA6BF1}"/>
+              </a:ext>
+            </a:extLst>
+          </p:cNvPr>
+          <p:cNvCxnSpPr>
+            <a:cxnSpLocks/>
+          </p:cNvCxnSpPr>
+          <p:nvPr/>
+        </p:nvCxnSpPr>
+        <p:spPr>
+          <a:xfrm flipH="1">
+            <a:off x="3251592" y="4493711"/>
+            <a:ext cx="2327981" cy="0"/>
+          </a:xfrm>
+          <a:prstGeom prst="straightConnector1">
+            <a:avLst/>
+          </a:prstGeom>
+          <a:ln w="19050">
+            <a:solidFill>
+              <a:srgbClr val="00B050"/>
+            </a:solidFill>
+            <a:prstDash val="sysDash"/>
+            <a:tailEnd type="arrow"/>
+          </a:ln>
+        </p:spPr>
+        <p:style>
+          <a:lnRef idx="1">
+            <a:schemeClr val="accent1"/>
+          </a:lnRef>
+          <a:fillRef idx="0">
+            <a:schemeClr val="accent1"/>
+          </a:fillRef>
+          <a:effectRef idx="0">
+            <a:schemeClr val="accent1"/>
+          </a:effectRef>
+          <a:fontRef idx="minor">
+            <a:schemeClr val="tx1"/>
+          </a:fontRef>
+        </p:style>
+      </p:cxnSp>
+      <p:sp>
+        <p:nvSpPr>
+          <p:cNvPr id="52" name="TextBox 51">
+            <a:extLst>
+              <a:ext uri="{FF2B5EF4-FFF2-40B4-BE49-F238E27FC236}">
+                <a16:creationId xmlns:a16="http://schemas.microsoft.com/office/drawing/2014/main" id="{F9733D07-44AC-4266-A4DF-E8E0BF3D3C7E}"/>
+              </a:ext>
+            </a:extLst>
+          </p:cNvPr>
+          <p:cNvSpPr txBox="1"/>
+          <p:nvPr/>
+        </p:nvSpPr>
+        <p:spPr>
+          <a:xfrm>
+            <a:off x="3326648" y="4327492"/>
+            <a:ext cx="1914710" cy="153888"/>
+          </a:xfrm>
+          <a:prstGeom prst="rect">
+            <a:avLst/>
+          </a:prstGeom>
+          <a:noFill/>
+        </p:spPr>
+        <p:txBody>
+          <a:bodyPr wrap="square" lIns="0" tIns="0" rIns="0" bIns="0" rtlCol="0">
+            <a:spAutoFit/>
+          </a:bodyPr>
+          <a:lstStyle/>
+          <a:p>
+            <a:pPr algn="ctr"/>
+            <a:r>
+              <a:rPr lang="en-US" sz="1000" dirty="0" err="1"/>
+              <a:t>expenseLegendData</a:t>
+            </a:r>
+            <a:endParaRPr lang="en-US" sz="1000" dirty="0"/>
+          </a:p>
+        </p:txBody>
+      </p:sp>
+      <p:cxnSp>
+        <p:nvCxnSpPr>
+          <p:cNvPr id="55" name="Straight Arrow Connector 54">
+            <a:extLst>
+              <a:ext uri="{FF2B5EF4-FFF2-40B4-BE49-F238E27FC236}">
+                <a16:creationId xmlns:a16="http://schemas.microsoft.com/office/drawing/2014/main" id="{2E45A34E-F851-4CC5-9144-7D09EAB6C262}"/>
+              </a:ext>
+            </a:extLst>
+          </p:cNvPr>
+          <p:cNvCxnSpPr>
+            <a:cxnSpLocks/>
+          </p:cNvCxnSpPr>
+          <p:nvPr/>
+        </p:nvCxnSpPr>
+        <p:spPr>
+          <a:xfrm>
+            <a:off x="3243324" y="4724400"/>
+            <a:ext cx="3249262" cy="0"/>
+          </a:xfrm>
+          <a:prstGeom prst="straightConnector1">
+            <a:avLst/>
+          </a:prstGeom>
+          <a:ln w="19050">
+            <a:solidFill>
+              <a:srgbClr val="00B050"/>
+            </a:solidFill>
+            <a:tailEnd type="arrow"/>
+          </a:ln>
+        </p:spPr>
+        <p:style>
+          <a:lnRef idx="1">
+            <a:schemeClr val="accent1"/>
+          </a:lnRef>
+          <a:fillRef idx="0">
+            <a:schemeClr val="accent1"/>
+          </a:fillRef>
+          <a:effectRef idx="0">
+            <a:schemeClr val="accent1"/>
+          </a:effectRef>
+          <a:fontRef idx="minor">
+            <a:schemeClr val="tx1"/>
+          </a:fontRef>
+        </p:style>
+      </p:cxnSp>
+      <p:sp>
+        <p:nvSpPr>
+          <p:cNvPr id="57" name="TextBox 56">
+            <a:extLst>
+              <a:ext uri="{FF2B5EF4-FFF2-40B4-BE49-F238E27FC236}">
+                <a16:creationId xmlns:a16="http://schemas.microsoft.com/office/drawing/2014/main" id="{E4BC3EDB-E7E2-40F8-84CC-E9B2E80476F1}"/>
+              </a:ext>
+            </a:extLst>
+          </p:cNvPr>
+          <p:cNvSpPr txBox="1"/>
+          <p:nvPr/>
+        </p:nvSpPr>
+        <p:spPr>
+          <a:xfrm>
+            <a:off x="3379503" y="4745425"/>
+            <a:ext cx="2159831" cy="307777"/>
+          </a:xfrm>
+          <a:prstGeom prst="rect">
+            <a:avLst/>
+          </a:prstGeom>
+          <a:noFill/>
+        </p:spPr>
+        <p:txBody>
+          <a:bodyPr wrap="square" lIns="0" tIns="0" rIns="0" bIns="0" rtlCol="0">
+            <a:spAutoFit/>
+          </a:bodyPr>
+          <a:lstStyle/>
+          <a:p>
+            <a:pPr algn="ctr"/>
+            <a:r>
+              <a:rPr lang="en-US" sz="1000" dirty="0" err="1"/>
+              <a:t>CategoryBreakdown</a:t>
+            </a:r>
+            <a:r>
+              <a:rPr lang="en-US" sz="1000" dirty="0"/>
+              <a:t>(</a:t>
+            </a:r>
+            <a:r>
+              <a:rPr lang="en-US" sz="1000" dirty="0" err="1"/>
+              <a:t>expenseLabelData</a:t>
+            </a:r>
+            <a:r>
+              <a:rPr lang="en-US" sz="1000" dirty="0"/>
+              <a:t>, </a:t>
+            </a:r>
+            <a:r>
+              <a:rPr lang="en-US" sz="1000" dirty="0" err="1"/>
+              <a:t>expenseLegendData</a:t>
+            </a:r>
+            <a:r>
+              <a:rPr lang="en-US" sz="1000" dirty="0"/>
+              <a:t>)</a:t>
+            </a:r>
+          </a:p>
+        </p:txBody>
+      </p:sp>
+      <p:cxnSp>
+        <p:nvCxnSpPr>
+          <p:cNvPr id="60" name="Straight Arrow Connector 59">
+            <a:extLst>
+              <a:ext uri="{FF2B5EF4-FFF2-40B4-BE49-F238E27FC236}">
+                <a16:creationId xmlns:a16="http://schemas.microsoft.com/office/drawing/2014/main" id="{96245B02-72D1-4312-81EB-7E2710B816F0}"/>
+              </a:ext>
+            </a:extLst>
+          </p:cNvPr>
+          <p:cNvCxnSpPr>
+            <a:cxnSpLocks/>
+          </p:cNvCxnSpPr>
+          <p:nvPr/>
+        </p:nvCxnSpPr>
+        <p:spPr>
+          <a:xfrm>
+            <a:off x="7259267" y="5090830"/>
+            <a:ext cx="1276948" cy="0"/>
+          </a:xfrm>
+          <a:prstGeom prst="straightConnector1">
+            <a:avLst/>
+          </a:prstGeom>
+          <a:ln w="19050">
+            <a:solidFill>
+              <a:srgbClr val="00B050"/>
+            </a:solidFill>
+            <a:tailEnd type="arrow"/>
+          </a:ln>
+        </p:spPr>
+        <p:style>
+          <a:lnRef idx="1">
+            <a:schemeClr val="accent1"/>
+          </a:lnRef>
+          <a:fillRef idx="0">
+            <a:schemeClr val="accent1"/>
+          </a:fillRef>
+          <a:effectRef idx="0">
+            <a:schemeClr val="accent1"/>
+          </a:effectRef>
+          <a:fontRef idx="minor">
+            <a:schemeClr val="tx1"/>
+          </a:fontRef>
+        </p:style>
+      </p:cxnSp>
+      <p:cxnSp>
+        <p:nvCxnSpPr>
+          <p:cNvPr id="68" name="Straight Arrow Connector 67">
+            <a:extLst>
+              <a:ext uri="{FF2B5EF4-FFF2-40B4-BE49-F238E27FC236}">
+                <a16:creationId xmlns:a16="http://schemas.microsoft.com/office/drawing/2014/main" id="{49AC6C29-5336-44EA-96EC-BAEBE608BD13}"/>
+              </a:ext>
+            </a:extLst>
+          </p:cNvPr>
+          <p:cNvCxnSpPr>
+            <a:cxnSpLocks/>
+          </p:cNvCxnSpPr>
+          <p:nvPr/>
+        </p:nvCxnSpPr>
+        <p:spPr>
+          <a:xfrm>
+            <a:off x="9177276" y="5501456"/>
+            <a:ext cx="1212373" cy="0"/>
+          </a:xfrm>
+          <a:prstGeom prst="straightConnector1">
+            <a:avLst/>
+          </a:prstGeom>
+          <a:ln w="19050">
+            <a:solidFill>
+              <a:srgbClr val="28B284"/>
+            </a:solidFill>
+            <a:tailEnd type="arrow"/>
+          </a:ln>
+        </p:spPr>
+        <p:style>
+          <a:lnRef idx="1">
+            <a:schemeClr val="accent1"/>
+          </a:lnRef>
+          <a:fillRef idx="0">
+            <a:schemeClr val="accent1"/>
+          </a:fillRef>
+          <a:effectRef idx="0">
+            <a:schemeClr val="accent1"/>
+          </a:effectRef>
+          <a:fontRef idx="minor">
+            <a:schemeClr val="tx1"/>
+          </a:fontRef>
+        </p:style>
+      </p:cxnSp>
+      <p:cxnSp>
+        <p:nvCxnSpPr>
+          <p:cNvPr id="71" name="Straight Arrow Connector 70">
+            <a:extLst>
+              <a:ext uri="{FF2B5EF4-FFF2-40B4-BE49-F238E27FC236}">
+                <a16:creationId xmlns:a16="http://schemas.microsoft.com/office/drawing/2014/main" id="{B777AD08-51E5-4247-95BE-9F48D01CAA3E}"/>
+              </a:ext>
+            </a:extLst>
+          </p:cNvPr>
+          <p:cNvCxnSpPr>
+            <a:cxnSpLocks/>
+          </p:cNvCxnSpPr>
+          <p:nvPr/>
+        </p:nvCxnSpPr>
+        <p:spPr>
+          <a:xfrm flipH="1">
+            <a:off x="9215374" y="5938336"/>
+            <a:ext cx="1826008" cy="0"/>
+          </a:xfrm>
+          <a:prstGeom prst="straightConnector1">
+            <a:avLst/>
+          </a:prstGeom>
+          <a:ln w="19050">
+            <a:solidFill>
+              <a:srgbClr val="28B284"/>
+            </a:solidFill>
+            <a:prstDash val="sysDash"/>
+            <a:tailEnd type="arrow"/>
+          </a:ln>
+        </p:spPr>
+        <p:style>
+          <a:lnRef idx="1">
+            <a:schemeClr val="accent1"/>
+          </a:lnRef>
+          <a:fillRef idx="0">
+            <a:schemeClr val="accent1"/>
+          </a:fillRef>
+          <a:effectRef idx="0">
+            <a:schemeClr val="accent1"/>
+          </a:effectRef>
+          <a:fontRef idx="minor">
+            <a:schemeClr val="tx1"/>
+          </a:fontRef>
+        </p:style>
+      </p:cxnSp>
+      <p:sp>
+        <p:nvSpPr>
+          <p:cNvPr id="73" name="TextBox 72">
+            <a:extLst>
+              <a:ext uri="{FF2B5EF4-FFF2-40B4-BE49-F238E27FC236}">
+                <a16:creationId xmlns:a16="http://schemas.microsoft.com/office/drawing/2014/main" id="{6B8E6D80-8A4B-406C-ADC3-A4F7BB30E9C1}"/>
+              </a:ext>
+            </a:extLst>
+          </p:cNvPr>
+          <p:cNvSpPr txBox="1"/>
+          <p:nvPr/>
+        </p:nvSpPr>
+        <p:spPr>
+          <a:xfrm>
+            <a:off x="6845583" y="5137333"/>
+            <a:ext cx="2159831" cy="461665"/>
+          </a:xfrm>
+          <a:prstGeom prst="rect">
+            <a:avLst/>
+          </a:prstGeom>
+          <a:noFill/>
+        </p:spPr>
+        <p:txBody>
+          <a:bodyPr wrap="square" lIns="0" tIns="0" rIns="0" bIns="0" rtlCol="0">
+            <a:spAutoFit/>
+          </a:bodyPr>
+          <a:lstStyle/>
+          <a:p>
+            <a:pPr algn="ctr"/>
+            <a:r>
+              <a:rPr lang="en-US" sz="1000" dirty="0" err="1"/>
+              <a:t>CustomPieChart</a:t>
+            </a:r>
+            <a:endParaRPr lang="en-US" sz="1000" dirty="0"/>
+          </a:p>
+          <a:p>
+            <a:pPr algn="ctr"/>
+            <a:r>
+              <a:rPr lang="en-US" sz="1000" dirty="0"/>
+              <a:t>(</a:t>
+            </a:r>
+            <a:r>
+              <a:rPr lang="en-US" sz="1000" dirty="0" err="1"/>
+              <a:t>expenseLabelData</a:t>
+            </a:r>
+            <a:r>
+              <a:rPr lang="en-US" sz="1000" dirty="0"/>
+              <a:t>,</a:t>
+            </a:r>
+          </a:p>
+          <a:p>
+            <a:pPr algn="ctr"/>
+            <a:r>
+              <a:rPr lang="en-US" sz="1000" dirty="0"/>
+              <a:t> </a:t>
+            </a:r>
+            <a:r>
+              <a:rPr lang="en-US" sz="1000" dirty="0" err="1"/>
+              <a:t>expenseLegendData</a:t>
+            </a:r>
+            <a:r>
+              <a:rPr lang="en-US" sz="1000" dirty="0"/>
+              <a:t>)</a:t>
+            </a:r>
+          </a:p>
+        </p:txBody>
+      </p:sp>
+      <p:sp>
+        <p:nvSpPr>
+          <p:cNvPr id="74" name="TextBox 73">
+            <a:extLst>
+              <a:ext uri="{FF2B5EF4-FFF2-40B4-BE49-F238E27FC236}">
+                <a16:creationId xmlns:a16="http://schemas.microsoft.com/office/drawing/2014/main" id="{E244C418-B94D-4FA6-AC4F-3FB5206D8548}"/>
+              </a:ext>
+            </a:extLst>
+          </p:cNvPr>
+          <p:cNvSpPr txBox="1"/>
+          <p:nvPr/>
+        </p:nvSpPr>
+        <p:spPr>
+          <a:xfrm>
+            <a:off x="8734355" y="5484692"/>
+            <a:ext cx="2159831" cy="307777"/>
+          </a:xfrm>
+          <a:prstGeom prst="rect">
+            <a:avLst/>
+          </a:prstGeom>
+          <a:noFill/>
+        </p:spPr>
+        <p:txBody>
+          <a:bodyPr wrap="square" lIns="0" tIns="0" rIns="0" bIns="0" rtlCol="0">
+            <a:spAutoFit/>
+          </a:bodyPr>
+          <a:lstStyle/>
+          <a:p>
+            <a:pPr algn="ctr"/>
+            <a:r>
+              <a:rPr lang="en-US" sz="1000" dirty="0" err="1"/>
+              <a:t>CustomLegend</a:t>
+            </a:r>
+            <a:endParaRPr lang="en-US" sz="1000" dirty="0"/>
+          </a:p>
+          <a:p>
+            <a:pPr algn="ctr"/>
+            <a:r>
+              <a:rPr lang="en-US" sz="1000" dirty="0"/>
+              <a:t>(</a:t>
+            </a:r>
+            <a:r>
+              <a:rPr lang="en-US" sz="1000" dirty="0" err="1"/>
+              <a:t>expenseLegendData</a:t>
+            </a:r>
+            <a:r>
+              <a:rPr lang="en-US" sz="1000" dirty="0"/>
+              <a:t>)</a:t>
+            </a:r>
+          </a:p>
+        </p:txBody>
+      </p:sp>
+      <p:sp>
+        <p:nvSpPr>
+          <p:cNvPr id="75" name="TextBox 74">
+            <a:extLst>
+              <a:ext uri="{FF2B5EF4-FFF2-40B4-BE49-F238E27FC236}">
+                <a16:creationId xmlns:a16="http://schemas.microsoft.com/office/drawing/2014/main" id="{BB7A3752-4CD4-4B78-ACFE-419C218DF13A}"/>
+              </a:ext>
+            </a:extLst>
+          </p:cNvPr>
+          <p:cNvSpPr txBox="1"/>
+          <p:nvPr/>
+        </p:nvSpPr>
+        <p:spPr>
+          <a:xfrm>
+            <a:off x="9727154" y="5981570"/>
+            <a:ext cx="412270" cy="153888"/>
+          </a:xfrm>
+          <a:prstGeom prst="rect">
+            <a:avLst/>
+          </a:prstGeom>
+          <a:noFill/>
+        </p:spPr>
+        <p:txBody>
+          <a:bodyPr wrap="square" lIns="0" tIns="0" rIns="0" bIns="0" rtlCol="0">
+            <a:spAutoFit/>
+          </a:bodyPr>
+          <a:lstStyle/>
+          <a:p>
+            <a:pPr algn="ctr"/>
+            <a:r>
+              <a:rPr lang="en-US" sz="1000" dirty="0"/>
+              <a:t>l</a:t>
+            </a:r>
+          </a:p>
+        </p:txBody>
+      </p:sp>
+      <p:cxnSp>
+        <p:nvCxnSpPr>
+          <p:cNvPr id="76" name="Straight Arrow Connector 75">
+            <a:extLst>
+              <a:ext uri="{FF2B5EF4-FFF2-40B4-BE49-F238E27FC236}">
+                <a16:creationId xmlns:a16="http://schemas.microsoft.com/office/drawing/2014/main" id="{55E1E6E7-271A-463F-9E74-846B8041AC3D}"/>
+              </a:ext>
+            </a:extLst>
+          </p:cNvPr>
+          <p:cNvCxnSpPr>
+            <a:cxnSpLocks/>
+          </p:cNvCxnSpPr>
+          <p:nvPr/>
+        </p:nvCxnSpPr>
+        <p:spPr>
+          <a:xfrm flipH="1">
+            <a:off x="7259267" y="6077939"/>
+            <a:ext cx="1728711" cy="0"/>
+          </a:xfrm>
+          <a:prstGeom prst="straightConnector1">
+            <a:avLst/>
+          </a:prstGeom>
+          <a:ln w="19050">
+            <a:solidFill>
+              <a:srgbClr val="28B284"/>
+            </a:solidFill>
+            <a:prstDash val="sysDash"/>
+            <a:tailEnd type="arrow"/>
+          </a:ln>
+        </p:spPr>
+        <p:style>
+          <a:lnRef idx="1">
+            <a:schemeClr val="accent1"/>
+          </a:lnRef>
+          <a:fillRef idx="0">
+            <a:schemeClr val="accent1"/>
+          </a:fillRef>
+          <a:effectRef idx="0">
+            <a:schemeClr val="accent1"/>
+          </a:effectRef>
+          <a:fontRef idx="minor">
+            <a:schemeClr val="tx1"/>
+          </a:fontRef>
+        </p:style>
+      </p:cxnSp>
+      <p:sp>
+        <p:nvSpPr>
+          <p:cNvPr id="79" name="TextBox 78">
+            <a:extLst>
+              <a:ext uri="{FF2B5EF4-FFF2-40B4-BE49-F238E27FC236}">
+                <a16:creationId xmlns:a16="http://schemas.microsoft.com/office/drawing/2014/main" id="{A72CD8F1-A563-4A3A-BE54-EDED1CA8D706}"/>
+              </a:ext>
+            </a:extLst>
+          </p:cNvPr>
+          <p:cNvSpPr txBox="1"/>
+          <p:nvPr/>
+        </p:nvSpPr>
+        <p:spPr>
+          <a:xfrm>
+            <a:off x="8338399" y="5844629"/>
+            <a:ext cx="412270" cy="153888"/>
+          </a:xfrm>
+          <a:prstGeom prst="rect">
+            <a:avLst/>
+          </a:prstGeom>
+          <a:noFill/>
+        </p:spPr>
+        <p:txBody>
+          <a:bodyPr wrap="square" lIns="0" tIns="0" rIns="0" bIns="0" rtlCol="0">
+            <a:spAutoFit/>
+          </a:bodyPr>
+          <a:lstStyle/>
+          <a:p>
+            <a:pPr algn="ctr"/>
+            <a:r>
+              <a:rPr lang="en-US" sz="1000" dirty="0"/>
+              <a:t>p</a:t>
+            </a:r>
+          </a:p>
+        </p:txBody>
+      </p:sp>
+      <p:cxnSp>
+        <p:nvCxnSpPr>
+          <p:cNvPr id="80" name="Straight Connector 79">
+            <a:extLst>
+              <a:ext uri="{FF2B5EF4-FFF2-40B4-BE49-F238E27FC236}">
+                <a16:creationId xmlns:a16="http://schemas.microsoft.com/office/drawing/2014/main" id="{46EF89E7-F66A-4B77-A22A-707970AD86F2}"/>
+              </a:ext>
+            </a:extLst>
+          </p:cNvPr>
+          <p:cNvCxnSpPr>
+            <a:cxnSpLocks/>
+          </p:cNvCxnSpPr>
+          <p:nvPr/>
+        </p:nvCxnSpPr>
+        <p:spPr>
+          <a:xfrm>
+            <a:off x="7159809" y="4724400"/>
+            <a:ext cx="0" cy="1963359"/>
+          </a:xfrm>
+          <a:prstGeom prst="line">
+            <a:avLst/>
+          </a:prstGeom>
+          <a:ln w="19050">
+            <a:solidFill>
+              <a:srgbClr val="6CA62C"/>
+            </a:solidFill>
+            <a:prstDash val="sysDash"/>
+          </a:ln>
+          <a:effectLst/>
+        </p:spPr>
+        <p:style>
+          <a:lnRef idx="1">
+            <a:schemeClr val="accent1"/>
+          </a:lnRef>
+          <a:fillRef idx="2">
+            <a:schemeClr val="accent1"/>
+          </a:fillRef>
+          <a:effectRef idx="1">
+            <a:schemeClr val="accent1"/>
+          </a:effectRef>
+          <a:fontRef idx="minor">
+            <a:schemeClr val="dk1"/>
+          </a:fontRef>
+        </p:style>
+      </p:cxnSp>
+      <p:sp>
+        <p:nvSpPr>
+          <p:cNvPr id="54" name="Rectangle 53">
+            <a:extLst>
+              <a:ext uri="{FF2B5EF4-FFF2-40B4-BE49-F238E27FC236}">
+                <a16:creationId xmlns:a16="http://schemas.microsoft.com/office/drawing/2014/main" id="{74775E29-2927-4072-B3F6-669318C03E8D}"/>
+              </a:ext>
+            </a:extLst>
+          </p:cNvPr>
+          <p:cNvSpPr/>
+          <p:nvPr/>
+        </p:nvSpPr>
+        <p:spPr>
+          <a:xfrm>
+            <a:off x="7052911" y="4800600"/>
+            <a:ext cx="206356" cy="1524000"/>
+          </a:xfrm>
+          <a:prstGeom prst="rect">
+            <a:avLst/>
+          </a:prstGeom>
+          <a:solidFill>
+            <a:srgbClr val="92D050"/>
+          </a:solidFill>
+          <a:ln>
+            <a:solidFill>
+              <a:srgbClr val="0070C0"/>
+            </a:solidFill>
+          </a:ln>
+          <a:effectLst/>
+        </p:spPr>
+        <p:style>
+          <a:lnRef idx="1">
+            <a:schemeClr val="accent3"/>
+          </a:lnRef>
+          <a:fillRef idx="2">
+            <a:schemeClr val="accent3"/>
+          </a:fillRef>
+          <a:effectRef idx="1">
+            <a:schemeClr val="accent3"/>
+          </a:effectRef>
+          <a:fontRef idx="minor">
+            <a:schemeClr val="dk1"/>
+          </a:fontRef>
+        </p:style>
+        <p:txBody>
+          <a:bodyPr rtlCol="0" anchor="ctr"/>
+          <a:lstStyle/>
+          <a:p>
+            <a:pPr algn="ctr"/>
+            <a:endParaRPr lang="en-SG" sz="1400"/>
+          </a:p>
+        </p:txBody>
+      </p:sp>
+      <p:sp>
+        <p:nvSpPr>
+          <p:cNvPr id="53" name="Rectangle 62">
+            <a:extLst>
+              <a:ext uri="{FF2B5EF4-FFF2-40B4-BE49-F238E27FC236}">
+                <a16:creationId xmlns:a16="http://schemas.microsoft.com/office/drawing/2014/main" id="{0A10B7C2-39CE-4EBC-9E20-405B058AF983}"/>
+              </a:ext>
+            </a:extLst>
+          </p:cNvPr>
+          <p:cNvSpPr/>
+          <p:nvPr/>
+        </p:nvSpPr>
+        <p:spPr>
+          <a:xfrm>
+            <a:off x="6492586" y="4171489"/>
+            <a:ext cx="1327007" cy="762000"/>
+          </a:xfrm>
+          <a:prstGeom prst="rect">
+            <a:avLst/>
+          </a:prstGeom>
+          <a:solidFill>
+            <a:srgbClr val="92D050"/>
+          </a:solidFill>
+          <a:ln w="19050">
+            <a:solidFill>
+              <a:srgbClr val="0070C0"/>
+            </a:solidFill>
+          </a:ln>
+          <a:effectLst/>
+        </p:spPr>
+        <p:style>
+          <a:lnRef idx="1">
+            <a:schemeClr val="accent2"/>
+          </a:lnRef>
+          <a:fillRef idx="2">
+            <a:schemeClr val="accent2"/>
+          </a:fillRef>
+          <a:effectRef idx="1">
+            <a:schemeClr val="accent2"/>
+          </a:effectRef>
+          <a:fontRef idx="minor">
+            <a:schemeClr val="dk1"/>
+          </a:fontRef>
+        </p:style>
+        <p:txBody>
+          <a:bodyPr rtlCol="0" anchor="ctr"/>
+          <a:lstStyle/>
+          <a:p>
+            <a:pPr algn="ctr"/>
+            <a:r>
+              <a:rPr lang="en-SG" sz="1600" dirty="0">
+                <a:solidFill>
+                  <a:schemeClr val="tx1"/>
+                </a:solidFill>
+              </a:rPr>
+              <a:t>c: Category</a:t>
+            </a:r>
+          </a:p>
+          <a:p>
+            <a:pPr algn="ctr"/>
+            <a:r>
+              <a:rPr lang="en-SG" sz="1600" dirty="0">
+                <a:solidFill>
+                  <a:schemeClr val="tx1"/>
+                </a:solidFill>
+              </a:rPr>
+              <a:t>Breakdown</a:t>
+            </a:r>
+          </a:p>
+        </p:txBody>
+      </p:sp>
+      <p:cxnSp>
+        <p:nvCxnSpPr>
+          <p:cNvPr id="85" name="Straight Arrow Connector 84">
+            <a:extLst>
+              <a:ext uri="{FF2B5EF4-FFF2-40B4-BE49-F238E27FC236}">
+                <a16:creationId xmlns:a16="http://schemas.microsoft.com/office/drawing/2014/main" id="{E68B86CD-C14B-43CA-AA7D-5717AC9652A6}"/>
+              </a:ext>
+            </a:extLst>
+          </p:cNvPr>
+          <p:cNvCxnSpPr>
+            <a:cxnSpLocks/>
+          </p:cNvCxnSpPr>
+          <p:nvPr/>
+        </p:nvCxnSpPr>
+        <p:spPr>
+          <a:xfrm flipH="1">
+            <a:off x="3251592" y="6307271"/>
+            <a:ext cx="3761444" cy="0"/>
+          </a:xfrm>
+          <a:prstGeom prst="straightConnector1">
+            <a:avLst/>
+          </a:prstGeom>
+          <a:ln w="19050">
+            <a:solidFill>
+              <a:srgbClr val="00B050"/>
+            </a:solidFill>
+            <a:prstDash val="sysDash"/>
+            <a:tailEnd type="arrow"/>
+          </a:ln>
+        </p:spPr>
+        <p:style>
+          <a:lnRef idx="1">
+            <a:schemeClr val="accent1"/>
+          </a:lnRef>
+          <a:fillRef idx="0">
+            <a:schemeClr val="accent1"/>
+          </a:fillRef>
+          <a:effectRef idx="0">
+            <a:schemeClr val="accent1"/>
+          </a:effectRef>
+          <a:fontRef idx="minor">
+            <a:schemeClr val="tx1"/>
+          </a:fontRef>
+        </p:style>
+      </p:cxnSp>
+      <p:sp>
+        <p:nvSpPr>
+          <p:cNvPr id="87" name="TextBox 86">
+            <a:extLst>
+              <a:ext uri="{FF2B5EF4-FFF2-40B4-BE49-F238E27FC236}">
+                <a16:creationId xmlns:a16="http://schemas.microsoft.com/office/drawing/2014/main" id="{E219D9A0-4B56-4FEB-B1FC-C67ECA40CB10}"/>
+              </a:ext>
+            </a:extLst>
+          </p:cNvPr>
+          <p:cNvSpPr txBox="1"/>
+          <p:nvPr/>
+        </p:nvSpPr>
+        <p:spPr>
+          <a:xfrm>
+            <a:off x="3602822" y="6098259"/>
+            <a:ext cx="1914710" cy="153888"/>
+          </a:xfrm>
+          <a:prstGeom prst="rect">
+            <a:avLst/>
+          </a:prstGeom>
+          <a:noFill/>
+        </p:spPr>
+        <p:txBody>
+          <a:bodyPr wrap="square" lIns="0" tIns="0" rIns="0" bIns="0" rtlCol="0">
+            <a:spAutoFit/>
+          </a:bodyPr>
+          <a:lstStyle/>
+          <a:p>
+            <a:pPr algn="ctr"/>
+            <a:r>
+              <a:rPr lang="en-US" sz="1000" dirty="0"/>
+              <a:t>c</a:t>
+            </a:r>
+          </a:p>
+        </p:txBody>
+      </p:sp>
+      <p:cxnSp>
+        <p:nvCxnSpPr>
+          <p:cNvPr id="88" name="Straight Arrow Connector 87">
+            <a:extLst>
+              <a:ext uri="{FF2B5EF4-FFF2-40B4-BE49-F238E27FC236}">
+                <a16:creationId xmlns:a16="http://schemas.microsoft.com/office/drawing/2014/main" id="{06FF8774-30EB-4D57-AF65-0488D81EB1D0}"/>
+              </a:ext>
+            </a:extLst>
+          </p:cNvPr>
+          <p:cNvCxnSpPr>
+            <a:cxnSpLocks/>
+          </p:cNvCxnSpPr>
+          <p:nvPr/>
+        </p:nvCxnSpPr>
+        <p:spPr>
+          <a:xfrm flipH="1">
+            <a:off x="1353055" y="6629400"/>
+            <a:ext cx="1619501" cy="0"/>
+          </a:xfrm>
+          <a:prstGeom prst="straightConnector1">
+            <a:avLst/>
+          </a:prstGeom>
+          <a:ln w="19050">
+            <a:solidFill>
+              <a:srgbClr val="00B050"/>
+            </a:solidFill>
+            <a:prstDash val="sysDash"/>
+            <a:tailEnd type="arrow"/>
+          </a:ln>
+        </p:spPr>
+        <p:style>
+          <a:lnRef idx="1">
+            <a:schemeClr val="accent1"/>
+          </a:lnRef>
+          <a:fillRef idx="0">
+            <a:schemeClr val="accent1"/>
+          </a:fillRef>
+          <a:effectRef idx="0">
+            <a:schemeClr val="accent1"/>
+          </a:effectRef>
+          <a:fontRef idx="minor">
+            <a:schemeClr val="tx1"/>
+          </a:fontRef>
+        </p:style>
+      </p:cxnSp>
+      <p:sp>
+        <p:nvSpPr>
+          <p:cNvPr id="62" name="TextBox 61">
+            <a:extLst>
+              <a:ext uri="{FF2B5EF4-FFF2-40B4-BE49-F238E27FC236}">
+                <a16:creationId xmlns:a16="http://schemas.microsoft.com/office/drawing/2014/main" id="{D84CA10F-5565-4B1C-BF29-8BDB88963803}"/>
+              </a:ext>
+            </a:extLst>
+          </p:cNvPr>
+          <p:cNvSpPr txBox="1"/>
+          <p:nvPr/>
+        </p:nvSpPr>
+        <p:spPr>
+          <a:xfrm>
+            <a:off x="3241396" y="1139450"/>
+            <a:ext cx="1456505" cy="430887"/>
+          </a:xfrm>
+          <a:prstGeom prst="rect">
+            <a:avLst/>
+          </a:prstGeom>
+          <a:noFill/>
+        </p:spPr>
+        <p:txBody>
+          <a:bodyPr wrap="square" lIns="0" tIns="0" rIns="0" bIns="0" rtlCol="0">
+            <a:spAutoFit/>
+          </a:bodyPr>
+          <a:lstStyle/>
+          <a:p>
+            <a:pPr algn="ctr"/>
+            <a:r>
+              <a:rPr lang="en-US" sz="1400" dirty="0" err="1"/>
+              <a:t>MixedPieChartDataList</a:t>
+            </a:r>
+            <a:r>
+              <a:rPr lang="en-US" sz="1400" dirty="0"/>
+              <a:t>(data)</a:t>
+            </a:r>
+          </a:p>
+        </p:txBody>
+      </p:sp>
+      <p:cxnSp>
+        <p:nvCxnSpPr>
+          <p:cNvPr id="63" name="Straight Connector 62">
+            <a:extLst>
+              <a:ext uri="{FF2B5EF4-FFF2-40B4-BE49-F238E27FC236}">
+                <a16:creationId xmlns:a16="http://schemas.microsoft.com/office/drawing/2014/main" id="{4903929B-E572-405B-B231-CBD947ABB85E}"/>
+              </a:ext>
+            </a:extLst>
+          </p:cNvPr>
+          <p:cNvCxnSpPr>
+            <a:cxnSpLocks/>
+          </p:cNvCxnSpPr>
+          <p:nvPr/>
+        </p:nvCxnSpPr>
+        <p:spPr>
+          <a:xfrm>
+            <a:off x="9110482" y="4810789"/>
+            <a:ext cx="0" cy="1963359"/>
+          </a:xfrm>
+          <a:prstGeom prst="line">
+            <a:avLst/>
+          </a:prstGeom>
+          <a:ln w="19050">
+            <a:solidFill>
+              <a:srgbClr val="0070C0"/>
+            </a:solidFill>
+            <a:prstDash val="sysDash"/>
+          </a:ln>
+          <a:effectLst/>
+        </p:spPr>
+        <p:style>
+          <a:lnRef idx="1">
+            <a:schemeClr val="accent1"/>
+          </a:lnRef>
+          <a:fillRef idx="2">
+            <a:schemeClr val="accent1"/>
+          </a:fillRef>
+          <a:effectRef idx="1">
+            <a:schemeClr val="accent1"/>
+          </a:effectRef>
+          <a:fontRef idx="minor">
+            <a:schemeClr val="dk1"/>
+          </a:fontRef>
+        </p:style>
+      </p:cxnSp>
+      <p:sp>
+        <p:nvSpPr>
+          <p:cNvPr id="65" name="Rectangle 64">
+            <a:extLst>
+              <a:ext uri="{FF2B5EF4-FFF2-40B4-BE49-F238E27FC236}">
+                <a16:creationId xmlns:a16="http://schemas.microsoft.com/office/drawing/2014/main" id="{AA80DB91-BE93-4F59-AFF3-1F7FEE33E119}"/>
+              </a:ext>
+            </a:extLst>
+          </p:cNvPr>
+          <p:cNvSpPr/>
+          <p:nvPr/>
+        </p:nvSpPr>
+        <p:spPr>
+          <a:xfrm>
+            <a:off x="8987978" y="5137333"/>
+            <a:ext cx="222036" cy="940606"/>
+          </a:xfrm>
+          <a:prstGeom prst="rect">
+            <a:avLst/>
+          </a:prstGeom>
+          <a:solidFill>
+            <a:srgbClr val="6FDFBA"/>
+          </a:solidFill>
+          <a:ln>
+            <a:solidFill>
+              <a:srgbClr val="0070C0"/>
+            </a:solidFill>
+          </a:ln>
+          <a:effectLst/>
+        </p:spPr>
+        <p:style>
+          <a:lnRef idx="1">
+            <a:schemeClr val="accent3"/>
+          </a:lnRef>
+          <a:fillRef idx="2">
+            <a:schemeClr val="accent3"/>
+          </a:fillRef>
+          <a:effectRef idx="1">
+            <a:schemeClr val="accent3"/>
+          </a:effectRef>
+          <a:fontRef idx="minor">
+            <a:schemeClr val="dk1"/>
+          </a:fontRef>
+        </p:style>
+        <p:txBody>
+          <a:bodyPr rtlCol="0" anchor="ctr"/>
+          <a:lstStyle/>
+          <a:p>
+            <a:pPr algn="ctr"/>
+            <a:endParaRPr lang="en-SG" sz="1400"/>
+          </a:p>
+        </p:txBody>
+      </p:sp>
+      <p:sp>
+        <p:nvSpPr>
+          <p:cNvPr id="58" name="Rectangle 62">
+            <a:extLst>
+              <a:ext uri="{FF2B5EF4-FFF2-40B4-BE49-F238E27FC236}">
+                <a16:creationId xmlns:a16="http://schemas.microsoft.com/office/drawing/2014/main" id="{E061FF0B-BAFD-4DC3-9F4E-BA4BA3499765}"/>
+              </a:ext>
+            </a:extLst>
+          </p:cNvPr>
+          <p:cNvSpPr/>
+          <p:nvPr/>
+        </p:nvSpPr>
+        <p:spPr>
+          <a:xfrm>
+            <a:off x="8529650" y="4554418"/>
+            <a:ext cx="1152407" cy="762000"/>
+          </a:xfrm>
+          <a:prstGeom prst="rect">
+            <a:avLst/>
+          </a:prstGeom>
+          <a:solidFill>
+            <a:srgbClr val="6FDFBA"/>
+          </a:solidFill>
+          <a:ln w="19050">
+            <a:solidFill>
+              <a:srgbClr val="0070C0"/>
+            </a:solidFill>
+          </a:ln>
+          <a:effectLst/>
+        </p:spPr>
+        <p:style>
+          <a:lnRef idx="1">
+            <a:schemeClr val="accent2"/>
+          </a:lnRef>
+          <a:fillRef idx="2">
+            <a:schemeClr val="accent2"/>
+          </a:fillRef>
+          <a:effectRef idx="1">
+            <a:schemeClr val="accent2"/>
+          </a:effectRef>
+          <a:fontRef idx="minor">
+            <a:schemeClr val="dk1"/>
+          </a:fontRef>
+        </p:style>
+        <p:txBody>
+          <a:bodyPr rtlCol="0" anchor="ctr"/>
+          <a:lstStyle/>
+          <a:p>
+            <a:pPr algn="ctr"/>
+            <a:r>
+              <a:rPr lang="en-SG" sz="1600" dirty="0">
+                <a:solidFill>
+                  <a:schemeClr val="tx1"/>
+                </a:solidFill>
+              </a:rPr>
+              <a:t>p: </a:t>
+            </a:r>
+            <a:r>
+              <a:rPr lang="en-SG" sz="1600" dirty="0" err="1">
+                <a:solidFill>
+                  <a:schemeClr val="tx1"/>
+                </a:solidFill>
+              </a:rPr>
+              <a:t>CustomPieChart</a:t>
+            </a:r>
+            <a:endParaRPr lang="en-SG" sz="1600" dirty="0">
+              <a:solidFill>
+                <a:schemeClr val="tx1"/>
+              </a:solidFill>
+            </a:endParaRPr>
+          </a:p>
+        </p:txBody>
+      </p:sp>
+      <p:cxnSp>
+        <p:nvCxnSpPr>
+          <p:cNvPr id="64" name="Straight Connector 63">
+            <a:extLst>
+              <a:ext uri="{FF2B5EF4-FFF2-40B4-BE49-F238E27FC236}">
+                <a16:creationId xmlns:a16="http://schemas.microsoft.com/office/drawing/2014/main" id="{B2B8C3D7-64A6-4C97-A03F-557F1866E87D}"/>
+              </a:ext>
+            </a:extLst>
+          </p:cNvPr>
+          <p:cNvCxnSpPr>
+            <a:cxnSpLocks/>
+          </p:cNvCxnSpPr>
+          <p:nvPr/>
+        </p:nvCxnSpPr>
+        <p:spPr>
+          <a:xfrm>
+            <a:off x="11147439" y="5792469"/>
+            <a:ext cx="0" cy="916315"/>
+          </a:xfrm>
+          <a:prstGeom prst="line">
+            <a:avLst/>
+          </a:prstGeom>
+          <a:ln w="19050">
+            <a:solidFill>
+              <a:srgbClr val="0070C0"/>
+            </a:solidFill>
+            <a:prstDash val="sysDash"/>
+          </a:ln>
+          <a:effectLst/>
+        </p:spPr>
+        <p:style>
+          <a:lnRef idx="1">
+            <a:schemeClr val="accent1"/>
+          </a:lnRef>
+          <a:fillRef idx="2">
+            <a:schemeClr val="accent1"/>
+          </a:fillRef>
+          <a:effectRef idx="1">
+            <a:schemeClr val="accent1"/>
+          </a:effectRef>
+          <a:fontRef idx="minor">
+            <a:schemeClr val="dk1"/>
+          </a:fontRef>
+        </p:style>
+      </p:cxnSp>
+      <p:sp>
+        <p:nvSpPr>
+          <p:cNvPr id="70" name="Rectangle 69">
+            <a:extLst>
+              <a:ext uri="{FF2B5EF4-FFF2-40B4-BE49-F238E27FC236}">
+                <a16:creationId xmlns:a16="http://schemas.microsoft.com/office/drawing/2014/main" id="{9758A789-166E-4E2A-8CCF-4A9BDE120C36}"/>
+              </a:ext>
+            </a:extLst>
+          </p:cNvPr>
+          <p:cNvSpPr/>
+          <p:nvPr/>
+        </p:nvSpPr>
+        <p:spPr>
+          <a:xfrm>
+            <a:off x="11063448" y="5368166"/>
+            <a:ext cx="189298" cy="575434"/>
+          </a:xfrm>
+          <a:prstGeom prst="rect">
+            <a:avLst/>
+          </a:prstGeom>
+          <a:solidFill>
+            <a:srgbClr val="6FDFBA"/>
+          </a:solidFill>
+          <a:ln>
+            <a:solidFill>
+              <a:srgbClr val="0070C0"/>
+            </a:solidFill>
+          </a:ln>
+          <a:effectLst/>
+        </p:spPr>
+        <p:style>
+          <a:lnRef idx="1">
+            <a:schemeClr val="accent3"/>
+          </a:lnRef>
+          <a:fillRef idx="2">
+            <a:schemeClr val="accent3"/>
+          </a:fillRef>
+          <a:effectRef idx="1">
+            <a:schemeClr val="accent3"/>
+          </a:effectRef>
+          <a:fontRef idx="minor">
+            <a:schemeClr val="dk1"/>
+          </a:fontRef>
+        </p:style>
+        <p:txBody>
+          <a:bodyPr rtlCol="0" anchor="ctr"/>
+          <a:lstStyle/>
+          <a:p>
+            <a:pPr algn="ctr"/>
+            <a:endParaRPr lang="en-SG" sz="1400"/>
+          </a:p>
+        </p:txBody>
+      </p:sp>
+      <p:sp>
+        <p:nvSpPr>
+          <p:cNvPr id="66" name="Rectangle 62">
+            <a:extLst>
+              <a:ext uri="{FF2B5EF4-FFF2-40B4-BE49-F238E27FC236}">
+                <a16:creationId xmlns:a16="http://schemas.microsoft.com/office/drawing/2014/main" id="{CB754303-46C1-46C3-BA3E-C988741DC5CF}"/>
+              </a:ext>
+            </a:extLst>
+          </p:cNvPr>
+          <p:cNvSpPr/>
+          <p:nvPr/>
+        </p:nvSpPr>
+        <p:spPr>
+          <a:xfrm>
+            <a:off x="10389649" y="4935418"/>
+            <a:ext cx="1536897" cy="762000"/>
+          </a:xfrm>
+          <a:prstGeom prst="rect">
+            <a:avLst/>
+          </a:prstGeom>
+          <a:solidFill>
+            <a:srgbClr val="6FDFBA"/>
+          </a:solidFill>
+          <a:ln w="19050">
+            <a:solidFill>
+              <a:srgbClr val="0070C0"/>
+            </a:solidFill>
+          </a:ln>
+          <a:effectLst/>
+        </p:spPr>
+        <p:style>
+          <a:lnRef idx="1">
+            <a:schemeClr val="accent2"/>
+          </a:lnRef>
+          <a:fillRef idx="2">
+            <a:schemeClr val="accent2"/>
+          </a:fillRef>
+          <a:effectRef idx="1">
+            <a:schemeClr val="accent2"/>
+          </a:effectRef>
+          <a:fontRef idx="minor">
+            <a:schemeClr val="dk1"/>
+          </a:fontRef>
+        </p:style>
+        <p:txBody>
+          <a:bodyPr rtlCol="0" anchor="ctr"/>
+          <a:lstStyle/>
+          <a:p>
+            <a:pPr algn="ctr"/>
+            <a:r>
+              <a:rPr lang="en-SG" sz="1600" dirty="0">
+                <a:solidFill>
+                  <a:schemeClr val="tx1"/>
+                </a:solidFill>
+              </a:rPr>
+              <a:t>l: </a:t>
+            </a:r>
+          </a:p>
+          <a:p>
+            <a:pPr algn="ctr"/>
+            <a:r>
+              <a:rPr lang="en-SG" sz="1600" dirty="0" err="1">
+                <a:solidFill>
+                  <a:schemeClr val="tx1"/>
+                </a:solidFill>
+              </a:rPr>
+              <a:t>CustomLegend</a:t>
+            </a:r>
+            <a:endParaRPr lang="en-SG" sz="1600" dirty="0">
+              <a:solidFill>
+                <a:schemeClr val="tx1"/>
+              </a:solidFill>
+            </a:endParaRPr>
+          </a:p>
+        </p:txBody>
+      </p:sp>
     </p:spTree>
     <p:extLst>
       <p:ext uri="{BB962C8B-B14F-4D97-AF65-F5344CB8AC3E}">
-        <p14:creationId xmlns:p14="http://schemas.microsoft.com/office/powerpoint/2010/main" val="2955560019"/>
+        <p14:creationId xmlns:p14="http://schemas.microsoft.com/office/powerpoint/2010/main" val="479184551"/>
       </p:ext>
     </p:extLst>
   </p:cSld>

--- a/docs/diagrams/StatisticSequenceDiagram.pptx
+++ b/docs/diagrams/StatisticSequenceDiagram.pptx
@@ -3530,6 +3530,3412 @@
           <a:chExt cx="0" cy="0"/>
         </a:xfrm>
       </p:grpSpPr>
+      <p:sp>
+        <p:nvSpPr>
+          <p:cNvPr id="138" name="Rectangle 65">
+            <a:extLst>
+              <a:ext uri="{FF2B5EF4-FFF2-40B4-BE49-F238E27FC236}">
+                <a16:creationId xmlns:a16="http://schemas.microsoft.com/office/drawing/2014/main" id="{3092F380-D57A-4147-A81F-8C388C59EB37}"/>
+              </a:ext>
+            </a:extLst>
+          </p:cNvPr>
+          <p:cNvSpPr/>
+          <p:nvPr/>
+        </p:nvSpPr>
+        <p:spPr>
+          <a:xfrm>
+            <a:off x="8171745" y="-7060"/>
+            <a:ext cx="2394133" cy="6865060"/>
+          </a:xfrm>
+          <a:prstGeom prst="roundRect">
+            <a:avLst>
+              <a:gd name="adj" fmla="val 3484"/>
+            </a:avLst>
+          </a:prstGeom>
+          <a:solidFill>
+            <a:schemeClr val="accent4">
+              <a:lumMod val="20000"/>
+              <a:lumOff val="80000"/>
+            </a:schemeClr>
+          </a:solidFill>
+          <a:ln w="19050">
+            <a:noFill/>
+          </a:ln>
+          <a:effectLst/>
+        </p:spPr>
+        <p:style>
+          <a:lnRef idx="1">
+            <a:schemeClr val="accent2"/>
+          </a:lnRef>
+          <a:fillRef idx="2">
+            <a:schemeClr val="accent2"/>
+          </a:fillRef>
+          <a:effectRef idx="1">
+            <a:schemeClr val="accent2"/>
+          </a:effectRef>
+          <a:fontRef idx="minor">
+            <a:schemeClr val="dk1"/>
+          </a:fontRef>
+        </p:style>
+        <p:txBody>
+          <a:bodyPr rtlCol="0" anchor="t"/>
+          <a:lstStyle/>
+          <a:p>
+            <a:r>
+              <a:rPr lang="en-US" sz="1200" b="1" dirty="0">
+                <a:solidFill>
+                  <a:srgbClr val="7030A0"/>
+                </a:solidFill>
+              </a:rPr>
+              <a:t>Model</a:t>
+            </a:r>
+            <a:endParaRPr lang="en-SG" sz="1200" b="1" dirty="0">
+              <a:solidFill>
+                <a:srgbClr val="7030A0"/>
+              </a:solidFill>
+            </a:endParaRPr>
+          </a:p>
+        </p:txBody>
+      </p:sp>
+      <p:sp>
+        <p:nvSpPr>
+          <p:cNvPr id="2" name="Rectangle 65">
+            <a:extLst>
+              <a:ext uri="{FF2B5EF4-FFF2-40B4-BE49-F238E27FC236}">
+                <a16:creationId xmlns:a16="http://schemas.microsoft.com/office/drawing/2014/main" id="{9C15C7B1-FC40-45E0-BD1B-53E6EB152BA3}"/>
+              </a:ext>
+            </a:extLst>
+          </p:cNvPr>
+          <p:cNvSpPr/>
+          <p:nvPr/>
+        </p:nvSpPr>
+        <p:spPr>
+          <a:xfrm>
+            <a:off x="-90" y="3231"/>
+            <a:ext cx="8164377" cy="6858000"/>
+          </a:xfrm>
+          <a:prstGeom prst="roundRect">
+            <a:avLst>
+              <a:gd name="adj" fmla="val 3484"/>
+            </a:avLst>
+          </a:prstGeom>
+          <a:solidFill>
+            <a:schemeClr val="accent1">
+              <a:lumMod val="20000"/>
+              <a:lumOff val="80000"/>
+            </a:schemeClr>
+          </a:solidFill>
+          <a:ln w="19050">
+            <a:noFill/>
+          </a:ln>
+          <a:effectLst/>
+        </p:spPr>
+        <p:style>
+          <a:lnRef idx="1">
+            <a:schemeClr val="accent2"/>
+          </a:lnRef>
+          <a:fillRef idx="2">
+            <a:schemeClr val="accent2"/>
+          </a:fillRef>
+          <a:effectRef idx="1">
+            <a:schemeClr val="accent2"/>
+          </a:effectRef>
+          <a:fontRef idx="minor">
+            <a:schemeClr val="dk1"/>
+          </a:fontRef>
+        </p:style>
+        <p:txBody>
+          <a:bodyPr rtlCol="0" anchor="t"/>
+          <a:lstStyle/>
+          <a:p>
+            <a:r>
+              <a:rPr lang="en-US" sz="1200" b="1" dirty="0">
+                <a:solidFill>
+                  <a:srgbClr val="0070C0"/>
+                </a:solidFill>
+              </a:rPr>
+              <a:t>Logic</a:t>
+            </a:r>
+            <a:endParaRPr lang="en-SG" sz="1200" b="1" dirty="0">
+              <a:solidFill>
+                <a:srgbClr val="0070C0"/>
+              </a:solidFill>
+            </a:endParaRPr>
+          </a:p>
+        </p:txBody>
+      </p:sp>
+      <p:cxnSp>
+        <p:nvCxnSpPr>
+          <p:cNvPr id="114" name="Straight Connector 113">
+            <a:extLst>
+              <a:ext uri="{FF2B5EF4-FFF2-40B4-BE49-F238E27FC236}">
+                <a16:creationId xmlns:a16="http://schemas.microsoft.com/office/drawing/2014/main" id="{6F0688D2-C3DE-4EA8-9B06-5C161BE4B9FA}"/>
+              </a:ext>
+            </a:extLst>
+          </p:cNvPr>
+          <p:cNvCxnSpPr>
+            <a:cxnSpLocks/>
+          </p:cNvCxnSpPr>
+          <p:nvPr/>
+        </p:nvCxnSpPr>
+        <p:spPr>
+          <a:xfrm>
+            <a:off x="3299119" y="2828080"/>
+            <a:ext cx="0" cy="632747"/>
+          </a:xfrm>
+          <a:prstGeom prst="line">
+            <a:avLst/>
+          </a:prstGeom>
+          <a:ln w="19050">
+            <a:solidFill>
+              <a:srgbClr val="0070C0"/>
+            </a:solidFill>
+            <a:prstDash val="sysDash"/>
+          </a:ln>
+          <a:effectLst/>
+        </p:spPr>
+        <p:style>
+          <a:lnRef idx="1">
+            <a:schemeClr val="accent1"/>
+          </a:lnRef>
+          <a:fillRef idx="2">
+            <a:schemeClr val="accent1"/>
+          </a:fillRef>
+          <a:effectRef idx="1">
+            <a:schemeClr val="accent1"/>
+          </a:effectRef>
+          <a:fontRef idx="minor">
+            <a:schemeClr val="dk1"/>
+          </a:fontRef>
+        </p:style>
+      </p:cxnSp>
+      <p:sp>
+        <p:nvSpPr>
+          <p:cNvPr id="82" name="Rectangle 81">
+            <a:extLst>
+              <a:ext uri="{FF2B5EF4-FFF2-40B4-BE49-F238E27FC236}">
+                <a16:creationId xmlns:a16="http://schemas.microsoft.com/office/drawing/2014/main" id="{B1D57860-BACC-4583-AE04-5F02A5ECF656}"/>
+              </a:ext>
+            </a:extLst>
+          </p:cNvPr>
+          <p:cNvSpPr/>
+          <p:nvPr/>
+        </p:nvSpPr>
+        <p:spPr>
+          <a:xfrm>
+            <a:off x="9602525" y="5223937"/>
+            <a:ext cx="152385" cy="262463"/>
+          </a:xfrm>
+          <a:prstGeom prst="rect">
+            <a:avLst/>
+          </a:prstGeom>
+          <a:solidFill>
+            <a:srgbClr val="7030A0"/>
+          </a:solidFill>
+          <a:ln>
+            <a:solidFill>
+              <a:srgbClr val="7030A0"/>
+            </a:solidFill>
+          </a:ln>
+          <a:effectLst/>
+        </p:spPr>
+        <p:style>
+          <a:lnRef idx="1">
+            <a:schemeClr val="accent3"/>
+          </a:lnRef>
+          <a:fillRef idx="2">
+            <a:schemeClr val="accent3"/>
+          </a:fillRef>
+          <a:effectRef idx="1">
+            <a:schemeClr val="accent3"/>
+          </a:effectRef>
+          <a:fontRef idx="minor">
+            <a:schemeClr val="dk1"/>
+          </a:fontRef>
+        </p:style>
+        <p:txBody>
+          <a:bodyPr rtlCol="0" anchor="ctr"/>
+          <a:lstStyle/>
+          <a:p>
+            <a:pPr algn="ctr"/>
+            <a:endParaRPr lang="en-SG" sz="1400"/>
+          </a:p>
+        </p:txBody>
+      </p:sp>
+      <p:sp>
+        <p:nvSpPr>
+          <p:cNvPr id="39" name="Rectangle 38">
+            <a:extLst>
+              <a:ext uri="{FF2B5EF4-FFF2-40B4-BE49-F238E27FC236}">
+                <a16:creationId xmlns:a16="http://schemas.microsoft.com/office/drawing/2014/main" id="{73270953-9F29-413B-B4DC-EE15AA50E6E2}"/>
+              </a:ext>
+            </a:extLst>
+          </p:cNvPr>
+          <p:cNvSpPr/>
+          <p:nvPr/>
+        </p:nvSpPr>
+        <p:spPr>
+          <a:xfrm>
+            <a:off x="7198278" y="2590800"/>
+            <a:ext cx="152400" cy="304794"/>
+          </a:xfrm>
+          <a:prstGeom prst="rect">
+            <a:avLst/>
+          </a:prstGeom>
+          <a:solidFill>
+            <a:srgbClr val="0070C0"/>
+          </a:solidFill>
+          <a:ln>
+            <a:solidFill>
+              <a:srgbClr val="0070C0"/>
+            </a:solidFill>
+          </a:ln>
+          <a:effectLst/>
+        </p:spPr>
+        <p:style>
+          <a:lnRef idx="1">
+            <a:schemeClr val="accent3"/>
+          </a:lnRef>
+          <a:fillRef idx="2">
+            <a:schemeClr val="accent3"/>
+          </a:fillRef>
+          <a:effectRef idx="1">
+            <a:schemeClr val="accent3"/>
+          </a:effectRef>
+          <a:fontRef idx="minor">
+            <a:schemeClr val="dk1"/>
+          </a:fontRef>
+        </p:style>
+        <p:txBody>
+          <a:bodyPr rtlCol="0" anchor="ctr"/>
+          <a:lstStyle/>
+          <a:p>
+            <a:pPr algn="ctr"/>
+            <a:endParaRPr lang="en-SG" sz="1400"/>
+          </a:p>
+        </p:txBody>
+      </p:sp>
+      <p:sp>
+        <p:nvSpPr>
+          <p:cNvPr id="22" name="Rectangle 21">
+            <a:extLst>
+              <a:ext uri="{FF2B5EF4-FFF2-40B4-BE49-F238E27FC236}">
+                <a16:creationId xmlns:a16="http://schemas.microsoft.com/office/drawing/2014/main" id="{AD55FD56-B010-4E25-B0C3-5BA4AE79991D}"/>
+              </a:ext>
+            </a:extLst>
+          </p:cNvPr>
+          <p:cNvSpPr/>
+          <p:nvPr/>
+        </p:nvSpPr>
+        <p:spPr>
+          <a:xfrm>
+            <a:off x="4862515" y="1634234"/>
+            <a:ext cx="152400" cy="346963"/>
+          </a:xfrm>
+          <a:prstGeom prst="rect">
+            <a:avLst/>
+          </a:prstGeom>
+          <a:solidFill>
+            <a:srgbClr val="0070C0"/>
+          </a:solidFill>
+          <a:ln>
+            <a:solidFill>
+              <a:srgbClr val="0070C0"/>
+            </a:solidFill>
+          </a:ln>
+          <a:effectLst/>
+        </p:spPr>
+        <p:style>
+          <a:lnRef idx="1">
+            <a:schemeClr val="accent3"/>
+          </a:lnRef>
+          <a:fillRef idx="2">
+            <a:schemeClr val="accent3"/>
+          </a:fillRef>
+          <a:effectRef idx="1">
+            <a:schemeClr val="accent3"/>
+          </a:effectRef>
+          <a:fontRef idx="minor">
+            <a:schemeClr val="dk1"/>
+          </a:fontRef>
+        </p:style>
+        <p:txBody>
+          <a:bodyPr rtlCol="0" anchor="ctr"/>
+          <a:lstStyle/>
+          <a:p>
+            <a:pPr algn="ctr"/>
+            <a:endParaRPr lang="en-SG" sz="1400"/>
+          </a:p>
+        </p:txBody>
+      </p:sp>
+      <p:sp>
+        <p:nvSpPr>
+          <p:cNvPr id="11" name="Rectangle 10">
+            <a:extLst>
+              <a:ext uri="{FF2B5EF4-FFF2-40B4-BE49-F238E27FC236}">
+                <a16:creationId xmlns:a16="http://schemas.microsoft.com/office/drawing/2014/main" id="{2B202A7B-59B6-4821-9D2E-D8DDC01F0395}"/>
+              </a:ext>
+            </a:extLst>
+          </p:cNvPr>
+          <p:cNvSpPr/>
+          <p:nvPr/>
+        </p:nvSpPr>
+        <p:spPr>
+          <a:xfrm>
+            <a:off x="3224852" y="860042"/>
+            <a:ext cx="148534" cy="2340358"/>
+          </a:xfrm>
+          <a:prstGeom prst="rect">
+            <a:avLst/>
+          </a:prstGeom>
+          <a:solidFill>
+            <a:srgbClr val="0070C0"/>
+          </a:solidFill>
+          <a:ln>
+            <a:solidFill>
+              <a:srgbClr val="0070C0"/>
+            </a:solidFill>
+          </a:ln>
+          <a:effectLst/>
+        </p:spPr>
+        <p:style>
+          <a:lnRef idx="1">
+            <a:schemeClr val="accent3"/>
+          </a:lnRef>
+          <a:fillRef idx="2">
+            <a:schemeClr val="accent3"/>
+          </a:fillRef>
+          <a:effectRef idx="1">
+            <a:schemeClr val="accent3"/>
+          </a:effectRef>
+          <a:fontRef idx="minor">
+            <a:schemeClr val="dk1"/>
+          </a:fontRef>
+        </p:style>
+        <p:txBody>
+          <a:bodyPr rtlCol="0" anchor="ctr"/>
+          <a:lstStyle/>
+          <a:p>
+            <a:pPr algn="ctr"/>
+            <a:endParaRPr lang="en-SG" sz="1400"/>
+          </a:p>
+        </p:txBody>
+      </p:sp>
+      <p:sp>
+        <p:nvSpPr>
+          <p:cNvPr id="3" name="Rectangle 2">
+            <a:extLst>
+              <a:ext uri="{FF2B5EF4-FFF2-40B4-BE49-F238E27FC236}">
+                <a16:creationId xmlns:a16="http://schemas.microsoft.com/office/drawing/2014/main" id="{9E96E039-24DA-476D-BA23-F24029AA6F9C}"/>
+              </a:ext>
+            </a:extLst>
+          </p:cNvPr>
+          <p:cNvSpPr/>
+          <p:nvPr/>
+        </p:nvSpPr>
+        <p:spPr>
+          <a:xfrm>
+            <a:off x="561641" y="890593"/>
+            <a:ext cx="152400" cy="6196005"/>
+          </a:xfrm>
+          <a:prstGeom prst="rect">
+            <a:avLst/>
+          </a:prstGeom>
+          <a:solidFill>
+            <a:srgbClr val="0070C0"/>
+          </a:solidFill>
+          <a:ln>
+            <a:solidFill>
+              <a:srgbClr val="0070C0"/>
+            </a:solidFill>
+          </a:ln>
+          <a:effectLst/>
+        </p:spPr>
+        <p:style>
+          <a:lnRef idx="1">
+            <a:schemeClr val="accent3"/>
+          </a:lnRef>
+          <a:fillRef idx="2">
+            <a:schemeClr val="accent3"/>
+          </a:fillRef>
+          <a:effectRef idx="1">
+            <a:schemeClr val="accent3"/>
+          </a:effectRef>
+          <a:fontRef idx="minor">
+            <a:schemeClr val="dk1"/>
+          </a:fontRef>
+        </p:style>
+        <p:txBody>
+          <a:bodyPr rtlCol="0" anchor="ctr"/>
+          <a:lstStyle/>
+          <a:p>
+            <a:pPr algn="ctr"/>
+            <a:endParaRPr lang="en-SG" sz="1400"/>
+          </a:p>
+        </p:txBody>
+      </p:sp>
+      <p:sp>
+        <p:nvSpPr>
+          <p:cNvPr id="4" name="TextBox 3">
+            <a:extLst>
+              <a:ext uri="{FF2B5EF4-FFF2-40B4-BE49-F238E27FC236}">
+                <a16:creationId xmlns:a16="http://schemas.microsoft.com/office/drawing/2014/main" id="{C3A8377E-A15F-4C42-A2B1-CF0A725EE623}"/>
+              </a:ext>
+            </a:extLst>
+          </p:cNvPr>
+          <p:cNvSpPr txBox="1"/>
+          <p:nvPr/>
+        </p:nvSpPr>
+        <p:spPr>
+          <a:xfrm>
+            <a:off x="-1434600" y="536876"/>
+            <a:ext cx="1086839" cy="646331"/>
+          </a:xfrm>
+          <a:prstGeom prst="rect">
+            <a:avLst/>
+          </a:prstGeom>
+          <a:noFill/>
+        </p:spPr>
+        <p:txBody>
+          <a:bodyPr wrap="square" lIns="0" tIns="0" rIns="0" bIns="0" rtlCol="0">
+            <a:spAutoFit/>
+          </a:bodyPr>
+          <a:lstStyle/>
+          <a:p>
+            <a:pPr algn="r"/>
+            <a:r>
+              <a:rPr lang="en-US" sz="1400" dirty="0">
+                <a:solidFill>
+                  <a:srgbClr val="0070C0"/>
+                </a:solidFill>
+              </a:rPr>
+              <a:t>execute(“stats d/1-1-2018</a:t>
+            </a:r>
+          </a:p>
+          <a:p>
+            <a:pPr algn="r"/>
+            <a:r>
+              <a:rPr lang="en-US" sz="1400" dirty="0">
+                <a:solidFill>
+                  <a:srgbClr val="0070C0"/>
+                </a:solidFill>
+              </a:rPr>
+              <a:t>12-12-2018 ”)</a:t>
+            </a:r>
+          </a:p>
+        </p:txBody>
+      </p:sp>
+      <p:sp>
+        <p:nvSpPr>
+          <p:cNvPr id="5" name="Rectangle 62">
+            <a:extLst>
+              <a:ext uri="{FF2B5EF4-FFF2-40B4-BE49-F238E27FC236}">
+                <a16:creationId xmlns:a16="http://schemas.microsoft.com/office/drawing/2014/main" id="{A5D0F46A-DE5B-4392-92EC-BE54B23E9293}"/>
+              </a:ext>
+            </a:extLst>
+          </p:cNvPr>
+          <p:cNvSpPr/>
+          <p:nvPr/>
+        </p:nvSpPr>
+        <p:spPr>
+          <a:xfrm>
+            <a:off x="152400" y="381000"/>
+            <a:ext cx="990599" cy="762000"/>
+          </a:xfrm>
+          <a:prstGeom prst="rect">
+            <a:avLst/>
+          </a:prstGeom>
+          <a:solidFill>
+            <a:srgbClr val="0070C0"/>
+          </a:solidFill>
+          <a:ln w="19050">
+            <a:solidFill>
+              <a:srgbClr val="0070C0"/>
+            </a:solidFill>
+          </a:ln>
+          <a:effectLst/>
+        </p:spPr>
+        <p:style>
+          <a:lnRef idx="1">
+            <a:schemeClr val="accent2"/>
+          </a:lnRef>
+          <a:fillRef idx="2">
+            <a:schemeClr val="accent2"/>
+          </a:fillRef>
+          <a:effectRef idx="1">
+            <a:schemeClr val="accent2"/>
+          </a:effectRef>
+          <a:fontRef idx="minor">
+            <a:schemeClr val="dk1"/>
+          </a:fontRef>
+        </p:style>
+        <p:txBody>
+          <a:bodyPr rtlCol="0" anchor="ctr"/>
+          <a:lstStyle/>
+          <a:p>
+            <a:pPr algn="ctr"/>
+            <a:r>
+              <a:rPr lang="en-US" sz="1600" dirty="0">
+                <a:solidFill>
+                  <a:schemeClr val="bg1"/>
+                </a:solidFill>
+              </a:rPr>
+              <a:t>:Logic</a:t>
+            </a:r>
+          </a:p>
+          <a:p>
+            <a:pPr algn="ctr"/>
+            <a:r>
+              <a:rPr lang="en-US" sz="1600" dirty="0">
+                <a:solidFill>
+                  <a:schemeClr val="bg1"/>
+                </a:solidFill>
+              </a:rPr>
+              <a:t>Manager</a:t>
+            </a:r>
+            <a:endParaRPr lang="en-SG" sz="1600" dirty="0">
+              <a:solidFill>
+                <a:schemeClr val="bg1"/>
+              </a:solidFill>
+            </a:endParaRPr>
+          </a:p>
+        </p:txBody>
+      </p:sp>
+      <p:cxnSp>
+        <p:nvCxnSpPr>
+          <p:cNvPr id="6" name="Straight Arrow Connector 5">
+            <a:extLst>
+              <a:ext uri="{FF2B5EF4-FFF2-40B4-BE49-F238E27FC236}">
+                <a16:creationId xmlns:a16="http://schemas.microsoft.com/office/drawing/2014/main" id="{F7E8B84E-F1B3-45C5-BAB3-AD666C55B902}"/>
+              </a:ext>
+            </a:extLst>
+          </p:cNvPr>
+          <p:cNvCxnSpPr>
+            <a:cxnSpLocks/>
+          </p:cNvCxnSpPr>
+          <p:nvPr/>
+        </p:nvCxnSpPr>
+        <p:spPr>
+          <a:xfrm>
+            <a:off x="-1800044" y="7086598"/>
+            <a:ext cx="2348067" cy="0"/>
+          </a:xfrm>
+          <a:prstGeom prst="straightConnector1">
+            <a:avLst/>
+          </a:prstGeom>
+          <a:ln w="19050">
+            <a:solidFill>
+              <a:srgbClr val="0070C0"/>
+            </a:solidFill>
+            <a:prstDash val="sysDash"/>
+            <a:headEnd type="arrow" w="med" len="med"/>
+            <a:tailEnd type="none" w="med" len="med"/>
+          </a:ln>
+        </p:spPr>
+        <p:style>
+          <a:lnRef idx="1">
+            <a:schemeClr val="accent1"/>
+          </a:lnRef>
+          <a:fillRef idx="0">
+            <a:schemeClr val="accent1"/>
+          </a:fillRef>
+          <a:effectRef idx="0">
+            <a:schemeClr val="accent1"/>
+          </a:effectRef>
+          <a:fontRef idx="minor">
+            <a:schemeClr val="tx1"/>
+          </a:fontRef>
+        </p:style>
+      </p:cxnSp>
+      <p:cxnSp>
+        <p:nvCxnSpPr>
+          <p:cNvPr id="7" name="Straight Arrow Connector 6">
+            <a:extLst>
+              <a:ext uri="{FF2B5EF4-FFF2-40B4-BE49-F238E27FC236}">
+                <a16:creationId xmlns:a16="http://schemas.microsoft.com/office/drawing/2014/main" id="{F7C8AD6E-7B78-4C75-8EA7-2B3ADCB5E1DD}"/>
+              </a:ext>
+            </a:extLst>
+          </p:cNvPr>
+          <p:cNvCxnSpPr>
+            <a:cxnSpLocks/>
+          </p:cNvCxnSpPr>
+          <p:nvPr/>
+        </p:nvCxnSpPr>
+        <p:spPr>
+          <a:xfrm>
+            <a:off x="-1708682" y="1268871"/>
+            <a:ext cx="2256705" cy="1"/>
+          </a:xfrm>
+          <a:prstGeom prst="straightConnector1">
+            <a:avLst/>
+          </a:prstGeom>
+          <a:ln w="19050">
+            <a:solidFill>
+              <a:srgbClr val="0070C0"/>
+            </a:solidFill>
+            <a:tailEnd type="arrow"/>
+          </a:ln>
+        </p:spPr>
+        <p:style>
+          <a:lnRef idx="1">
+            <a:schemeClr val="accent1"/>
+          </a:lnRef>
+          <a:fillRef idx="0">
+            <a:schemeClr val="accent1"/>
+          </a:fillRef>
+          <a:effectRef idx="0">
+            <a:schemeClr val="accent1"/>
+          </a:effectRef>
+          <a:fontRef idx="minor">
+            <a:schemeClr val="tx1"/>
+          </a:fontRef>
+        </p:style>
+      </p:cxnSp>
+      <p:cxnSp>
+        <p:nvCxnSpPr>
+          <p:cNvPr id="9" name="Straight Arrow Connector 8">
+            <a:extLst>
+              <a:ext uri="{FF2B5EF4-FFF2-40B4-BE49-F238E27FC236}">
+                <a16:creationId xmlns:a16="http://schemas.microsoft.com/office/drawing/2014/main" id="{D58E8E4D-3B45-45BE-AFF1-F820E42B077D}"/>
+              </a:ext>
+            </a:extLst>
+          </p:cNvPr>
+          <p:cNvCxnSpPr>
+            <a:cxnSpLocks/>
+          </p:cNvCxnSpPr>
+          <p:nvPr/>
+        </p:nvCxnSpPr>
+        <p:spPr>
+          <a:xfrm>
+            <a:off x="3377252" y="1643963"/>
+            <a:ext cx="801662" cy="0"/>
+          </a:xfrm>
+          <a:prstGeom prst="straightConnector1">
+            <a:avLst/>
+          </a:prstGeom>
+          <a:ln w="19050">
+            <a:solidFill>
+              <a:srgbClr val="0070C0"/>
+            </a:solidFill>
+            <a:tailEnd type="arrow"/>
+          </a:ln>
+        </p:spPr>
+        <p:style>
+          <a:lnRef idx="1">
+            <a:schemeClr val="accent1"/>
+          </a:lnRef>
+          <a:fillRef idx="0">
+            <a:schemeClr val="accent1"/>
+          </a:fillRef>
+          <a:effectRef idx="0">
+            <a:schemeClr val="accent1"/>
+          </a:effectRef>
+          <a:fontRef idx="minor">
+            <a:schemeClr val="tx1"/>
+          </a:fontRef>
+        </p:style>
+      </p:cxnSp>
+      <p:sp>
+        <p:nvSpPr>
+          <p:cNvPr id="10" name="Rectangle 62">
+            <a:extLst>
+              <a:ext uri="{FF2B5EF4-FFF2-40B4-BE49-F238E27FC236}">
+                <a16:creationId xmlns:a16="http://schemas.microsoft.com/office/drawing/2014/main" id="{D7D8C8CD-5E5D-49DF-A10E-31197F9A39FB}"/>
+              </a:ext>
+            </a:extLst>
+          </p:cNvPr>
+          <p:cNvSpPr/>
+          <p:nvPr/>
+        </p:nvSpPr>
+        <p:spPr>
+          <a:xfrm>
+            <a:off x="2562092" y="354752"/>
+            <a:ext cx="1455629" cy="627099"/>
+          </a:xfrm>
+          <a:prstGeom prst="rect">
+            <a:avLst/>
+          </a:prstGeom>
+          <a:solidFill>
+            <a:srgbClr val="0070C0"/>
+          </a:solidFill>
+          <a:ln w="19050">
+            <a:solidFill>
+              <a:srgbClr val="0070C0"/>
+            </a:solidFill>
+          </a:ln>
+          <a:effectLst/>
+        </p:spPr>
+        <p:style>
+          <a:lnRef idx="1">
+            <a:schemeClr val="accent2"/>
+          </a:lnRef>
+          <a:fillRef idx="2">
+            <a:schemeClr val="accent2"/>
+          </a:fillRef>
+          <a:effectRef idx="1">
+            <a:schemeClr val="accent2"/>
+          </a:effectRef>
+          <a:fontRef idx="minor">
+            <a:schemeClr val="dk1"/>
+          </a:fontRef>
+        </p:style>
+        <p:txBody>
+          <a:bodyPr rtlCol="0" anchor="ctr"/>
+          <a:lstStyle/>
+          <a:p>
+            <a:pPr algn="ctr"/>
+            <a:r>
+              <a:rPr lang="en-US" sz="1600" dirty="0">
+                <a:solidFill>
+                  <a:schemeClr val="bg1"/>
+                </a:solidFill>
+              </a:rPr>
+              <a:t>:Financial</a:t>
+            </a:r>
+          </a:p>
+          <a:p>
+            <a:pPr algn="ctr"/>
+            <a:r>
+              <a:rPr lang="en-US" sz="1600" dirty="0" err="1">
+                <a:solidFill>
+                  <a:schemeClr val="bg1"/>
+                </a:solidFill>
+              </a:rPr>
+              <a:t>PlannerParser</a:t>
+            </a:r>
+            <a:endParaRPr lang="en-SG" sz="1600" dirty="0">
+              <a:solidFill>
+                <a:schemeClr val="bg1"/>
+              </a:solidFill>
+            </a:endParaRPr>
+          </a:p>
+        </p:txBody>
+      </p:sp>
+      <p:cxnSp>
+        <p:nvCxnSpPr>
+          <p:cNvPr id="12" name="Straight Arrow Connector 11">
+            <a:extLst>
+              <a:ext uri="{FF2B5EF4-FFF2-40B4-BE49-F238E27FC236}">
+                <a16:creationId xmlns:a16="http://schemas.microsoft.com/office/drawing/2014/main" id="{884F1048-4318-4600-915C-06066A19CE29}"/>
+              </a:ext>
+            </a:extLst>
+          </p:cNvPr>
+          <p:cNvCxnSpPr>
+            <a:cxnSpLocks/>
+          </p:cNvCxnSpPr>
+          <p:nvPr/>
+        </p:nvCxnSpPr>
+        <p:spPr>
+          <a:xfrm>
+            <a:off x="714041" y="1447800"/>
+            <a:ext cx="2510811" cy="0"/>
+          </a:xfrm>
+          <a:prstGeom prst="straightConnector1">
+            <a:avLst/>
+          </a:prstGeom>
+          <a:ln w="19050">
+            <a:solidFill>
+              <a:srgbClr val="0070C0"/>
+            </a:solidFill>
+            <a:tailEnd type="arrow"/>
+          </a:ln>
+        </p:spPr>
+        <p:style>
+          <a:lnRef idx="1">
+            <a:schemeClr val="accent1"/>
+          </a:lnRef>
+          <a:fillRef idx="0">
+            <a:schemeClr val="accent1"/>
+          </a:fillRef>
+          <a:effectRef idx="0">
+            <a:schemeClr val="accent1"/>
+          </a:effectRef>
+          <a:fontRef idx="minor">
+            <a:schemeClr val="tx1"/>
+          </a:fontRef>
+        </p:style>
+      </p:cxnSp>
+      <p:sp>
+        <p:nvSpPr>
+          <p:cNvPr id="14" name="Rectangle 13">
+            <a:extLst>
+              <a:ext uri="{FF2B5EF4-FFF2-40B4-BE49-F238E27FC236}">
+                <a16:creationId xmlns:a16="http://schemas.microsoft.com/office/drawing/2014/main" id="{73C65C61-71B5-4EC1-9EB6-FEC976212FDF}"/>
+              </a:ext>
+            </a:extLst>
+          </p:cNvPr>
+          <p:cNvSpPr/>
+          <p:nvPr/>
+        </p:nvSpPr>
+        <p:spPr>
+          <a:xfrm>
+            <a:off x="1106462" y="694549"/>
+            <a:ext cx="1455630" cy="738664"/>
+          </a:xfrm>
+          <a:prstGeom prst="rect">
+            <a:avLst/>
+          </a:prstGeom>
+        </p:spPr>
+        <p:txBody>
+          <a:bodyPr wrap="square">
+            <a:spAutoFit/>
+          </a:bodyPr>
+          <a:lstStyle/>
+          <a:p>
+            <a:pPr algn="r"/>
+            <a:r>
+              <a:rPr lang="en-US" sz="1400" dirty="0" err="1">
+                <a:solidFill>
+                  <a:srgbClr val="0070C0"/>
+                </a:solidFill>
+              </a:rPr>
+              <a:t>parseCommand</a:t>
+            </a:r>
+            <a:r>
+              <a:rPr lang="en-US" sz="1400" dirty="0">
+                <a:solidFill>
+                  <a:srgbClr val="0070C0"/>
+                </a:solidFill>
+              </a:rPr>
+              <a:t>(</a:t>
+            </a:r>
+          </a:p>
+          <a:p>
+            <a:pPr algn="r"/>
+            <a:r>
+              <a:rPr lang="en-US" sz="1400" dirty="0">
+                <a:solidFill>
+                  <a:srgbClr val="0070C0"/>
+                </a:solidFill>
+              </a:rPr>
+              <a:t>“stats d/1-1-2018</a:t>
+            </a:r>
+          </a:p>
+          <a:p>
+            <a:pPr algn="r"/>
+            <a:r>
+              <a:rPr lang="en-US" sz="1400" dirty="0">
+                <a:solidFill>
+                  <a:srgbClr val="0070C0"/>
+                </a:solidFill>
+              </a:rPr>
+              <a:t>12-12-2018 ”)</a:t>
+            </a:r>
+          </a:p>
+        </p:txBody>
+      </p:sp>
+      <p:sp>
+        <p:nvSpPr>
+          <p:cNvPr id="18" name="Rectangle 62">
+            <a:extLst>
+              <a:ext uri="{FF2B5EF4-FFF2-40B4-BE49-F238E27FC236}">
+                <a16:creationId xmlns:a16="http://schemas.microsoft.com/office/drawing/2014/main" id="{D849A000-6E42-454A-97FA-3DFFA10A08BA}"/>
+              </a:ext>
+            </a:extLst>
+          </p:cNvPr>
+          <p:cNvSpPr/>
+          <p:nvPr/>
+        </p:nvSpPr>
+        <p:spPr>
+          <a:xfrm>
+            <a:off x="4178914" y="1177755"/>
+            <a:ext cx="1608029" cy="627099"/>
+          </a:xfrm>
+          <a:prstGeom prst="rect">
+            <a:avLst/>
+          </a:prstGeom>
+          <a:solidFill>
+            <a:srgbClr val="0070C0"/>
+          </a:solidFill>
+          <a:ln w="19050">
+            <a:solidFill>
+              <a:srgbClr val="0070C0"/>
+            </a:solidFill>
+          </a:ln>
+          <a:effectLst/>
+        </p:spPr>
+        <p:style>
+          <a:lnRef idx="1">
+            <a:schemeClr val="accent2"/>
+          </a:lnRef>
+          <a:fillRef idx="2">
+            <a:schemeClr val="accent2"/>
+          </a:fillRef>
+          <a:effectRef idx="1">
+            <a:schemeClr val="accent2"/>
+          </a:effectRef>
+          <a:fontRef idx="minor">
+            <a:schemeClr val="dk1"/>
+          </a:fontRef>
+        </p:style>
+        <p:txBody>
+          <a:bodyPr rtlCol="0" anchor="ctr"/>
+          <a:lstStyle/>
+          <a:p>
+            <a:pPr algn="ctr"/>
+            <a:r>
+              <a:rPr lang="en-US" sz="1600" dirty="0">
+                <a:solidFill>
+                  <a:schemeClr val="bg1"/>
+                </a:solidFill>
+              </a:rPr>
+              <a:t>:Statistic</a:t>
+            </a:r>
+          </a:p>
+          <a:p>
+            <a:pPr algn="ctr"/>
+            <a:r>
+              <a:rPr lang="en-US" sz="1600" dirty="0" err="1">
+                <a:solidFill>
+                  <a:schemeClr val="bg1"/>
+                </a:solidFill>
+              </a:rPr>
+              <a:t>CommandParser</a:t>
+            </a:r>
+            <a:endParaRPr lang="en-SG" sz="1600" dirty="0">
+              <a:solidFill>
+                <a:schemeClr val="bg1"/>
+              </a:solidFill>
+            </a:endParaRPr>
+          </a:p>
+        </p:txBody>
+      </p:sp>
+      <p:cxnSp>
+        <p:nvCxnSpPr>
+          <p:cNvPr id="23" name="Straight Arrow Connector 22">
+            <a:extLst>
+              <a:ext uri="{FF2B5EF4-FFF2-40B4-BE49-F238E27FC236}">
+                <a16:creationId xmlns:a16="http://schemas.microsoft.com/office/drawing/2014/main" id="{72A70432-07DB-48AA-9681-3A03A9532C1C}"/>
+              </a:ext>
+            </a:extLst>
+          </p:cNvPr>
+          <p:cNvCxnSpPr>
+            <a:cxnSpLocks/>
+          </p:cNvCxnSpPr>
+          <p:nvPr/>
+        </p:nvCxnSpPr>
+        <p:spPr>
+          <a:xfrm>
+            <a:off x="3377252" y="1981197"/>
+            <a:ext cx="1485263" cy="0"/>
+          </a:xfrm>
+          <a:prstGeom prst="straightConnector1">
+            <a:avLst/>
+          </a:prstGeom>
+          <a:ln w="19050">
+            <a:solidFill>
+              <a:srgbClr val="0070C0"/>
+            </a:solidFill>
+            <a:prstDash val="sysDash"/>
+            <a:headEnd type="arrow" w="med" len="med"/>
+            <a:tailEnd type="none" w="med" len="med"/>
+          </a:ln>
+        </p:spPr>
+        <p:style>
+          <a:lnRef idx="1">
+            <a:schemeClr val="accent1"/>
+          </a:lnRef>
+          <a:fillRef idx="0">
+            <a:schemeClr val="accent1"/>
+          </a:fillRef>
+          <a:effectRef idx="0">
+            <a:schemeClr val="accent1"/>
+          </a:effectRef>
+          <a:fontRef idx="minor">
+            <a:schemeClr val="tx1"/>
+          </a:fontRef>
+        </p:style>
+      </p:cxnSp>
+      <p:sp>
+        <p:nvSpPr>
+          <p:cNvPr id="26" name="Rectangle 25">
+            <a:extLst>
+              <a:ext uri="{FF2B5EF4-FFF2-40B4-BE49-F238E27FC236}">
+                <a16:creationId xmlns:a16="http://schemas.microsoft.com/office/drawing/2014/main" id="{8B9D71B1-C818-47FD-8732-89DEB3F720EE}"/>
+              </a:ext>
+            </a:extLst>
+          </p:cNvPr>
+          <p:cNvSpPr/>
+          <p:nvPr/>
+        </p:nvSpPr>
+        <p:spPr>
+          <a:xfrm>
+            <a:off x="3301052" y="1943746"/>
+            <a:ext cx="1608028" cy="523220"/>
+          </a:xfrm>
+          <a:prstGeom prst="rect">
+            <a:avLst/>
+          </a:prstGeom>
+        </p:spPr>
+        <p:txBody>
+          <a:bodyPr wrap="square">
+            <a:spAutoFit/>
+          </a:bodyPr>
+          <a:lstStyle/>
+          <a:p>
+            <a:pPr algn="r"/>
+            <a:r>
+              <a:rPr lang="en-US" sz="1400" dirty="0">
+                <a:solidFill>
+                  <a:srgbClr val="0070C0"/>
+                </a:solidFill>
+              </a:rPr>
+              <a:t>parse(“ d/1-1-2018 12-12-2018)</a:t>
+            </a:r>
+          </a:p>
+        </p:txBody>
+      </p:sp>
+      <p:sp>
+        <p:nvSpPr>
+          <p:cNvPr id="28" name="Rectangle 27">
+            <a:extLst>
+              <a:ext uri="{FF2B5EF4-FFF2-40B4-BE49-F238E27FC236}">
+                <a16:creationId xmlns:a16="http://schemas.microsoft.com/office/drawing/2014/main" id="{1A40CC72-A0A3-4EC7-AFAC-991C2E2B9723}"/>
+              </a:ext>
+            </a:extLst>
+          </p:cNvPr>
+          <p:cNvSpPr/>
+          <p:nvPr/>
+        </p:nvSpPr>
+        <p:spPr>
+          <a:xfrm>
+            <a:off x="4876801" y="2402494"/>
+            <a:ext cx="152400" cy="588971"/>
+          </a:xfrm>
+          <a:prstGeom prst="rect">
+            <a:avLst/>
+          </a:prstGeom>
+          <a:solidFill>
+            <a:srgbClr val="0070C0"/>
+          </a:solidFill>
+          <a:ln>
+            <a:solidFill>
+              <a:srgbClr val="0070C0"/>
+            </a:solidFill>
+          </a:ln>
+          <a:effectLst/>
+        </p:spPr>
+        <p:style>
+          <a:lnRef idx="1">
+            <a:schemeClr val="accent3"/>
+          </a:lnRef>
+          <a:fillRef idx="2">
+            <a:schemeClr val="accent3"/>
+          </a:fillRef>
+          <a:effectRef idx="1">
+            <a:schemeClr val="accent3"/>
+          </a:effectRef>
+          <a:fontRef idx="minor">
+            <a:schemeClr val="dk1"/>
+          </a:fontRef>
+        </p:style>
+        <p:txBody>
+          <a:bodyPr rtlCol="0" anchor="ctr"/>
+          <a:lstStyle/>
+          <a:p>
+            <a:pPr algn="ctr"/>
+            <a:endParaRPr lang="en-SG" sz="1400"/>
+          </a:p>
+        </p:txBody>
+      </p:sp>
+      <p:cxnSp>
+        <p:nvCxnSpPr>
+          <p:cNvPr id="29" name="Straight Arrow Connector 28">
+            <a:extLst>
+              <a:ext uri="{FF2B5EF4-FFF2-40B4-BE49-F238E27FC236}">
+                <a16:creationId xmlns:a16="http://schemas.microsoft.com/office/drawing/2014/main" id="{1F7A4E08-59CF-4787-9DC5-211E325BFF52}"/>
+              </a:ext>
+            </a:extLst>
+          </p:cNvPr>
+          <p:cNvCxnSpPr>
+            <a:cxnSpLocks/>
+          </p:cNvCxnSpPr>
+          <p:nvPr/>
+        </p:nvCxnSpPr>
+        <p:spPr>
+          <a:xfrm>
+            <a:off x="3377252" y="2402495"/>
+            <a:ext cx="1499549" cy="0"/>
+          </a:xfrm>
+          <a:prstGeom prst="straightConnector1">
+            <a:avLst/>
+          </a:prstGeom>
+          <a:ln w="19050">
+            <a:solidFill>
+              <a:srgbClr val="0070C0"/>
+            </a:solidFill>
+            <a:tailEnd type="arrow"/>
+          </a:ln>
+        </p:spPr>
+        <p:style>
+          <a:lnRef idx="1">
+            <a:schemeClr val="accent1"/>
+          </a:lnRef>
+          <a:fillRef idx="0">
+            <a:schemeClr val="accent1"/>
+          </a:fillRef>
+          <a:effectRef idx="0">
+            <a:schemeClr val="accent1"/>
+          </a:effectRef>
+          <a:fontRef idx="minor">
+            <a:schemeClr val="tx1"/>
+          </a:fontRef>
+        </p:style>
+      </p:cxnSp>
+      <p:sp>
+        <p:nvSpPr>
+          <p:cNvPr id="34" name="Rectangle 62">
+            <a:extLst>
+              <a:ext uri="{FF2B5EF4-FFF2-40B4-BE49-F238E27FC236}">
+                <a16:creationId xmlns:a16="http://schemas.microsoft.com/office/drawing/2014/main" id="{B50731A2-0889-4ABB-A565-CC57BD9B9A10}"/>
+              </a:ext>
+            </a:extLst>
+          </p:cNvPr>
+          <p:cNvSpPr/>
+          <p:nvPr/>
+        </p:nvSpPr>
+        <p:spPr>
+          <a:xfrm>
+            <a:off x="6470464" y="2136246"/>
+            <a:ext cx="1608029" cy="627099"/>
+          </a:xfrm>
+          <a:prstGeom prst="rect">
+            <a:avLst/>
+          </a:prstGeom>
+          <a:solidFill>
+            <a:srgbClr val="0070C0"/>
+          </a:solidFill>
+          <a:ln w="19050">
+            <a:solidFill>
+              <a:srgbClr val="0070C0"/>
+            </a:solidFill>
+          </a:ln>
+          <a:effectLst/>
+        </p:spPr>
+        <p:style>
+          <a:lnRef idx="1">
+            <a:schemeClr val="accent2"/>
+          </a:lnRef>
+          <a:fillRef idx="2">
+            <a:schemeClr val="accent2"/>
+          </a:fillRef>
+          <a:effectRef idx="1">
+            <a:schemeClr val="accent2"/>
+          </a:effectRef>
+          <a:fontRef idx="minor">
+            <a:schemeClr val="dk1"/>
+          </a:fontRef>
+        </p:style>
+        <p:txBody>
+          <a:bodyPr rtlCol="0" anchor="ctr"/>
+          <a:lstStyle/>
+          <a:p>
+            <a:pPr algn="ctr"/>
+            <a:r>
+              <a:rPr lang="en-US" sz="1600" dirty="0">
+                <a:solidFill>
+                  <a:schemeClr val="bg1"/>
+                </a:solidFill>
+              </a:rPr>
+              <a:t>s :Statistic</a:t>
+            </a:r>
+          </a:p>
+          <a:p>
+            <a:pPr algn="ctr"/>
+            <a:r>
+              <a:rPr lang="en-US" sz="1600" dirty="0">
+                <a:solidFill>
+                  <a:schemeClr val="bg1"/>
+                </a:solidFill>
+              </a:rPr>
+              <a:t>Command</a:t>
+            </a:r>
+            <a:endParaRPr lang="en-SG" sz="1600" dirty="0">
+              <a:solidFill>
+                <a:schemeClr val="bg1"/>
+              </a:solidFill>
+            </a:endParaRPr>
+          </a:p>
+        </p:txBody>
+      </p:sp>
+      <p:cxnSp>
+        <p:nvCxnSpPr>
+          <p:cNvPr id="35" name="Straight Arrow Connector 34">
+            <a:extLst>
+              <a:ext uri="{FF2B5EF4-FFF2-40B4-BE49-F238E27FC236}">
+                <a16:creationId xmlns:a16="http://schemas.microsoft.com/office/drawing/2014/main" id="{028F3948-71D4-4804-9FC1-269B071D5C67}"/>
+              </a:ext>
+            </a:extLst>
+          </p:cNvPr>
+          <p:cNvCxnSpPr>
+            <a:cxnSpLocks/>
+          </p:cNvCxnSpPr>
+          <p:nvPr/>
+        </p:nvCxnSpPr>
+        <p:spPr>
+          <a:xfrm>
+            <a:off x="4982928" y="2590800"/>
+            <a:ext cx="1480078" cy="0"/>
+          </a:xfrm>
+          <a:prstGeom prst="straightConnector1">
+            <a:avLst/>
+          </a:prstGeom>
+          <a:ln w="19050">
+            <a:solidFill>
+              <a:srgbClr val="0070C0"/>
+            </a:solidFill>
+            <a:tailEnd type="arrow"/>
+          </a:ln>
+        </p:spPr>
+        <p:style>
+          <a:lnRef idx="1">
+            <a:schemeClr val="accent1"/>
+          </a:lnRef>
+          <a:fillRef idx="0">
+            <a:schemeClr val="accent1"/>
+          </a:fillRef>
+          <a:effectRef idx="0">
+            <a:schemeClr val="accent1"/>
+          </a:effectRef>
+          <a:fontRef idx="minor">
+            <a:schemeClr val="tx1"/>
+          </a:fontRef>
+        </p:style>
+      </p:cxnSp>
+      <p:sp>
+        <p:nvSpPr>
+          <p:cNvPr id="38" name="Rectangle 37">
+            <a:extLst>
+              <a:ext uri="{FF2B5EF4-FFF2-40B4-BE49-F238E27FC236}">
+                <a16:creationId xmlns:a16="http://schemas.microsoft.com/office/drawing/2014/main" id="{0FD63FA5-2CCC-409D-9AAE-D637970C6AC0}"/>
+              </a:ext>
+            </a:extLst>
+          </p:cNvPr>
+          <p:cNvSpPr/>
+          <p:nvPr/>
+        </p:nvSpPr>
+        <p:spPr>
+          <a:xfrm>
+            <a:off x="4955352" y="2108503"/>
+            <a:ext cx="1507654" cy="461665"/>
+          </a:xfrm>
+          <a:prstGeom prst="rect">
+            <a:avLst/>
+          </a:prstGeom>
+        </p:spPr>
+        <p:txBody>
+          <a:bodyPr wrap="square">
+            <a:spAutoFit/>
+          </a:bodyPr>
+          <a:lstStyle/>
+          <a:p>
+            <a:pPr algn="r"/>
+            <a:r>
+              <a:rPr lang="en-US" sz="1200" dirty="0" err="1">
+                <a:solidFill>
+                  <a:srgbClr val="0070C0"/>
+                </a:solidFill>
+              </a:rPr>
+              <a:t>StatisticCommand</a:t>
+            </a:r>
+            <a:endParaRPr lang="en-US" sz="1200" dirty="0">
+              <a:solidFill>
+                <a:srgbClr val="0070C0"/>
+              </a:solidFill>
+            </a:endParaRPr>
+          </a:p>
+          <a:p>
+            <a:pPr algn="r"/>
+            <a:r>
+              <a:rPr lang="en-US" sz="1200" dirty="0">
+                <a:solidFill>
+                  <a:srgbClr val="0070C0"/>
+                </a:solidFill>
+              </a:rPr>
+              <a:t>(</a:t>
+            </a:r>
+            <a:r>
+              <a:rPr lang="en-US" sz="1200" dirty="0" err="1">
+                <a:solidFill>
+                  <a:srgbClr val="0070C0"/>
+                </a:solidFill>
+              </a:rPr>
+              <a:t>startDate</a:t>
+            </a:r>
+            <a:r>
+              <a:rPr lang="en-US" sz="1200" dirty="0">
+                <a:solidFill>
+                  <a:srgbClr val="0070C0"/>
+                </a:solidFill>
+              </a:rPr>
+              <a:t>, </a:t>
+            </a:r>
+            <a:r>
+              <a:rPr lang="en-US" sz="1200" dirty="0" err="1">
+                <a:solidFill>
+                  <a:srgbClr val="0070C0"/>
+                </a:solidFill>
+              </a:rPr>
+              <a:t>endDate</a:t>
+            </a:r>
+            <a:r>
+              <a:rPr lang="en-US" sz="1200" dirty="0">
+                <a:solidFill>
+                  <a:srgbClr val="0070C0"/>
+                </a:solidFill>
+              </a:rPr>
+              <a:t>)</a:t>
+            </a:r>
+          </a:p>
+        </p:txBody>
+      </p:sp>
+      <p:cxnSp>
+        <p:nvCxnSpPr>
+          <p:cNvPr id="40" name="Straight Arrow Connector 39">
+            <a:extLst>
+              <a:ext uri="{FF2B5EF4-FFF2-40B4-BE49-F238E27FC236}">
+                <a16:creationId xmlns:a16="http://schemas.microsoft.com/office/drawing/2014/main" id="{932D53F0-0D6D-4417-A4EE-1BB72C87340B}"/>
+              </a:ext>
+            </a:extLst>
+          </p:cNvPr>
+          <p:cNvCxnSpPr>
+            <a:cxnSpLocks/>
+          </p:cNvCxnSpPr>
+          <p:nvPr/>
+        </p:nvCxnSpPr>
+        <p:spPr>
+          <a:xfrm>
+            <a:off x="5014915" y="2893045"/>
+            <a:ext cx="2147885" cy="0"/>
+          </a:xfrm>
+          <a:prstGeom prst="straightConnector1">
+            <a:avLst/>
+          </a:prstGeom>
+          <a:ln w="19050">
+            <a:solidFill>
+              <a:srgbClr val="0070C0"/>
+            </a:solidFill>
+            <a:prstDash val="sysDash"/>
+            <a:headEnd type="arrow" w="med" len="med"/>
+            <a:tailEnd type="none" w="med" len="med"/>
+          </a:ln>
+        </p:spPr>
+        <p:style>
+          <a:lnRef idx="1">
+            <a:schemeClr val="accent1"/>
+          </a:lnRef>
+          <a:fillRef idx="0">
+            <a:schemeClr val="accent1"/>
+          </a:fillRef>
+          <a:effectRef idx="0">
+            <a:schemeClr val="accent1"/>
+          </a:effectRef>
+          <a:fontRef idx="minor">
+            <a:schemeClr val="tx1"/>
+          </a:fontRef>
+        </p:style>
+      </p:cxnSp>
+      <p:sp>
+        <p:nvSpPr>
+          <p:cNvPr id="42" name="Rectangle 41">
+            <a:extLst>
+              <a:ext uri="{FF2B5EF4-FFF2-40B4-BE49-F238E27FC236}">
+                <a16:creationId xmlns:a16="http://schemas.microsoft.com/office/drawing/2014/main" id="{1C30B2CF-7FBC-4759-909B-6DFD549E48AF}"/>
+              </a:ext>
+            </a:extLst>
+          </p:cNvPr>
+          <p:cNvSpPr/>
+          <p:nvPr/>
+        </p:nvSpPr>
+        <p:spPr>
+          <a:xfrm>
+            <a:off x="5781936" y="2583180"/>
+            <a:ext cx="212253" cy="338554"/>
+          </a:xfrm>
+          <a:prstGeom prst="rect">
+            <a:avLst/>
+          </a:prstGeom>
+        </p:spPr>
+        <p:txBody>
+          <a:bodyPr wrap="square">
+            <a:spAutoFit/>
+          </a:bodyPr>
+          <a:lstStyle/>
+          <a:p>
+            <a:pPr algn="r"/>
+            <a:r>
+              <a:rPr lang="en-US" sz="1600" dirty="0">
+                <a:solidFill>
+                  <a:srgbClr val="0070C0"/>
+                </a:solidFill>
+              </a:rPr>
+              <a:t>s</a:t>
+            </a:r>
+          </a:p>
+        </p:txBody>
+      </p:sp>
+      <p:cxnSp>
+        <p:nvCxnSpPr>
+          <p:cNvPr id="43" name="Straight Arrow Connector 42">
+            <a:extLst>
+              <a:ext uri="{FF2B5EF4-FFF2-40B4-BE49-F238E27FC236}">
+                <a16:creationId xmlns:a16="http://schemas.microsoft.com/office/drawing/2014/main" id="{53550DB8-D151-40E9-A2A0-2BBF7D64855E}"/>
+              </a:ext>
+            </a:extLst>
+          </p:cNvPr>
+          <p:cNvCxnSpPr>
+            <a:cxnSpLocks/>
+          </p:cNvCxnSpPr>
+          <p:nvPr/>
+        </p:nvCxnSpPr>
+        <p:spPr>
+          <a:xfrm>
+            <a:off x="3377252" y="2991465"/>
+            <a:ext cx="1495683" cy="0"/>
+          </a:xfrm>
+          <a:prstGeom prst="straightConnector1">
+            <a:avLst/>
+          </a:prstGeom>
+          <a:ln w="19050">
+            <a:solidFill>
+              <a:srgbClr val="0070C0"/>
+            </a:solidFill>
+            <a:prstDash val="sysDash"/>
+            <a:headEnd type="arrow" w="med" len="med"/>
+            <a:tailEnd type="none" w="med" len="med"/>
+          </a:ln>
+        </p:spPr>
+        <p:style>
+          <a:lnRef idx="1">
+            <a:schemeClr val="accent1"/>
+          </a:lnRef>
+          <a:fillRef idx="0">
+            <a:schemeClr val="accent1"/>
+          </a:fillRef>
+          <a:effectRef idx="0">
+            <a:schemeClr val="accent1"/>
+          </a:effectRef>
+          <a:fontRef idx="minor">
+            <a:schemeClr val="tx1"/>
+          </a:fontRef>
+        </p:style>
+      </p:cxnSp>
+      <p:sp>
+        <p:nvSpPr>
+          <p:cNvPr id="45" name="Rectangle 44">
+            <a:extLst>
+              <a:ext uri="{FF2B5EF4-FFF2-40B4-BE49-F238E27FC236}">
+                <a16:creationId xmlns:a16="http://schemas.microsoft.com/office/drawing/2014/main" id="{7B2D9ADA-8D82-4F55-BAA5-AC166DF1EC20}"/>
+              </a:ext>
+            </a:extLst>
+          </p:cNvPr>
+          <p:cNvSpPr/>
+          <p:nvPr/>
+        </p:nvSpPr>
+        <p:spPr>
+          <a:xfrm>
+            <a:off x="3944888" y="2681748"/>
+            <a:ext cx="274434" cy="369332"/>
+          </a:xfrm>
+          <a:prstGeom prst="rect">
+            <a:avLst/>
+          </a:prstGeom>
+        </p:spPr>
+        <p:txBody>
+          <a:bodyPr wrap="none">
+            <a:spAutoFit/>
+          </a:bodyPr>
+          <a:lstStyle/>
+          <a:p>
+            <a:r>
+              <a:rPr lang="en-US" dirty="0">
+                <a:solidFill>
+                  <a:srgbClr val="0070C0"/>
+                </a:solidFill>
+              </a:rPr>
+              <a:t>s</a:t>
+            </a:r>
+            <a:endParaRPr lang="en-SG" dirty="0"/>
+          </a:p>
+        </p:txBody>
+      </p:sp>
+      <p:sp>
+        <p:nvSpPr>
+          <p:cNvPr id="46" name="TextBox 45">
+            <a:extLst>
+              <a:ext uri="{FF2B5EF4-FFF2-40B4-BE49-F238E27FC236}">
+                <a16:creationId xmlns:a16="http://schemas.microsoft.com/office/drawing/2014/main" id="{A529BAA5-DBEA-4C4C-B399-83D52921A725}"/>
+              </a:ext>
+            </a:extLst>
+          </p:cNvPr>
+          <p:cNvSpPr txBox="1"/>
+          <p:nvPr/>
+        </p:nvSpPr>
+        <p:spPr>
+          <a:xfrm>
+            <a:off x="4800600" y="3074583"/>
+            <a:ext cx="258404" cy="261610"/>
+          </a:xfrm>
+          <a:prstGeom prst="rect">
+            <a:avLst/>
+          </a:prstGeom>
+          <a:noFill/>
+        </p:spPr>
+        <p:txBody>
+          <a:bodyPr wrap="none" rtlCol="0">
+            <a:spAutoFit/>
+          </a:bodyPr>
+          <a:lstStyle/>
+          <a:p>
+            <a:r>
+              <a:rPr lang="en-SG" sz="1100" dirty="0">
+                <a:solidFill>
+                  <a:srgbClr val="002060"/>
+                </a:solidFill>
+              </a:rPr>
+              <a:t>X</a:t>
+            </a:r>
+          </a:p>
+        </p:txBody>
+      </p:sp>
+      <p:cxnSp>
+        <p:nvCxnSpPr>
+          <p:cNvPr id="47" name="Straight Arrow Connector 46">
+            <a:extLst>
+              <a:ext uri="{FF2B5EF4-FFF2-40B4-BE49-F238E27FC236}">
+                <a16:creationId xmlns:a16="http://schemas.microsoft.com/office/drawing/2014/main" id="{117F5BDF-4DFD-45D3-A5DF-5D6C0980FF33}"/>
+              </a:ext>
+            </a:extLst>
+          </p:cNvPr>
+          <p:cNvCxnSpPr>
+            <a:cxnSpLocks/>
+          </p:cNvCxnSpPr>
+          <p:nvPr/>
+        </p:nvCxnSpPr>
+        <p:spPr>
+          <a:xfrm>
+            <a:off x="714041" y="3194665"/>
+            <a:ext cx="2534242" cy="0"/>
+          </a:xfrm>
+          <a:prstGeom prst="straightConnector1">
+            <a:avLst/>
+          </a:prstGeom>
+          <a:ln w="19050">
+            <a:solidFill>
+              <a:srgbClr val="0070C0"/>
+            </a:solidFill>
+            <a:prstDash val="sysDash"/>
+            <a:headEnd type="arrow" w="med" len="med"/>
+            <a:tailEnd type="none" w="med" len="med"/>
+          </a:ln>
+        </p:spPr>
+        <p:style>
+          <a:lnRef idx="1">
+            <a:schemeClr val="accent1"/>
+          </a:lnRef>
+          <a:fillRef idx="0">
+            <a:schemeClr val="accent1"/>
+          </a:fillRef>
+          <a:effectRef idx="0">
+            <a:schemeClr val="accent1"/>
+          </a:effectRef>
+          <a:fontRef idx="minor">
+            <a:schemeClr val="tx1"/>
+          </a:fontRef>
+        </p:style>
+      </p:cxnSp>
+      <p:sp>
+        <p:nvSpPr>
+          <p:cNvPr id="49" name="Rectangle 48">
+            <a:extLst>
+              <a:ext uri="{FF2B5EF4-FFF2-40B4-BE49-F238E27FC236}">
+                <a16:creationId xmlns:a16="http://schemas.microsoft.com/office/drawing/2014/main" id="{5BE9323E-D005-43FA-954F-AD3F4A4F758D}"/>
+              </a:ext>
+            </a:extLst>
+          </p:cNvPr>
+          <p:cNvSpPr/>
+          <p:nvPr/>
+        </p:nvSpPr>
+        <p:spPr>
+          <a:xfrm>
+            <a:off x="1726939" y="2895594"/>
+            <a:ext cx="274434" cy="369332"/>
+          </a:xfrm>
+          <a:prstGeom prst="rect">
+            <a:avLst/>
+          </a:prstGeom>
+        </p:spPr>
+        <p:txBody>
+          <a:bodyPr wrap="none">
+            <a:spAutoFit/>
+          </a:bodyPr>
+          <a:lstStyle/>
+          <a:p>
+            <a:r>
+              <a:rPr lang="en-US" dirty="0">
+                <a:solidFill>
+                  <a:srgbClr val="0070C0"/>
+                </a:solidFill>
+              </a:rPr>
+              <a:t>s</a:t>
+            </a:r>
+            <a:endParaRPr lang="en-SG" dirty="0"/>
+          </a:p>
+        </p:txBody>
+      </p:sp>
+      <p:cxnSp>
+        <p:nvCxnSpPr>
+          <p:cNvPr id="53" name="Straight Arrow Connector 52">
+            <a:extLst>
+              <a:ext uri="{FF2B5EF4-FFF2-40B4-BE49-F238E27FC236}">
+                <a16:creationId xmlns:a16="http://schemas.microsoft.com/office/drawing/2014/main" id="{6F3355AD-7895-4375-9920-27AB9A011066}"/>
+              </a:ext>
+            </a:extLst>
+          </p:cNvPr>
+          <p:cNvCxnSpPr>
+            <a:cxnSpLocks/>
+          </p:cNvCxnSpPr>
+          <p:nvPr/>
+        </p:nvCxnSpPr>
+        <p:spPr>
+          <a:xfrm>
+            <a:off x="727659" y="3594692"/>
+            <a:ext cx="6435141" cy="0"/>
+          </a:xfrm>
+          <a:prstGeom prst="straightConnector1">
+            <a:avLst/>
+          </a:prstGeom>
+          <a:ln w="19050">
+            <a:solidFill>
+              <a:srgbClr val="0070C0"/>
+            </a:solidFill>
+            <a:tailEnd type="arrow"/>
+          </a:ln>
+        </p:spPr>
+        <p:style>
+          <a:lnRef idx="1">
+            <a:schemeClr val="accent1"/>
+          </a:lnRef>
+          <a:fillRef idx="0">
+            <a:schemeClr val="accent1"/>
+          </a:fillRef>
+          <a:effectRef idx="0">
+            <a:schemeClr val="accent1"/>
+          </a:effectRef>
+          <a:fontRef idx="minor">
+            <a:schemeClr val="tx1"/>
+          </a:fontRef>
+        </p:style>
+      </p:cxnSp>
+      <p:sp>
+        <p:nvSpPr>
+          <p:cNvPr id="57" name="Rectangle 56">
+            <a:extLst>
+              <a:ext uri="{FF2B5EF4-FFF2-40B4-BE49-F238E27FC236}">
+                <a16:creationId xmlns:a16="http://schemas.microsoft.com/office/drawing/2014/main" id="{A1571806-3B5C-4728-BD94-324EF4132079}"/>
+              </a:ext>
+            </a:extLst>
+          </p:cNvPr>
+          <p:cNvSpPr/>
+          <p:nvPr/>
+        </p:nvSpPr>
+        <p:spPr>
+          <a:xfrm>
+            <a:off x="7198277" y="3594691"/>
+            <a:ext cx="137607" cy="3263309"/>
+          </a:xfrm>
+          <a:prstGeom prst="rect">
+            <a:avLst/>
+          </a:prstGeom>
+          <a:solidFill>
+            <a:srgbClr val="0070C0"/>
+          </a:solidFill>
+          <a:ln>
+            <a:solidFill>
+              <a:srgbClr val="0070C0"/>
+            </a:solidFill>
+          </a:ln>
+          <a:effectLst/>
+        </p:spPr>
+        <p:style>
+          <a:lnRef idx="1">
+            <a:schemeClr val="accent3"/>
+          </a:lnRef>
+          <a:fillRef idx="2">
+            <a:schemeClr val="accent3"/>
+          </a:fillRef>
+          <a:effectRef idx="1">
+            <a:schemeClr val="accent3"/>
+          </a:effectRef>
+          <a:fontRef idx="minor">
+            <a:schemeClr val="dk1"/>
+          </a:fontRef>
+        </p:style>
+        <p:txBody>
+          <a:bodyPr rtlCol="0" anchor="ctr"/>
+          <a:lstStyle/>
+          <a:p>
+            <a:pPr algn="ctr"/>
+            <a:endParaRPr lang="en-SG" sz="1400"/>
+          </a:p>
+        </p:txBody>
+      </p:sp>
+      <p:sp>
+        <p:nvSpPr>
+          <p:cNvPr id="61" name="Rectangle 62">
+            <a:extLst>
+              <a:ext uri="{FF2B5EF4-FFF2-40B4-BE49-F238E27FC236}">
+                <a16:creationId xmlns:a16="http://schemas.microsoft.com/office/drawing/2014/main" id="{B9F47841-D28C-4771-804F-EB96179E3FBE}"/>
+              </a:ext>
+            </a:extLst>
+          </p:cNvPr>
+          <p:cNvSpPr/>
+          <p:nvPr/>
+        </p:nvSpPr>
+        <p:spPr>
+          <a:xfrm>
+            <a:off x="8231076" y="2699045"/>
+            <a:ext cx="1017452" cy="458139"/>
+          </a:xfrm>
+          <a:prstGeom prst="rect">
+            <a:avLst/>
+          </a:prstGeom>
+          <a:solidFill>
+            <a:srgbClr val="7030A0"/>
+          </a:solidFill>
+          <a:ln w="19050">
+            <a:solidFill>
+              <a:srgbClr val="7030A0"/>
+            </a:solidFill>
+          </a:ln>
+          <a:effectLst/>
+        </p:spPr>
+        <p:style>
+          <a:lnRef idx="1">
+            <a:schemeClr val="accent2"/>
+          </a:lnRef>
+          <a:fillRef idx="2">
+            <a:schemeClr val="accent2"/>
+          </a:fillRef>
+          <a:effectRef idx="1">
+            <a:schemeClr val="accent2"/>
+          </a:effectRef>
+          <a:fontRef idx="minor">
+            <a:schemeClr val="dk1"/>
+          </a:fontRef>
+        </p:style>
+        <p:txBody>
+          <a:bodyPr rtlCol="0" anchor="ctr"/>
+          <a:lstStyle/>
+          <a:p>
+            <a:pPr algn="ctr"/>
+            <a:r>
+              <a:rPr lang="en-US" sz="1600" dirty="0">
+                <a:solidFill>
+                  <a:schemeClr val="bg1"/>
+                </a:solidFill>
+              </a:rPr>
+              <a:t>: Model</a:t>
+            </a:r>
+            <a:endParaRPr lang="en-SG" sz="1600" dirty="0">
+              <a:solidFill>
+                <a:schemeClr val="bg1"/>
+              </a:solidFill>
+            </a:endParaRPr>
+          </a:p>
+        </p:txBody>
+      </p:sp>
+      <p:sp>
+        <p:nvSpPr>
+          <p:cNvPr id="62" name="Rectangle 61">
+            <a:extLst>
+              <a:ext uri="{FF2B5EF4-FFF2-40B4-BE49-F238E27FC236}">
+                <a16:creationId xmlns:a16="http://schemas.microsoft.com/office/drawing/2014/main" id="{DB758527-21BA-4C9F-B232-B1A888D00312}"/>
+              </a:ext>
+            </a:extLst>
+          </p:cNvPr>
+          <p:cNvSpPr/>
+          <p:nvPr/>
+        </p:nvSpPr>
+        <p:spPr>
+          <a:xfrm>
+            <a:off x="8628854" y="3754319"/>
+            <a:ext cx="152388" cy="159626"/>
+          </a:xfrm>
+          <a:prstGeom prst="rect">
+            <a:avLst/>
+          </a:prstGeom>
+          <a:solidFill>
+            <a:srgbClr val="7030A0"/>
+          </a:solidFill>
+          <a:ln>
+            <a:solidFill>
+              <a:srgbClr val="7030A0"/>
+            </a:solidFill>
+          </a:ln>
+          <a:effectLst/>
+        </p:spPr>
+        <p:style>
+          <a:lnRef idx="1">
+            <a:schemeClr val="accent3"/>
+          </a:lnRef>
+          <a:fillRef idx="2">
+            <a:schemeClr val="accent3"/>
+          </a:fillRef>
+          <a:effectRef idx="1">
+            <a:schemeClr val="accent3"/>
+          </a:effectRef>
+          <a:fontRef idx="minor">
+            <a:schemeClr val="dk1"/>
+          </a:fontRef>
+        </p:style>
+        <p:txBody>
+          <a:bodyPr rtlCol="0" anchor="ctr"/>
+          <a:lstStyle/>
+          <a:p>
+            <a:pPr algn="ctr"/>
+            <a:endParaRPr lang="en-SG" sz="1400"/>
+          </a:p>
+        </p:txBody>
+      </p:sp>
+      <p:cxnSp>
+        <p:nvCxnSpPr>
+          <p:cNvPr id="63" name="Straight Connector 62">
+            <a:extLst>
+              <a:ext uri="{FF2B5EF4-FFF2-40B4-BE49-F238E27FC236}">
+                <a16:creationId xmlns:a16="http://schemas.microsoft.com/office/drawing/2014/main" id="{39FEE020-62B4-4773-8074-F22ED4E32864}"/>
+              </a:ext>
+            </a:extLst>
+          </p:cNvPr>
+          <p:cNvCxnSpPr>
+            <a:cxnSpLocks/>
+          </p:cNvCxnSpPr>
+          <p:nvPr/>
+        </p:nvCxnSpPr>
+        <p:spPr>
+          <a:xfrm>
+            <a:off x="9683958" y="4969295"/>
+            <a:ext cx="0" cy="1306907"/>
+          </a:xfrm>
+          <a:prstGeom prst="line">
+            <a:avLst/>
+          </a:prstGeom>
+          <a:ln w="19050">
+            <a:solidFill>
+              <a:srgbClr val="7030A0"/>
+            </a:solidFill>
+            <a:prstDash val="sysDash"/>
+          </a:ln>
+          <a:effectLst/>
+        </p:spPr>
+        <p:style>
+          <a:lnRef idx="1">
+            <a:schemeClr val="accent1"/>
+          </a:lnRef>
+          <a:fillRef idx="2">
+            <a:schemeClr val="accent1"/>
+          </a:fillRef>
+          <a:effectRef idx="1">
+            <a:schemeClr val="accent1"/>
+          </a:effectRef>
+          <a:fontRef idx="minor">
+            <a:schemeClr val="dk1"/>
+          </a:fontRef>
+        </p:style>
+      </p:cxnSp>
+      <p:cxnSp>
+        <p:nvCxnSpPr>
+          <p:cNvPr id="65" name="Straight Arrow Connector 64">
+            <a:extLst>
+              <a:ext uri="{FF2B5EF4-FFF2-40B4-BE49-F238E27FC236}">
+                <a16:creationId xmlns:a16="http://schemas.microsoft.com/office/drawing/2014/main" id="{1825FD1F-6998-4F1A-994D-020600E2FDD1}"/>
+              </a:ext>
+            </a:extLst>
+          </p:cNvPr>
+          <p:cNvCxnSpPr>
+            <a:cxnSpLocks/>
+          </p:cNvCxnSpPr>
+          <p:nvPr/>
+        </p:nvCxnSpPr>
+        <p:spPr>
+          <a:xfrm>
+            <a:off x="7347802" y="5479397"/>
+            <a:ext cx="2254723" cy="1"/>
+          </a:xfrm>
+          <a:prstGeom prst="straightConnector1">
+            <a:avLst/>
+          </a:prstGeom>
+          <a:ln w="19050">
+            <a:solidFill>
+              <a:srgbClr val="7030A0"/>
+            </a:solidFill>
+            <a:prstDash val="sysDash"/>
+            <a:headEnd type="arrow" w="med" len="med"/>
+            <a:tailEnd type="none" w="med" len="med"/>
+          </a:ln>
+        </p:spPr>
+        <p:style>
+          <a:lnRef idx="1">
+            <a:schemeClr val="accent1"/>
+          </a:lnRef>
+          <a:fillRef idx="0">
+            <a:schemeClr val="accent1"/>
+          </a:fillRef>
+          <a:effectRef idx="0">
+            <a:schemeClr val="accent1"/>
+          </a:effectRef>
+          <a:fontRef idx="minor">
+            <a:schemeClr val="tx1"/>
+          </a:fontRef>
+        </p:style>
+      </p:cxnSp>
+      <p:cxnSp>
+        <p:nvCxnSpPr>
+          <p:cNvPr id="67" name="Straight Arrow Connector 66">
+            <a:extLst>
+              <a:ext uri="{FF2B5EF4-FFF2-40B4-BE49-F238E27FC236}">
+                <a16:creationId xmlns:a16="http://schemas.microsoft.com/office/drawing/2014/main" id="{42B5B66B-790F-4B66-936F-EEFC9A66A483}"/>
+              </a:ext>
+            </a:extLst>
+          </p:cNvPr>
+          <p:cNvCxnSpPr>
+            <a:cxnSpLocks/>
+          </p:cNvCxnSpPr>
+          <p:nvPr/>
+        </p:nvCxnSpPr>
+        <p:spPr>
+          <a:xfrm>
+            <a:off x="7331834" y="3754318"/>
+            <a:ext cx="1297020" cy="0"/>
+          </a:xfrm>
+          <a:prstGeom prst="straightConnector1">
+            <a:avLst/>
+          </a:prstGeom>
+          <a:ln w="19050">
+            <a:solidFill>
+              <a:srgbClr val="0070C0"/>
+            </a:solidFill>
+            <a:tailEnd type="arrow"/>
+          </a:ln>
+        </p:spPr>
+        <p:style>
+          <a:lnRef idx="1">
+            <a:schemeClr val="accent1"/>
+          </a:lnRef>
+          <a:fillRef idx="0">
+            <a:schemeClr val="accent1"/>
+          </a:fillRef>
+          <a:effectRef idx="0">
+            <a:schemeClr val="accent1"/>
+          </a:effectRef>
+          <a:fontRef idx="minor">
+            <a:schemeClr val="tx1"/>
+          </a:fontRef>
+        </p:style>
+      </p:cxnSp>
+      <p:sp>
+        <p:nvSpPr>
+          <p:cNvPr id="70" name="Rectangle 69">
+            <a:extLst>
+              <a:ext uri="{FF2B5EF4-FFF2-40B4-BE49-F238E27FC236}">
+                <a16:creationId xmlns:a16="http://schemas.microsoft.com/office/drawing/2014/main" id="{8BA97C26-CBB4-40BB-83E8-AB6E9836E839}"/>
+              </a:ext>
+            </a:extLst>
+          </p:cNvPr>
+          <p:cNvSpPr/>
+          <p:nvPr/>
+        </p:nvSpPr>
+        <p:spPr>
+          <a:xfrm>
+            <a:off x="3904480" y="3276161"/>
+            <a:ext cx="1055866" cy="369332"/>
+          </a:xfrm>
+          <a:prstGeom prst="rect">
+            <a:avLst/>
+          </a:prstGeom>
+        </p:spPr>
+        <p:txBody>
+          <a:bodyPr wrap="none">
+            <a:spAutoFit/>
+          </a:bodyPr>
+          <a:lstStyle/>
+          <a:p>
+            <a:r>
+              <a:rPr lang="en-US" dirty="0">
+                <a:solidFill>
+                  <a:srgbClr val="0070C0"/>
+                </a:solidFill>
+              </a:rPr>
+              <a:t>execute()</a:t>
+            </a:r>
+            <a:endParaRPr lang="en-SG" dirty="0"/>
+          </a:p>
+        </p:txBody>
+      </p:sp>
+      <p:sp>
+        <p:nvSpPr>
+          <p:cNvPr id="71" name="Rectangle 70">
+            <a:extLst>
+              <a:ext uri="{FF2B5EF4-FFF2-40B4-BE49-F238E27FC236}">
+                <a16:creationId xmlns:a16="http://schemas.microsoft.com/office/drawing/2014/main" id="{36B5E067-1249-4E68-8D40-CE0BA659C1F1}"/>
+              </a:ext>
+            </a:extLst>
+          </p:cNvPr>
+          <p:cNvSpPr/>
+          <p:nvPr/>
+        </p:nvSpPr>
+        <p:spPr>
+          <a:xfrm>
+            <a:off x="7335884" y="3058033"/>
+            <a:ext cx="1294926" cy="646331"/>
+          </a:xfrm>
+          <a:prstGeom prst="rect">
+            <a:avLst/>
+          </a:prstGeom>
+        </p:spPr>
+        <p:txBody>
+          <a:bodyPr wrap="square">
+            <a:spAutoFit/>
+          </a:bodyPr>
+          <a:lstStyle/>
+          <a:p>
+            <a:r>
+              <a:rPr lang="en-US" sz="1200" dirty="0">
+                <a:solidFill>
+                  <a:srgbClr val="0070C0"/>
+                </a:solidFill>
+              </a:rPr>
+              <a:t>update</a:t>
+            </a:r>
+          </a:p>
+          <a:p>
+            <a:r>
+              <a:rPr lang="en-US" sz="1200" dirty="0">
+                <a:solidFill>
+                  <a:srgbClr val="0070C0"/>
+                </a:solidFill>
+              </a:rPr>
+              <a:t>Filtered</a:t>
+            </a:r>
+          </a:p>
+          <a:p>
+            <a:r>
+              <a:rPr lang="en-US" sz="1200" dirty="0" err="1">
+                <a:solidFill>
+                  <a:srgbClr val="0070C0"/>
+                </a:solidFill>
+              </a:rPr>
+              <a:t>RecordList</a:t>
+            </a:r>
+            <a:r>
+              <a:rPr lang="en-US" sz="1200" dirty="0">
+                <a:solidFill>
+                  <a:srgbClr val="0070C0"/>
+                </a:solidFill>
+              </a:rPr>
+              <a:t>()</a:t>
+            </a:r>
+            <a:endParaRPr lang="en-SG" sz="1200" dirty="0"/>
+          </a:p>
+        </p:txBody>
+      </p:sp>
+      <p:cxnSp>
+        <p:nvCxnSpPr>
+          <p:cNvPr id="72" name="Straight Arrow Connector 71">
+            <a:extLst>
+              <a:ext uri="{FF2B5EF4-FFF2-40B4-BE49-F238E27FC236}">
+                <a16:creationId xmlns:a16="http://schemas.microsoft.com/office/drawing/2014/main" id="{2C34E402-DE33-4E39-961C-11D3348FED84}"/>
+              </a:ext>
+            </a:extLst>
+          </p:cNvPr>
+          <p:cNvCxnSpPr>
+            <a:cxnSpLocks/>
+          </p:cNvCxnSpPr>
+          <p:nvPr/>
+        </p:nvCxnSpPr>
+        <p:spPr>
+          <a:xfrm>
+            <a:off x="7350678" y="3903483"/>
+            <a:ext cx="1278176" cy="0"/>
+          </a:xfrm>
+          <a:prstGeom prst="straightConnector1">
+            <a:avLst/>
+          </a:prstGeom>
+          <a:ln w="19050">
+            <a:solidFill>
+              <a:srgbClr val="7030A0"/>
+            </a:solidFill>
+            <a:prstDash val="sysDash"/>
+            <a:headEnd type="arrow" w="med" len="med"/>
+            <a:tailEnd type="none" w="med" len="med"/>
+          </a:ln>
+        </p:spPr>
+        <p:style>
+          <a:lnRef idx="1">
+            <a:schemeClr val="accent1"/>
+          </a:lnRef>
+          <a:fillRef idx="0">
+            <a:schemeClr val="accent1"/>
+          </a:fillRef>
+          <a:effectRef idx="0">
+            <a:schemeClr val="accent1"/>
+          </a:effectRef>
+          <a:fontRef idx="minor">
+            <a:schemeClr val="tx1"/>
+          </a:fontRef>
+        </p:style>
+      </p:cxnSp>
+      <p:sp>
+        <p:nvSpPr>
+          <p:cNvPr id="75" name="Rectangle 74">
+            <a:extLst>
+              <a:ext uri="{FF2B5EF4-FFF2-40B4-BE49-F238E27FC236}">
+                <a16:creationId xmlns:a16="http://schemas.microsoft.com/office/drawing/2014/main" id="{445EDE62-80C3-443B-BA76-C27EAF2B8835}"/>
+              </a:ext>
+            </a:extLst>
+          </p:cNvPr>
+          <p:cNvSpPr/>
+          <p:nvPr/>
+        </p:nvSpPr>
+        <p:spPr>
+          <a:xfrm>
+            <a:off x="8628854" y="4083345"/>
+            <a:ext cx="152385" cy="461655"/>
+          </a:xfrm>
+          <a:prstGeom prst="rect">
+            <a:avLst/>
+          </a:prstGeom>
+          <a:solidFill>
+            <a:srgbClr val="7030A0"/>
+          </a:solidFill>
+          <a:ln>
+            <a:solidFill>
+              <a:srgbClr val="7030A0"/>
+            </a:solidFill>
+          </a:ln>
+          <a:effectLst/>
+        </p:spPr>
+        <p:style>
+          <a:lnRef idx="1">
+            <a:schemeClr val="accent3"/>
+          </a:lnRef>
+          <a:fillRef idx="2">
+            <a:schemeClr val="accent3"/>
+          </a:fillRef>
+          <a:effectRef idx="1">
+            <a:schemeClr val="accent3"/>
+          </a:effectRef>
+          <a:fontRef idx="minor">
+            <a:schemeClr val="dk1"/>
+          </a:fontRef>
+        </p:style>
+        <p:txBody>
+          <a:bodyPr rtlCol="0" anchor="ctr"/>
+          <a:lstStyle/>
+          <a:p>
+            <a:pPr algn="ctr"/>
+            <a:endParaRPr lang="en-SG" sz="1400"/>
+          </a:p>
+        </p:txBody>
+      </p:sp>
+      <p:cxnSp>
+        <p:nvCxnSpPr>
+          <p:cNvPr id="76" name="Straight Arrow Connector 75">
+            <a:extLst>
+              <a:ext uri="{FF2B5EF4-FFF2-40B4-BE49-F238E27FC236}">
+                <a16:creationId xmlns:a16="http://schemas.microsoft.com/office/drawing/2014/main" id="{C88F5037-9DC9-4B94-9F5B-0CA716D86E89}"/>
+              </a:ext>
+            </a:extLst>
+          </p:cNvPr>
+          <p:cNvCxnSpPr>
+            <a:cxnSpLocks/>
+          </p:cNvCxnSpPr>
+          <p:nvPr/>
+        </p:nvCxnSpPr>
+        <p:spPr>
+          <a:xfrm>
+            <a:off x="7347802" y="4083346"/>
+            <a:ext cx="1297020" cy="0"/>
+          </a:xfrm>
+          <a:prstGeom prst="straightConnector1">
+            <a:avLst/>
+          </a:prstGeom>
+          <a:ln w="19050">
+            <a:solidFill>
+              <a:srgbClr val="0070C0"/>
+            </a:solidFill>
+            <a:tailEnd type="arrow"/>
+          </a:ln>
+        </p:spPr>
+        <p:style>
+          <a:lnRef idx="1">
+            <a:schemeClr val="accent1"/>
+          </a:lnRef>
+          <a:fillRef idx="0">
+            <a:schemeClr val="accent1"/>
+          </a:fillRef>
+          <a:effectRef idx="0">
+            <a:schemeClr val="accent1"/>
+          </a:effectRef>
+          <a:fontRef idx="minor">
+            <a:schemeClr val="tx1"/>
+          </a:fontRef>
+        </p:style>
+      </p:cxnSp>
+      <p:sp>
+        <p:nvSpPr>
+          <p:cNvPr id="78" name="Rectangle 77">
+            <a:extLst>
+              <a:ext uri="{FF2B5EF4-FFF2-40B4-BE49-F238E27FC236}">
+                <a16:creationId xmlns:a16="http://schemas.microsoft.com/office/drawing/2014/main" id="{E9EF2605-4E39-4646-9585-7171F3F9B005}"/>
+              </a:ext>
+            </a:extLst>
+          </p:cNvPr>
+          <p:cNvSpPr/>
+          <p:nvPr/>
+        </p:nvSpPr>
+        <p:spPr>
+          <a:xfrm>
+            <a:off x="7331834" y="4054011"/>
+            <a:ext cx="1131067" cy="461665"/>
+          </a:xfrm>
+          <a:prstGeom prst="rect">
+            <a:avLst/>
+          </a:prstGeom>
+        </p:spPr>
+        <p:txBody>
+          <a:bodyPr wrap="square">
+            <a:spAutoFit/>
+          </a:bodyPr>
+          <a:lstStyle/>
+          <a:p>
+            <a:r>
+              <a:rPr lang="en-US" sz="1200" dirty="0" err="1">
+                <a:solidFill>
+                  <a:srgbClr val="0070C0"/>
+                </a:solidFill>
+              </a:rPr>
+              <a:t>getFiltered</a:t>
+            </a:r>
+            <a:endParaRPr lang="en-US" sz="1200" dirty="0">
+              <a:solidFill>
+                <a:srgbClr val="0070C0"/>
+              </a:solidFill>
+            </a:endParaRPr>
+          </a:p>
+          <a:p>
+            <a:r>
+              <a:rPr lang="en-US" sz="1200" dirty="0" err="1">
+                <a:solidFill>
+                  <a:srgbClr val="0070C0"/>
+                </a:solidFill>
+              </a:rPr>
+              <a:t>RecordList</a:t>
+            </a:r>
+            <a:r>
+              <a:rPr lang="en-US" sz="1200" dirty="0">
+                <a:solidFill>
+                  <a:srgbClr val="0070C0"/>
+                </a:solidFill>
+              </a:rPr>
+              <a:t>()</a:t>
+            </a:r>
+            <a:endParaRPr lang="en-SG" sz="1200" dirty="0"/>
+          </a:p>
+        </p:txBody>
+      </p:sp>
+      <p:cxnSp>
+        <p:nvCxnSpPr>
+          <p:cNvPr id="79" name="Straight Arrow Connector 78">
+            <a:extLst>
+              <a:ext uri="{FF2B5EF4-FFF2-40B4-BE49-F238E27FC236}">
+                <a16:creationId xmlns:a16="http://schemas.microsoft.com/office/drawing/2014/main" id="{9C28B0EC-A8F3-4BF7-97FB-62398A459D8A}"/>
+              </a:ext>
+            </a:extLst>
+          </p:cNvPr>
+          <p:cNvCxnSpPr>
+            <a:cxnSpLocks/>
+          </p:cNvCxnSpPr>
+          <p:nvPr/>
+        </p:nvCxnSpPr>
+        <p:spPr>
+          <a:xfrm>
+            <a:off x="7331834" y="4545000"/>
+            <a:ext cx="1278176" cy="0"/>
+          </a:xfrm>
+          <a:prstGeom prst="straightConnector1">
+            <a:avLst/>
+          </a:prstGeom>
+          <a:ln w="19050">
+            <a:solidFill>
+              <a:srgbClr val="7030A0"/>
+            </a:solidFill>
+            <a:prstDash val="sysDash"/>
+            <a:headEnd type="arrow" w="med" len="med"/>
+            <a:tailEnd type="none" w="med" len="med"/>
+          </a:ln>
+        </p:spPr>
+        <p:style>
+          <a:lnRef idx="1">
+            <a:schemeClr val="accent1"/>
+          </a:lnRef>
+          <a:fillRef idx="0">
+            <a:schemeClr val="accent1"/>
+          </a:fillRef>
+          <a:effectRef idx="0">
+            <a:schemeClr val="accent1"/>
+          </a:effectRef>
+          <a:fontRef idx="minor">
+            <a:schemeClr val="tx1"/>
+          </a:fontRef>
+        </p:style>
+      </p:cxnSp>
+      <p:sp>
+        <p:nvSpPr>
+          <p:cNvPr id="80" name="TextBox 79">
+            <a:extLst>
+              <a:ext uri="{FF2B5EF4-FFF2-40B4-BE49-F238E27FC236}">
+                <a16:creationId xmlns:a16="http://schemas.microsoft.com/office/drawing/2014/main" id="{CE1C60F2-E362-4D7F-BE58-367953074310}"/>
+              </a:ext>
+            </a:extLst>
+          </p:cNvPr>
+          <p:cNvSpPr txBox="1"/>
+          <p:nvPr/>
+        </p:nvSpPr>
+        <p:spPr>
+          <a:xfrm>
+            <a:off x="7837366" y="4561836"/>
+            <a:ext cx="152400" cy="184666"/>
+          </a:xfrm>
+          <a:prstGeom prst="rect">
+            <a:avLst/>
+          </a:prstGeom>
+          <a:noFill/>
+          <a:ln>
+            <a:noFill/>
+          </a:ln>
+        </p:spPr>
+        <p:txBody>
+          <a:bodyPr wrap="square" lIns="0" tIns="0" rIns="0" bIns="0" rtlCol="0">
+            <a:spAutoFit/>
+          </a:bodyPr>
+          <a:lstStyle>
+            <a:defPPr>
+              <a:defRPr lang="en-US"/>
+            </a:defPPr>
+            <a:lvl1pPr algn="r">
+              <a:defRPr sz="1400">
+                <a:solidFill>
+                  <a:srgbClr val="0070C0"/>
+                </a:solidFill>
+              </a:defRPr>
+            </a:lvl1pPr>
+          </a:lstStyle>
+          <a:p>
+            <a:r>
+              <a:rPr lang="en-US" sz="1200" dirty="0" err="1">
+                <a:solidFill>
+                  <a:schemeClr val="accent4">
+                    <a:lumMod val="75000"/>
+                  </a:schemeClr>
+                </a:solidFill>
+              </a:rPr>
+              <a:t>rl</a:t>
+            </a:r>
+            <a:endParaRPr lang="en-US" sz="1200" dirty="0">
+              <a:solidFill>
+                <a:schemeClr val="accent4">
+                  <a:lumMod val="75000"/>
+                </a:schemeClr>
+              </a:solidFill>
+            </a:endParaRPr>
+          </a:p>
+        </p:txBody>
+      </p:sp>
+      <p:sp>
+        <p:nvSpPr>
+          <p:cNvPr id="81" name="Rectangle 62">
+            <a:extLst>
+              <a:ext uri="{FF2B5EF4-FFF2-40B4-BE49-F238E27FC236}">
+                <a16:creationId xmlns:a16="http://schemas.microsoft.com/office/drawing/2014/main" id="{9F84A489-5E89-4BD5-ABCC-84B844CBDFEF}"/>
+              </a:ext>
+            </a:extLst>
+          </p:cNvPr>
+          <p:cNvSpPr/>
+          <p:nvPr/>
+        </p:nvSpPr>
+        <p:spPr>
+          <a:xfrm>
+            <a:off x="9121038" y="4343409"/>
+            <a:ext cx="1116951" cy="914391"/>
+          </a:xfrm>
+          <a:prstGeom prst="rect">
+            <a:avLst/>
+          </a:prstGeom>
+          <a:solidFill>
+            <a:srgbClr val="7030A0"/>
+          </a:solidFill>
+          <a:ln w="19050">
+            <a:solidFill>
+              <a:srgbClr val="7030A0"/>
+            </a:solidFill>
+          </a:ln>
+          <a:effectLst/>
+        </p:spPr>
+        <p:style>
+          <a:lnRef idx="1">
+            <a:schemeClr val="accent2"/>
+          </a:lnRef>
+          <a:fillRef idx="2">
+            <a:schemeClr val="accent2"/>
+          </a:fillRef>
+          <a:effectRef idx="1">
+            <a:schemeClr val="accent2"/>
+          </a:effectRef>
+          <a:fontRef idx="minor">
+            <a:schemeClr val="dk1"/>
+          </a:fontRef>
+        </p:style>
+        <p:txBody>
+          <a:bodyPr rtlCol="0" anchor="ctr"/>
+          <a:lstStyle/>
+          <a:p>
+            <a:pPr algn="ctr"/>
+            <a:r>
+              <a:rPr lang="en-US" sz="1600" dirty="0" err="1">
+                <a:solidFill>
+                  <a:schemeClr val="bg1"/>
+                </a:solidFill>
+              </a:rPr>
+              <a:t>csl</a:t>
+            </a:r>
+            <a:r>
+              <a:rPr lang="en-US" sz="1600" dirty="0">
+                <a:solidFill>
+                  <a:schemeClr val="bg1"/>
+                </a:solidFill>
+              </a:rPr>
+              <a:t>: Category</a:t>
+            </a:r>
+          </a:p>
+          <a:p>
+            <a:pPr algn="ctr"/>
+            <a:r>
+              <a:rPr lang="en-US" sz="1600" dirty="0">
+                <a:solidFill>
+                  <a:schemeClr val="bg1"/>
+                </a:solidFill>
+              </a:rPr>
+              <a:t>Statistics</a:t>
+            </a:r>
+          </a:p>
+          <a:p>
+            <a:pPr algn="ctr"/>
+            <a:r>
+              <a:rPr lang="en-US" sz="1600" dirty="0">
+                <a:solidFill>
+                  <a:schemeClr val="bg1"/>
+                </a:solidFill>
+              </a:rPr>
+              <a:t>List</a:t>
+            </a:r>
+            <a:endParaRPr lang="en-SG" sz="1600" dirty="0">
+              <a:solidFill>
+                <a:schemeClr val="bg1"/>
+              </a:solidFill>
+            </a:endParaRPr>
+          </a:p>
+        </p:txBody>
+      </p:sp>
+      <p:cxnSp>
+        <p:nvCxnSpPr>
+          <p:cNvPr id="83" name="Straight Arrow Connector 82">
+            <a:extLst>
+              <a:ext uri="{FF2B5EF4-FFF2-40B4-BE49-F238E27FC236}">
+                <a16:creationId xmlns:a16="http://schemas.microsoft.com/office/drawing/2014/main" id="{CDE97BE7-FD33-403C-84AA-8F37D82BBCA1}"/>
+              </a:ext>
+            </a:extLst>
+          </p:cNvPr>
+          <p:cNvCxnSpPr>
+            <a:cxnSpLocks/>
+          </p:cNvCxnSpPr>
+          <p:nvPr/>
+        </p:nvCxnSpPr>
+        <p:spPr>
+          <a:xfrm>
+            <a:off x="7347802" y="4943038"/>
+            <a:ext cx="1773236" cy="0"/>
+          </a:xfrm>
+          <a:prstGeom prst="straightConnector1">
+            <a:avLst/>
+          </a:prstGeom>
+          <a:ln w="19050">
+            <a:solidFill>
+              <a:srgbClr val="0070C0"/>
+            </a:solidFill>
+            <a:tailEnd type="arrow"/>
+          </a:ln>
+        </p:spPr>
+        <p:style>
+          <a:lnRef idx="1">
+            <a:schemeClr val="accent1"/>
+          </a:lnRef>
+          <a:fillRef idx="0">
+            <a:schemeClr val="accent1"/>
+          </a:fillRef>
+          <a:effectRef idx="0">
+            <a:schemeClr val="accent1"/>
+          </a:effectRef>
+          <a:fontRef idx="minor">
+            <a:schemeClr val="tx1"/>
+          </a:fontRef>
+        </p:style>
+      </p:cxnSp>
+      <p:sp>
+        <p:nvSpPr>
+          <p:cNvPr id="87" name="Rectangle 86">
+            <a:extLst>
+              <a:ext uri="{FF2B5EF4-FFF2-40B4-BE49-F238E27FC236}">
+                <a16:creationId xmlns:a16="http://schemas.microsoft.com/office/drawing/2014/main" id="{A1E36DF5-9B3C-400E-9A38-61323396CF19}"/>
+              </a:ext>
+            </a:extLst>
+          </p:cNvPr>
+          <p:cNvSpPr/>
+          <p:nvPr/>
+        </p:nvSpPr>
+        <p:spPr>
+          <a:xfrm>
+            <a:off x="7467840" y="4869839"/>
+            <a:ext cx="1313399" cy="461665"/>
+          </a:xfrm>
+          <a:prstGeom prst="rect">
+            <a:avLst/>
+          </a:prstGeom>
+        </p:spPr>
+        <p:txBody>
+          <a:bodyPr wrap="square">
+            <a:spAutoFit/>
+          </a:bodyPr>
+          <a:lstStyle/>
+          <a:p>
+            <a:r>
+              <a:rPr lang="en-US" sz="1200" dirty="0" err="1">
+                <a:solidFill>
+                  <a:srgbClr val="0070C0"/>
+                </a:solidFill>
+              </a:rPr>
+              <a:t>CategoryStatisticsList</a:t>
+            </a:r>
+            <a:r>
+              <a:rPr lang="en-US" sz="1200" dirty="0">
+                <a:solidFill>
+                  <a:srgbClr val="0070C0"/>
+                </a:solidFill>
+              </a:rPr>
+              <a:t>(</a:t>
+            </a:r>
+            <a:r>
+              <a:rPr lang="en-US" sz="1200" dirty="0" err="1">
+                <a:solidFill>
+                  <a:srgbClr val="0070C0"/>
+                </a:solidFill>
+              </a:rPr>
+              <a:t>rl</a:t>
+            </a:r>
+            <a:r>
+              <a:rPr lang="en-US" sz="1200" dirty="0">
+                <a:solidFill>
+                  <a:srgbClr val="0070C0"/>
+                </a:solidFill>
+              </a:rPr>
+              <a:t>)</a:t>
+            </a:r>
+            <a:endParaRPr lang="en-SG" sz="1200" dirty="0"/>
+          </a:p>
+        </p:txBody>
+      </p:sp>
+      <p:sp>
+        <p:nvSpPr>
+          <p:cNvPr id="90" name="Rectangle 89">
+            <a:extLst>
+              <a:ext uri="{FF2B5EF4-FFF2-40B4-BE49-F238E27FC236}">
+                <a16:creationId xmlns:a16="http://schemas.microsoft.com/office/drawing/2014/main" id="{3EBAAFD6-1626-4160-8658-616AC33E2EFD}"/>
+              </a:ext>
+            </a:extLst>
+          </p:cNvPr>
+          <p:cNvSpPr/>
+          <p:nvPr/>
+        </p:nvSpPr>
+        <p:spPr>
+          <a:xfrm>
+            <a:off x="9606073" y="5662926"/>
+            <a:ext cx="152385" cy="509269"/>
+          </a:xfrm>
+          <a:prstGeom prst="rect">
+            <a:avLst/>
+          </a:prstGeom>
+          <a:solidFill>
+            <a:srgbClr val="7030A0"/>
+          </a:solidFill>
+          <a:ln>
+            <a:solidFill>
+              <a:srgbClr val="7030A0"/>
+            </a:solidFill>
+          </a:ln>
+          <a:effectLst/>
+        </p:spPr>
+        <p:style>
+          <a:lnRef idx="1">
+            <a:schemeClr val="accent3"/>
+          </a:lnRef>
+          <a:fillRef idx="2">
+            <a:schemeClr val="accent3"/>
+          </a:fillRef>
+          <a:effectRef idx="1">
+            <a:schemeClr val="accent3"/>
+          </a:effectRef>
+          <a:fontRef idx="minor">
+            <a:schemeClr val="dk1"/>
+          </a:fontRef>
+        </p:style>
+        <p:txBody>
+          <a:bodyPr rtlCol="0" anchor="ctr"/>
+          <a:lstStyle/>
+          <a:p>
+            <a:pPr algn="ctr"/>
+            <a:endParaRPr lang="en-SG" sz="1400"/>
+          </a:p>
+        </p:txBody>
+      </p:sp>
+      <p:cxnSp>
+        <p:nvCxnSpPr>
+          <p:cNvPr id="92" name="Straight Arrow Connector 91">
+            <a:extLst>
+              <a:ext uri="{FF2B5EF4-FFF2-40B4-BE49-F238E27FC236}">
+                <a16:creationId xmlns:a16="http://schemas.microsoft.com/office/drawing/2014/main" id="{B8F1E340-9456-4DDC-AD08-D7FEDB0C3D66}"/>
+              </a:ext>
+            </a:extLst>
+          </p:cNvPr>
+          <p:cNvCxnSpPr>
+            <a:cxnSpLocks/>
+          </p:cNvCxnSpPr>
+          <p:nvPr/>
+        </p:nvCxnSpPr>
+        <p:spPr>
+          <a:xfrm>
+            <a:off x="7344458" y="5664394"/>
+            <a:ext cx="2256742" cy="0"/>
+          </a:xfrm>
+          <a:prstGeom prst="straightConnector1">
+            <a:avLst/>
+          </a:prstGeom>
+          <a:ln w="19050">
+            <a:solidFill>
+              <a:srgbClr val="0070C0"/>
+            </a:solidFill>
+            <a:tailEnd type="arrow"/>
+          </a:ln>
+        </p:spPr>
+        <p:style>
+          <a:lnRef idx="1">
+            <a:schemeClr val="accent1"/>
+          </a:lnRef>
+          <a:fillRef idx="0">
+            <a:schemeClr val="accent1"/>
+          </a:fillRef>
+          <a:effectRef idx="0">
+            <a:schemeClr val="accent1"/>
+          </a:effectRef>
+          <a:fontRef idx="minor">
+            <a:schemeClr val="tx1"/>
+          </a:fontRef>
+        </p:style>
+      </p:cxnSp>
+      <p:sp>
+        <p:nvSpPr>
+          <p:cNvPr id="95" name="Rectangle 94">
+            <a:extLst>
+              <a:ext uri="{FF2B5EF4-FFF2-40B4-BE49-F238E27FC236}">
+                <a16:creationId xmlns:a16="http://schemas.microsoft.com/office/drawing/2014/main" id="{B3AC3825-1D44-43CA-AA3F-2BD49B9F48D5}"/>
+              </a:ext>
+            </a:extLst>
+          </p:cNvPr>
+          <p:cNvSpPr/>
+          <p:nvPr/>
+        </p:nvSpPr>
+        <p:spPr>
+          <a:xfrm>
+            <a:off x="7638239" y="5775595"/>
+            <a:ext cx="1313399" cy="276999"/>
+          </a:xfrm>
+          <a:prstGeom prst="rect">
+            <a:avLst/>
+          </a:prstGeom>
+        </p:spPr>
+        <p:txBody>
+          <a:bodyPr wrap="square">
+            <a:spAutoFit/>
+          </a:bodyPr>
+          <a:lstStyle/>
+          <a:p>
+            <a:endParaRPr lang="en-SG" sz="1200" dirty="0"/>
+          </a:p>
+        </p:txBody>
+      </p:sp>
+      <p:sp>
+        <p:nvSpPr>
+          <p:cNvPr id="96" name="Rectangle 95">
+            <a:extLst>
+              <a:ext uri="{FF2B5EF4-FFF2-40B4-BE49-F238E27FC236}">
+                <a16:creationId xmlns:a16="http://schemas.microsoft.com/office/drawing/2014/main" id="{07312BF2-8480-4936-BD1B-E1BA45A48C24}"/>
+              </a:ext>
+            </a:extLst>
+          </p:cNvPr>
+          <p:cNvSpPr/>
+          <p:nvPr/>
+        </p:nvSpPr>
+        <p:spPr>
+          <a:xfrm>
+            <a:off x="7772400" y="5657846"/>
+            <a:ext cx="1600200" cy="276999"/>
+          </a:xfrm>
+          <a:prstGeom prst="rect">
+            <a:avLst/>
+          </a:prstGeom>
+        </p:spPr>
+        <p:txBody>
+          <a:bodyPr wrap="square">
+            <a:spAutoFit/>
+          </a:bodyPr>
+          <a:lstStyle/>
+          <a:p>
+            <a:r>
+              <a:rPr lang="en-SG" sz="1200" dirty="0" err="1">
+                <a:solidFill>
+                  <a:srgbClr val="0070C0"/>
+                </a:solidFill>
+              </a:rPr>
+              <a:t>getReadOnlyStatsList</a:t>
+            </a:r>
+            <a:r>
+              <a:rPr lang="en-SG" sz="1200" dirty="0">
+                <a:solidFill>
+                  <a:srgbClr val="0070C0"/>
+                </a:solidFill>
+              </a:rPr>
+              <a:t>()</a:t>
+            </a:r>
+          </a:p>
+        </p:txBody>
+      </p:sp>
+      <p:cxnSp>
+        <p:nvCxnSpPr>
+          <p:cNvPr id="97" name="Straight Arrow Connector 96">
+            <a:extLst>
+              <a:ext uri="{FF2B5EF4-FFF2-40B4-BE49-F238E27FC236}">
+                <a16:creationId xmlns:a16="http://schemas.microsoft.com/office/drawing/2014/main" id="{795768ED-770B-4B7D-A7E8-BF8E69C3291B}"/>
+              </a:ext>
+            </a:extLst>
+          </p:cNvPr>
+          <p:cNvCxnSpPr>
+            <a:cxnSpLocks/>
+          </p:cNvCxnSpPr>
+          <p:nvPr/>
+        </p:nvCxnSpPr>
+        <p:spPr>
+          <a:xfrm>
+            <a:off x="7347802" y="6158344"/>
+            <a:ext cx="2226013" cy="0"/>
+          </a:xfrm>
+          <a:prstGeom prst="straightConnector1">
+            <a:avLst/>
+          </a:prstGeom>
+          <a:ln w="19050">
+            <a:solidFill>
+              <a:srgbClr val="7030A0"/>
+            </a:solidFill>
+            <a:prstDash val="sysDash"/>
+            <a:headEnd type="arrow" w="med" len="med"/>
+            <a:tailEnd type="none" w="med" len="med"/>
+          </a:ln>
+        </p:spPr>
+        <p:style>
+          <a:lnRef idx="1">
+            <a:schemeClr val="accent1"/>
+          </a:lnRef>
+          <a:fillRef idx="0">
+            <a:schemeClr val="accent1"/>
+          </a:fillRef>
+          <a:effectRef idx="0">
+            <a:schemeClr val="accent1"/>
+          </a:effectRef>
+          <a:fontRef idx="minor">
+            <a:schemeClr val="tx1"/>
+          </a:fontRef>
+        </p:style>
+      </p:cxnSp>
+      <p:sp>
+        <p:nvSpPr>
+          <p:cNvPr id="99" name="TextBox 98">
+            <a:extLst>
+              <a:ext uri="{FF2B5EF4-FFF2-40B4-BE49-F238E27FC236}">
+                <a16:creationId xmlns:a16="http://schemas.microsoft.com/office/drawing/2014/main" id="{414AA87E-4B2D-43A2-8D03-992EFB178D9C}"/>
+              </a:ext>
+            </a:extLst>
+          </p:cNvPr>
+          <p:cNvSpPr txBox="1"/>
+          <p:nvPr/>
+        </p:nvSpPr>
+        <p:spPr>
+          <a:xfrm>
+            <a:off x="8302080" y="5970099"/>
+            <a:ext cx="537119" cy="184666"/>
+          </a:xfrm>
+          <a:prstGeom prst="rect">
+            <a:avLst/>
+          </a:prstGeom>
+          <a:noFill/>
+          <a:ln>
+            <a:noFill/>
+          </a:ln>
+        </p:spPr>
+        <p:txBody>
+          <a:bodyPr wrap="square" lIns="0" tIns="0" rIns="0" bIns="0" rtlCol="0">
+            <a:spAutoFit/>
+          </a:bodyPr>
+          <a:lstStyle>
+            <a:defPPr>
+              <a:defRPr lang="en-US"/>
+            </a:defPPr>
+            <a:lvl1pPr algn="r">
+              <a:defRPr sz="1400">
+                <a:solidFill>
+                  <a:srgbClr val="0070C0"/>
+                </a:solidFill>
+              </a:defRPr>
+            </a:lvl1pPr>
+          </a:lstStyle>
+          <a:p>
+            <a:r>
+              <a:rPr lang="en-US" sz="1200" dirty="0" err="1">
+                <a:solidFill>
+                  <a:schemeClr val="accent4">
+                    <a:lumMod val="75000"/>
+                  </a:schemeClr>
+                </a:solidFill>
+              </a:rPr>
+              <a:t>statsList</a:t>
+            </a:r>
+            <a:endParaRPr lang="en-US" sz="1200" dirty="0">
+              <a:solidFill>
+                <a:schemeClr val="accent4">
+                  <a:lumMod val="75000"/>
+                </a:schemeClr>
+              </a:solidFill>
+            </a:endParaRPr>
+          </a:p>
+        </p:txBody>
+      </p:sp>
+      <p:sp>
+        <p:nvSpPr>
+          <p:cNvPr id="100" name="TextBox 99">
+            <a:extLst>
+              <a:ext uri="{FF2B5EF4-FFF2-40B4-BE49-F238E27FC236}">
+                <a16:creationId xmlns:a16="http://schemas.microsoft.com/office/drawing/2014/main" id="{8420F57F-0179-4575-BCEF-5CD43288E9BA}"/>
+              </a:ext>
+            </a:extLst>
+          </p:cNvPr>
+          <p:cNvSpPr txBox="1"/>
+          <p:nvPr/>
+        </p:nvSpPr>
+        <p:spPr>
+          <a:xfrm>
+            <a:off x="9549515" y="6207755"/>
+            <a:ext cx="258404" cy="261610"/>
+          </a:xfrm>
+          <a:prstGeom prst="rect">
+            <a:avLst/>
+          </a:prstGeom>
+          <a:noFill/>
+        </p:spPr>
+        <p:txBody>
+          <a:bodyPr wrap="none" rtlCol="0">
+            <a:spAutoFit/>
+          </a:bodyPr>
+          <a:lstStyle/>
+          <a:p>
+            <a:r>
+              <a:rPr lang="en-SG" sz="1100" dirty="0">
+                <a:solidFill>
+                  <a:srgbClr val="002060"/>
+                </a:solidFill>
+              </a:rPr>
+              <a:t>X</a:t>
+            </a:r>
+          </a:p>
+        </p:txBody>
+      </p:sp>
+      <p:cxnSp>
+        <p:nvCxnSpPr>
+          <p:cNvPr id="101" name="Straight Arrow Connector 100">
+            <a:extLst>
+              <a:ext uri="{FF2B5EF4-FFF2-40B4-BE49-F238E27FC236}">
+                <a16:creationId xmlns:a16="http://schemas.microsoft.com/office/drawing/2014/main" id="{F14E6C7A-6DE8-43B6-9726-880E27AB6802}"/>
+              </a:ext>
+            </a:extLst>
+          </p:cNvPr>
+          <p:cNvCxnSpPr>
+            <a:cxnSpLocks/>
+          </p:cNvCxnSpPr>
+          <p:nvPr/>
+        </p:nvCxnSpPr>
+        <p:spPr>
+          <a:xfrm>
+            <a:off x="7344458" y="6553200"/>
+            <a:ext cx="3894242" cy="0"/>
+          </a:xfrm>
+          <a:prstGeom prst="straightConnector1">
+            <a:avLst/>
+          </a:prstGeom>
+          <a:ln w="19050">
+            <a:solidFill>
+              <a:srgbClr val="0070C0"/>
+            </a:solidFill>
+            <a:tailEnd type="arrow"/>
+          </a:ln>
+        </p:spPr>
+        <p:style>
+          <a:lnRef idx="1">
+            <a:schemeClr val="accent1"/>
+          </a:lnRef>
+          <a:fillRef idx="0">
+            <a:schemeClr val="accent1"/>
+          </a:fillRef>
+          <a:effectRef idx="0">
+            <a:schemeClr val="accent1"/>
+          </a:effectRef>
+          <a:fontRef idx="minor">
+            <a:schemeClr val="tx1"/>
+          </a:fontRef>
+        </p:style>
+      </p:cxnSp>
+      <p:sp>
+        <p:nvSpPr>
+          <p:cNvPr id="104" name="Rectangle 103">
+            <a:extLst>
+              <a:ext uri="{FF2B5EF4-FFF2-40B4-BE49-F238E27FC236}">
+                <a16:creationId xmlns:a16="http://schemas.microsoft.com/office/drawing/2014/main" id="{347EAFA5-F90A-49F0-A2AE-6D93714BF3CE}"/>
+              </a:ext>
+            </a:extLst>
+          </p:cNvPr>
+          <p:cNvSpPr/>
+          <p:nvPr/>
+        </p:nvSpPr>
+        <p:spPr>
+          <a:xfrm>
+            <a:off x="7710097" y="6309479"/>
+            <a:ext cx="3076862" cy="276999"/>
+          </a:xfrm>
+          <a:prstGeom prst="rect">
+            <a:avLst/>
+          </a:prstGeom>
+        </p:spPr>
+        <p:txBody>
+          <a:bodyPr wrap="square">
+            <a:spAutoFit/>
+          </a:bodyPr>
+          <a:lstStyle/>
+          <a:p>
+            <a:r>
+              <a:rPr lang="en-SG" sz="1200" dirty="0">
+                <a:solidFill>
+                  <a:srgbClr val="0070C0"/>
+                </a:solidFill>
+              </a:rPr>
+              <a:t>post new </a:t>
+            </a:r>
+            <a:r>
+              <a:rPr lang="en-SG" sz="1200" dirty="0" err="1">
+                <a:solidFill>
+                  <a:srgbClr val="0070C0"/>
+                </a:solidFill>
+              </a:rPr>
+              <a:t>ShowPieChartStatsEvent</a:t>
+            </a:r>
+            <a:r>
+              <a:rPr lang="en-SG" sz="1200" dirty="0">
+                <a:solidFill>
+                  <a:srgbClr val="0070C0"/>
+                </a:solidFill>
+              </a:rPr>
+              <a:t>(</a:t>
+            </a:r>
+            <a:r>
+              <a:rPr lang="en-SG" sz="1200" dirty="0" err="1">
+                <a:solidFill>
+                  <a:srgbClr val="0070C0"/>
+                </a:solidFill>
+              </a:rPr>
+              <a:t>statsList</a:t>
+            </a:r>
+            <a:r>
+              <a:rPr lang="en-SG" sz="1200" dirty="0">
+                <a:solidFill>
+                  <a:srgbClr val="0070C0"/>
+                </a:solidFill>
+              </a:rPr>
+              <a:t>)</a:t>
+            </a:r>
+          </a:p>
+        </p:txBody>
+      </p:sp>
+      <p:cxnSp>
+        <p:nvCxnSpPr>
+          <p:cNvPr id="105" name="Straight Arrow Connector 104">
+            <a:extLst>
+              <a:ext uri="{FF2B5EF4-FFF2-40B4-BE49-F238E27FC236}">
+                <a16:creationId xmlns:a16="http://schemas.microsoft.com/office/drawing/2014/main" id="{86ED13DA-FB8A-42E4-B2BF-7337ABF7BBF2}"/>
+              </a:ext>
+            </a:extLst>
+          </p:cNvPr>
+          <p:cNvCxnSpPr>
+            <a:cxnSpLocks/>
+          </p:cNvCxnSpPr>
+          <p:nvPr/>
+        </p:nvCxnSpPr>
+        <p:spPr>
+          <a:xfrm>
+            <a:off x="727659" y="6858000"/>
+            <a:ext cx="6435141" cy="0"/>
+          </a:xfrm>
+          <a:prstGeom prst="straightConnector1">
+            <a:avLst/>
+          </a:prstGeom>
+          <a:ln w="19050">
+            <a:solidFill>
+              <a:srgbClr val="0070C0"/>
+            </a:solidFill>
+            <a:prstDash val="sysDash"/>
+            <a:headEnd type="arrow" w="med" len="med"/>
+            <a:tailEnd type="none" w="med" len="med"/>
+          </a:ln>
+        </p:spPr>
+        <p:style>
+          <a:lnRef idx="1">
+            <a:schemeClr val="accent1"/>
+          </a:lnRef>
+          <a:fillRef idx="0">
+            <a:schemeClr val="accent1"/>
+          </a:fillRef>
+          <a:effectRef idx="0">
+            <a:schemeClr val="accent1"/>
+          </a:effectRef>
+          <a:fontRef idx="minor">
+            <a:schemeClr val="tx1"/>
+          </a:fontRef>
+        </p:style>
+      </p:cxnSp>
+      <p:sp>
+        <p:nvSpPr>
+          <p:cNvPr id="107" name="Rectangle 106">
+            <a:extLst>
+              <a:ext uri="{FF2B5EF4-FFF2-40B4-BE49-F238E27FC236}">
+                <a16:creationId xmlns:a16="http://schemas.microsoft.com/office/drawing/2014/main" id="{FD37C6F2-7F83-4EDB-BEBE-29FDB0153EFE}"/>
+              </a:ext>
+            </a:extLst>
+          </p:cNvPr>
+          <p:cNvSpPr/>
+          <p:nvPr/>
+        </p:nvSpPr>
+        <p:spPr>
+          <a:xfrm>
+            <a:off x="3544508" y="6503248"/>
+            <a:ext cx="718658" cy="369332"/>
+          </a:xfrm>
+          <a:prstGeom prst="rect">
+            <a:avLst/>
+          </a:prstGeom>
+        </p:spPr>
+        <p:txBody>
+          <a:bodyPr wrap="none">
+            <a:spAutoFit/>
+          </a:bodyPr>
+          <a:lstStyle/>
+          <a:p>
+            <a:r>
+              <a:rPr lang="en-US" dirty="0">
+                <a:solidFill>
+                  <a:srgbClr val="0070C0"/>
+                </a:solidFill>
+              </a:rPr>
+              <a:t>result</a:t>
+            </a:r>
+            <a:endParaRPr lang="en-SG" dirty="0"/>
+          </a:p>
+        </p:txBody>
+      </p:sp>
+      <p:sp>
+        <p:nvSpPr>
+          <p:cNvPr id="108" name="Rectangle 107">
+            <a:extLst>
+              <a:ext uri="{FF2B5EF4-FFF2-40B4-BE49-F238E27FC236}">
+                <a16:creationId xmlns:a16="http://schemas.microsoft.com/office/drawing/2014/main" id="{E5485995-E3BD-4FBC-8723-8AD5064BEA64}"/>
+              </a:ext>
+            </a:extLst>
+          </p:cNvPr>
+          <p:cNvSpPr/>
+          <p:nvPr/>
+        </p:nvSpPr>
+        <p:spPr>
+          <a:xfrm>
+            <a:off x="-1040094" y="6717266"/>
+            <a:ext cx="718658" cy="369332"/>
+          </a:xfrm>
+          <a:prstGeom prst="rect">
+            <a:avLst/>
+          </a:prstGeom>
+        </p:spPr>
+        <p:txBody>
+          <a:bodyPr wrap="none">
+            <a:spAutoFit/>
+          </a:bodyPr>
+          <a:lstStyle/>
+          <a:p>
+            <a:r>
+              <a:rPr lang="en-US" dirty="0">
+                <a:solidFill>
+                  <a:srgbClr val="0070C0"/>
+                </a:solidFill>
+              </a:rPr>
+              <a:t>result</a:t>
+            </a:r>
+            <a:endParaRPr lang="en-SG" dirty="0"/>
+          </a:p>
+        </p:txBody>
+      </p:sp>
+      <p:sp>
+        <p:nvSpPr>
+          <p:cNvPr id="109" name="TextBox 108">
+            <a:extLst>
+              <a:ext uri="{FF2B5EF4-FFF2-40B4-BE49-F238E27FC236}">
+                <a16:creationId xmlns:a16="http://schemas.microsoft.com/office/drawing/2014/main" id="{65152057-F95C-4B78-B659-3E0876B9C223}"/>
+              </a:ext>
+            </a:extLst>
+          </p:cNvPr>
+          <p:cNvSpPr txBox="1"/>
+          <p:nvPr/>
+        </p:nvSpPr>
+        <p:spPr>
+          <a:xfrm>
+            <a:off x="7132996" y="7042996"/>
+            <a:ext cx="258404" cy="261610"/>
+          </a:xfrm>
+          <a:prstGeom prst="rect">
+            <a:avLst/>
+          </a:prstGeom>
+          <a:noFill/>
+        </p:spPr>
+        <p:txBody>
+          <a:bodyPr wrap="none" rtlCol="0">
+            <a:spAutoFit/>
+          </a:bodyPr>
+          <a:lstStyle/>
+          <a:p>
+            <a:r>
+              <a:rPr lang="en-SG" sz="1100" dirty="0">
+                <a:solidFill>
+                  <a:srgbClr val="002060"/>
+                </a:solidFill>
+              </a:rPr>
+              <a:t>X</a:t>
+            </a:r>
+          </a:p>
+        </p:txBody>
+      </p:sp>
+      <p:cxnSp>
+        <p:nvCxnSpPr>
+          <p:cNvPr id="110" name="Straight Connector 109">
+            <a:extLst>
+              <a:ext uri="{FF2B5EF4-FFF2-40B4-BE49-F238E27FC236}">
+                <a16:creationId xmlns:a16="http://schemas.microsoft.com/office/drawing/2014/main" id="{EEDC1608-BBAB-47C6-BE9E-8B02DBF1346B}"/>
+              </a:ext>
+            </a:extLst>
+          </p:cNvPr>
+          <p:cNvCxnSpPr>
+            <a:cxnSpLocks/>
+          </p:cNvCxnSpPr>
+          <p:nvPr/>
+        </p:nvCxnSpPr>
+        <p:spPr>
+          <a:xfrm>
+            <a:off x="637841" y="6901932"/>
+            <a:ext cx="0" cy="489468"/>
+          </a:xfrm>
+          <a:prstGeom prst="line">
+            <a:avLst/>
+          </a:prstGeom>
+          <a:ln w="19050">
+            <a:solidFill>
+              <a:srgbClr val="0070C0"/>
+            </a:solidFill>
+            <a:prstDash val="sysDash"/>
+          </a:ln>
+          <a:effectLst/>
+        </p:spPr>
+        <p:style>
+          <a:lnRef idx="1">
+            <a:schemeClr val="accent1"/>
+          </a:lnRef>
+          <a:fillRef idx="2">
+            <a:schemeClr val="accent1"/>
+          </a:fillRef>
+          <a:effectRef idx="1">
+            <a:schemeClr val="accent1"/>
+          </a:effectRef>
+          <a:fontRef idx="minor">
+            <a:schemeClr val="dk1"/>
+          </a:fontRef>
+        </p:style>
+      </p:cxnSp>
+      <p:cxnSp>
+        <p:nvCxnSpPr>
+          <p:cNvPr id="117" name="Straight Connector 116">
+            <a:extLst>
+              <a:ext uri="{FF2B5EF4-FFF2-40B4-BE49-F238E27FC236}">
+                <a16:creationId xmlns:a16="http://schemas.microsoft.com/office/drawing/2014/main" id="{B67ABB3B-386E-4D34-B1EF-60F1D5DE50FF}"/>
+              </a:ext>
+            </a:extLst>
+          </p:cNvPr>
+          <p:cNvCxnSpPr>
+            <a:cxnSpLocks/>
+            <a:stCxn id="22" idx="2"/>
+            <a:endCxn id="46" idx="0"/>
+          </p:cNvCxnSpPr>
+          <p:nvPr/>
+        </p:nvCxnSpPr>
+        <p:spPr>
+          <a:xfrm flipH="1">
+            <a:off x="4929802" y="1981197"/>
+            <a:ext cx="8913" cy="1093386"/>
+          </a:xfrm>
+          <a:prstGeom prst="line">
+            <a:avLst/>
+          </a:prstGeom>
+          <a:ln w="19050">
+            <a:solidFill>
+              <a:srgbClr val="0070C0"/>
+            </a:solidFill>
+            <a:prstDash val="sysDash"/>
+          </a:ln>
+          <a:effectLst/>
+        </p:spPr>
+        <p:style>
+          <a:lnRef idx="1">
+            <a:schemeClr val="accent1"/>
+          </a:lnRef>
+          <a:fillRef idx="2">
+            <a:schemeClr val="accent1"/>
+          </a:fillRef>
+          <a:effectRef idx="1">
+            <a:schemeClr val="accent1"/>
+          </a:effectRef>
+          <a:fontRef idx="minor">
+            <a:schemeClr val="dk1"/>
+          </a:fontRef>
+        </p:style>
+      </p:cxnSp>
+      <p:cxnSp>
+        <p:nvCxnSpPr>
+          <p:cNvPr id="130" name="Straight Connector 129">
+            <a:extLst>
+              <a:ext uri="{FF2B5EF4-FFF2-40B4-BE49-F238E27FC236}">
+                <a16:creationId xmlns:a16="http://schemas.microsoft.com/office/drawing/2014/main" id="{74CFA46C-A0B8-40A2-93B8-5AA0FB9CFACB}"/>
+              </a:ext>
+            </a:extLst>
+          </p:cNvPr>
+          <p:cNvCxnSpPr>
+            <a:cxnSpLocks/>
+            <a:stCxn id="39" idx="2"/>
+            <a:endCxn id="109" idx="0"/>
+          </p:cNvCxnSpPr>
+          <p:nvPr/>
+        </p:nvCxnSpPr>
+        <p:spPr>
+          <a:xfrm flipH="1">
+            <a:off x="7262198" y="2895594"/>
+            <a:ext cx="12280" cy="4147402"/>
+          </a:xfrm>
+          <a:prstGeom prst="line">
+            <a:avLst/>
+          </a:prstGeom>
+          <a:ln w="19050">
+            <a:solidFill>
+              <a:srgbClr val="0070C0"/>
+            </a:solidFill>
+            <a:prstDash val="sysDash"/>
+          </a:ln>
+          <a:effectLst/>
+        </p:spPr>
+        <p:style>
+          <a:lnRef idx="1">
+            <a:schemeClr val="accent1"/>
+          </a:lnRef>
+          <a:fillRef idx="2">
+            <a:schemeClr val="accent1"/>
+          </a:fillRef>
+          <a:effectRef idx="1">
+            <a:schemeClr val="accent1"/>
+          </a:effectRef>
+          <a:fontRef idx="minor">
+            <a:schemeClr val="dk1"/>
+          </a:fontRef>
+        </p:style>
+      </p:cxnSp>
+      <p:cxnSp>
+        <p:nvCxnSpPr>
+          <p:cNvPr id="133" name="Straight Connector 132">
+            <a:extLst>
+              <a:ext uri="{FF2B5EF4-FFF2-40B4-BE49-F238E27FC236}">
+                <a16:creationId xmlns:a16="http://schemas.microsoft.com/office/drawing/2014/main" id="{A085E51C-09A8-48F0-9650-C587D910FD20}"/>
+              </a:ext>
+            </a:extLst>
+          </p:cNvPr>
+          <p:cNvCxnSpPr>
+            <a:cxnSpLocks/>
+          </p:cNvCxnSpPr>
+          <p:nvPr/>
+        </p:nvCxnSpPr>
+        <p:spPr>
+          <a:xfrm>
+            <a:off x="8711611" y="2991465"/>
+            <a:ext cx="0" cy="1734101"/>
+          </a:xfrm>
+          <a:prstGeom prst="line">
+            <a:avLst/>
+          </a:prstGeom>
+          <a:ln w="19050">
+            <a:solidFill>
+              <a:srgbClr val="7030A0"/>
+            </a:solidFill>
+            <a:prstDash val="sysDash"/>
+          </a:ln>
+          <a:effectLst/>
+        </p:spPr>
+        <p:style>
+          <a:lnRef idx="1">
+            <a:schemeClr val="accent1"/>
+          </a:lnRef>
+          <a:fillRef idx="2">
+            <a:schemeClr val="accent1"/>
+          </a:fillRef>
+          <a:effectRef idx="1">
+            <a:schemeClr val="accent1"/>
+          </a:effectRef>
+          <a:fontRef idx="minor">
+            <a:schemeClr val="dk1"/>
+          </a:fontRef>
+        </p:style>
+      </p:cxnSp>
     </p:spTree>
     <p:extLst>
       <p:ext uri="{BB962C8B-B14F-4D97-AF65-F5344CB8AC3E}">
